--- a/main_matlab_figures/New Microsoft PowerPoint Presentation (5).pptx
+++ b/main_matlab_figures/New Microsoft PowerPoint Presentation (5).pptx
@@ -4,6 +4,9 @@
   <p:sldMasterIdLst>
     <p:sldMasterId id="2147483648" r:id="rId1"/>
   </p:sldMasterIdLst>
+  <p:notesMasterIdLst>
+    <p:notesMasterId r:id="rId3"/>
+  </p:notesMasterIdLst>
   <p:sldIdLst>
     <p:sldId id="256" r:id="rId2"/>
   </p:sldIdLst>
@@ -104,7 +107,445 @@
       </a:defRPr>
     </a:lvl9pPr>
   </p:defaultTextStyle>
+  <p:extLst>
+    <p:ext uri="{EFAFB233-063F-42B5-8137-9DF3F51BA10A}">
+      <p15:sldGuideLst xmlns:p15="http://schemas.microsoft.com/office/powerpoint/2012/main"/>
+    </p:ext>
+  </p:extLst>
 </p:presentation>
+</file>
+
+<file path=ppt/notesMasters/notesMaster1.xml><?xml version="1.0" encoding="utf-8"?>
+<p:notesMaster xmlns:a="http://schemas.openxmlformats.org/drawingml/2006/main" xmlns:r="http://schemas.openxmlformats.org/officeDocument/2006/relationships" xmlns:p="http://schemas.openxmlformats.org/presentationml/2006/main">
+  <p:cSld>
+    <p:bg>
+      <p:bgRef idx="1001">
+        <a:schemeClr val="bg1"/>
+      </p:bgRef>
+    </p:bg>
+    <p:spTree>
+      <p:nvGrpSpPr>
+        <p:cNvPr id="1" name=""/>
+        <p:cNvGrpSpPr/>
+        <p:nvPr/>
+      </p:nvGrpSpPr>
+      <p:grpSpPr>
+        <a:xfrm>
+          <a:off x="0" y="0"/>
+          <a:ext cx="0" cy="0"/>
+          <a:chOff x="0" y="0"/>
+          <a:chExt cx="0" cy="0"/>
+        </a:xfrm>
+      </p:grpSpPr>
+      <p:sp>
+        <p:nvSpPr>
+          <p:cNvPr id="2" name="Header Placeholder 1"/>
+          <p:cNvSpPr>
+            <a:spLocks noGrp="1"/>
+          </p:cNvSpPr>
+          <p:nvPr>
+            <p:ph type="hdr" sz="quarter"/>
+          </p:nvPr>
+        </p:nvSpPr>
+        <p:spPr>
+          <a:xfrm>
+            <a:off x="0" y="0"/>
+            <a:ext cx="2971800" cy="458788"/>
+          </a:xfrm>
+          <a:prstGeom prst="rect">
+            <a:avLst/>
+          </a:prstGeom>
+        </p:spPr>
+        <p:txBody>
+          <a:bodyPr vert="horz" lIns="91440" tIns="45720" rIns="91440" bIns="45720" rtlCol="0"/>
+          <a:lstStyle>
+            <a:lvl1pPr algn="l">
+              <a:defRPr sz="1200"/>
+            </a:lvl1pPr>
+          </a:lstStyle>
+          <a:p>
+            <a:endParaRPr lang="en-US"/>
+          </a:p>
+        </p:txBody>
+      </p:sp>
+      <p:sp>
+        <p:nvSpPr>
+          <p:cNvPr id="3" name="Date Placeholder 2"/>
+          <p:cNvSpPr>
+            <a:spLocks noGrp="1"/>
+          </p:cNvSpPr>
+          <p:nvPr>
+            <p:ph type="dt" idx="1"/>
+          </p:nvPr>
+        </p:nvSpPr>
+        <p:spPr>
+          <a:xfrm>
+            <a:off x="3884613" y="0"/>
+            <a:ext cx="2971800" cy="458788"/>
+          </a:xfrm>
+          <a:prstGeom prst="rect">
+            <a:avLst/>
+          </a:prstGeom>
+        </p:spPr>
+        <p:txBody>
+          <a:bodyPr vert="horz" lIns="91440" tIns="45720" rIns="91440" bIns="45720" rtlCol="0"/>
+          <a:lstStyle>
+            <a:lvl1pPr algn="r">
+              <a:defRPr sz="1200"/>
+            </a:lvl1pPr>
+          </a:lstStyle>
+          <a:p>
+            <a:fld id="{F1C2D963-0D36-4941-A657-F6D7BC1AA493}" type="datetimeFigureOut">
+              <a:rPr lang="en-US" smtClean="0"/>
+              <a:t>2/22/2022</a:t>
+            </a:fld>
+            <a:endParaRPr lang="en-US"/>
+          </a:p>
+        </p:txBody>
+      </p:sp>
+      <p:sp>
+        <p:nvSpPr>
+          <p:cNvPr id="4" name="Slide Image Placeholder 3"/>
+          <p:cNvSpPr>
+            <a:spLocks noGrp="1" noRot="1" noChangeAspect="1"/>
+          </p:cNvSpPr>
+          <p:nvPr>
+            <p:ph type="sldImg" idx="2"/>
+          </p:nvPr>
+        </p:nvSpPr>
+        <p:spPr>
+          <a:xfrm>
+            <a:off x="685800" y="1143000"/>
+            <a:ext cx="5486400" cy="3086100"/>
+          </a:xfrm>
+          <a:prstGeom prst="rect">
+            <a:avLst/>
+          </a:prstGeom>
+          <a:noFill/>
+          <a:ln w="12700">
+            <a:solidFill>
+              <a:prstClr val="black"/>
+            </a:solidFill>
+          </a:ln>
+        </p:spPr>
+        <p:txBody>
+          <a:bodyPr vert="horz" lIns="91440" tIns="45720" rIns="91440" bIns="45720" rtlCol="0" anchor="ctr"/>
+          <a:lstStyle/>
+          <a:p>
+            <a:endParaRPr lang="en-US"/>
+          </a:p>
+        </p:txBody>
+      </p:sp>
+      <p:sp>
+        <p:nvSpPr>
+          <p:cNvPr id="5" name="Notes Placeholder 4"/>
+          <p:cNvSpPr>
+            <a:spLocks noGrp="1"/>
+          </p:cNvSpPr>
+          <p:nvPr>
+            <p:ph type="body" sz="quarter" idx="3"/>
+          </p:nvPr>
+        </p:nvSpPr>
+        <p:spPr>
+          <a:xfrm>
+            <a:off x="685800" y="4400550"/>
+            <a:ext cx="5486400" cy="3600450"/>
+          </a:xfrm>
+          <a:prstGeom prst="rect">
+            <a:avLst/>
+          </a:prstGeom>
+        </p:spPr>
+        <p:txBody>
+          <a:bodyPr vert="horz" lIns="91440" tIns="45720" rIns="91440" bIns="45720" rtlCol="0"/>
+          <a:lstStyle/>
+          <a:p>
+            <a:pPr lvl="0"/>
+            <a:r>
+              <a:rPr lang="en-US"/>
+              <a:t>Click to edit Master text styles</a:t>
+            </a:r>
+          </a:p>
+          <a:p>
+            <a:pPr lvl="1"/>
+            <a:r>
+              <a:rPr lang="en-US"/>
+              <a:t>Second level</a:t>
+            </a:r>
+          </a:p>
+          <a:p>
+            <a:pPr lvl="2"/>
+            <a:r>
+              <a:rPr lang="en-US"/>
+              <a:t>Third level</a:t>
+            </a:r>
+          </a:p>
+          <a:p>
+            <a:pPr lvl="3"/>
+            <a:r>
+              <a:rPr lang="en-US"/>
+              <a:t>Fourth level</a:t>
+            </a:r>
+          </a:p>
+          <a:p>
+            <a:pPr lvl="4"/>
+            <a:r>
+              <a:rPr lang="en-US"/>
+              <a:t>Fifth level</a:t>
+            </a:r>
+          </a:p>
+        </p:txBody>
+      </p:sp>
+      <p:sp>
+        <p:nvSpPr>
+          <p:cNvPr id="6" name="Footer Placeholder 5"/>
+          <p:cNvSpPr>
+            <a:spLocks noGrp="1"/>
+          </p:cNvSpPr>
+          <p:nvPr>
+            <p:ph type="ftr" sz="quarter" idx="4"/>
+          </p:nvPr>
+        </p:nvSpPr>
+        <p:spPr>
+          <a:xfrm>
+            <a:off x="0" y="8685213"/>
+            <a:ext cx="2971800" cy="458787"/>
+          </a:xfrm>
+          <a:prstGeom prst="rect">
+            <a:avLst/>
+          </a:prstGeom>
+        </p:spPr>
+        <p:txBody>
+          <a:bodyPr vert="horz" lIns="91440" tIns="45720" rIns="91440" bIns="45720" rtlCol="0" anchor="b"/>
+          <a:lstStyle>
+            <a:lvl1pPr algn="l">
+              <a:defRPr sz="1200"/>
+            </a:lvl1pPr>
+          </a:lstStyle>
+          <a:p>
+            <a:endParaRPr lang="en-US"/>
+          </a:p>
+        </p:txBody>
+      </p:sp>
+      <p:sp>
+        <p:nvSpPr>
+          <p:cNvPr id="7" name="Slide Number Placeholder 6"/>
+          <p:cNvSpPr>
+            <a:spLocks noGrp="1"/>
+          </p:cNvSpPr>
+          <p:nvPr>
+            <p:ph type="sldNum" sz="quarter" idx="5"/>
+          </p:nvPr>
+        </p:nvSpPr>
+        <p:spPr>
+          <a:xfrm>
+            <a:off x="3884613" y="8685213"/>
+            <a:ext cx="2971800" cy="458787"/>
+          </a:xfrm>
+          <a:prstGeom prst="rect">
+            <a:avLst/>
+          </a:prstGeom>
+        </p:spPr>
+        <p:txBody>
+          <a:bodyPr vert="horz" lIns="91440" tIns="45720" rIns="91440" bIns="45720" rtlCol="0" anchor="b"/>
+          <a:lstStyle>
+            <a:lvl1pPr algn="r">
+              <a:defRPr sz="1200"/>
+            </a:lvl1pPr>
+          </a:lstStyle>
+          <a:p>
+            <a:fld id="{41FC8CF0-BE64-42DD-B515-EEC39FED5294}" type="slidenum">
+              <a:rPr lang="en-US" smtClean="0"/>
+              <a:t>‹#›</a:t>
+            </a:fld>
+            <a:endParaRPr lang="en-US"/>
+          </a:p>
+        </p:txBody>
+      </p:sp>
+    </p:spTree>
+    <p:extLst>
+      <p:ext uri="{BB962C8B-B14F-4D97-AF65-F5344CB8AC3E}">
+        <p14:creationId xmlns:p14="http://schemas.microsoft.com/office/powerpoint/2010/main" val="919841021"/>
+      </p:ext>
+    </p:extLst>
+  </p:cSld>
+  <p:clrMap bg1="lt1" tx1="dk1" bg2="lt2" tx2="dk2" accent1="accent1" accent2="accent2" accent3="accent3" accent4="accent4" accent5="accent5" accent6="accent6" hlink="hlink" folHlink="folHlink"/>
+  <p:notesStyle>
+    <a:lvl1pPr marL="0" algn="l" defTabSz="914400" rtl="0" eaLnBrk="1" latinLnBrk="0" hangingPunct="1">
+      <a:defRPr sz="1200" kern="1200">
+        <a:solidFill>
+          <a:schemeClr val="tx1"/>
+        </a:solidFill>
+        <a:latin typeface="+mn-lt"/>
+        <a:ea typeface="+mn-ea"/>
+        <a:cs typeface="+mn-cs"/>
+      </a:defRPr>
+    </a:lvl1pPr>
+    <a:lvl2pPr marL="457200" algn="l" defTabSz="914400" rtl="0" eaLnBrk="1" latinLnBrk="0" hangingPunct="1">
+      <a:defRPr sz="1200" kern="1200">
+        <a:solidFill>
+          <a:schemeClr val="tx1"/>
+        </a:solidFill>
+        <a:latin typeface="+mn-lt"/>
+        <a:ea typeface="+mn-ea"/>
+        <a:cs typeface="+mn-cs"/>
+      </a:defRPr>
+    </a:lvl2pPr>
+    <a:lvl3pPr marL="914400" algn="l" defTabSz="914400" rtl="0" eaLnBrk="1" latinLnBrk="0" hangingPunct="1">
+      <a:defRPr sz="1200" kern="1200">
+        <a:solidFill>
+          <a:schemeClr val="tx1"/>
+        </a:solidFill>
+        <a:latin typeface="+mn-lt"/>
+        <a:ea typeface="+mn-ea"/>
+        <a:cs typeface="+mn-cs"/>
+      </a:defRPr>
+    </a:lvl3pPr>
+    <a:lvl4pPr marL="1371600" algn="l" defTabSz="914400" rtl="0" eaLnBrk="1" latinLnBrk="0" hangingPunct="1">
+      <a:defRPr sz="1200" kern="1200">
+        <a:solidFill>
+          <a:schemeClr val="tx1"/>
+        </a:solidFill>
+        <a:latin typeface="+mn-lt"/>
+        <a:ea typeface="+mn-ea"/>
+        <a:cs typeface="+mn-cs"/>
+      </a:defRPr>
+    </a:lvl4pPr>
+    <a:lvl5pPr marL="1828800" algn="l" defTabSz="914400" rtl="0" eaLnBrk="1" latinLnBrk="0" hangingPunct="1">
+      <a:defRPr sz="1200" kern="1200">
+        <a:solidFill>
+          <a:schemeClr val="tx1"/>
+        </a:solidFill>
+        <a:latin typeface="+mn-lt"/>
+        <a:ea typeface="+mn-ea"/>
+        <a:cs typeface="+mn-cs"/>
+      </a:defRPr>
+    </a:lvl5pPr>
+    <a:lvl6pPr marL="2286000" algn="l" defTabSz="914400" rtl="0" eaLnBrk="1" latinLnBrk="0" hangingPunct="1">
+      <a:defRPr sz="1200" kern="1200">
+        <a:solidFill>
+          <a:schemeClr val="tx1"/>
+        </a:solidFill>
+        <a:latin typeface="+mn-lt"/>
+        <a:ea typeface="+mn-ea"/>
+        <a:cs typeface="+mn-cs"/>
+      </a:defRPr>
+    </a:lvl6pPr>
+    <a:lvl7pPr marL="2743200" algn="l" defTabSz="914400" rtl="0" eaLnBrk="1" latinLnBrk="0" hangingPunct="1">
+      <a:defRPr sz="1200" kern="1200">
+        <a:solidFill>
+          <a:schemeClr val="tx1"/>
+        </a:solidFill>
+        <a:latin typeface="+mn-lt"/>
+        <a:ea typeface="+mn-ea"/>
+        <a:cs typeface="+mn-cs"/>
+      </a:defRPr>
+    </a:lvl7pPr>
+    <a:lvl8pPr marL="3200400" algn="l" defTabSz="914400" rtl="0" eaLnBrk="1" latinLnBrk="0" hangingPunct="1">
+      <a:defRPr sz="1200" kern="1200">
+        <a:solidFill>
+          <a:schemeClr val="tx1"/>
+        </a:solidFill>
+        <a:latin typeface="+mn-lt"/>
+        <a:ea typeface="+mn-ea"/>
+        <a:cs typeface="+mn-cs"/>
+      </a:defRPr>
+    </a:lvl8pPr>
+    <a:lvl9pPr marL="3657600" algn="l" defTabSz="914400" rtl="0" eaLnBrk="1" latinLnBrk="0" hangingPunct="1">
+      <a:defRPr sz="1200" kern="1200">
+        <a:solidFill>
+          <a:schemeClr val="tx1"/>
+        </a:solidFill>
+        <a:latin typeface="+mn-lt"/>
+        <a:ea typeface="+mn-ea"/>
+        <a:cs typeface="+mn-cs"/>
+      </a:defRPr>
+    </a:lvl9pPr>
+  </p:notesStyle>
+</p:notesMaster>
+</file>
+
+<file path=ppt/notesSlides/notesSlide1.xml><?xml version="1.0" encoding="utf-8"?>
+<p:notes xmlns:a="http://schemas.openxmlformats.org/drawingml/2006/main" xmlns:r="http://schemas.openxmlformats.org/officeDocument/2006/relationships" xmlns:p="http://schemas.openxmlformats.org/presentationml/2006/main">
+  <p:cSld>
+    <p:spTree>
+      <p:nvGrpSpPr>
+        <p:cNvPr id="1" name=""/>
+        <p:cNvGrpSpPr/>
+        <p:nvPr/>
+      </p:nvGrpSpPr>
+      <p:grpSpPr>
+        <a:xfrm>
+          <a:off x="0" y="0"/>
+          <a:ext cx="0" cy="0"/>
+          <a:chOff x="0" y="0"/>
+          <a:chExt cx="0" cy="0"/>
+        </a:xfrm>
+      </p:grpSpPr>
+      <p:sp>
+        <p:nvSpPr>
+          <p:cNvPr id="2" name="Slide Image Placeholder 1"/>
+          <p:cNvSpPr>
+            <a:spLocks noGrp="1" noRot="1" noChangeAspect="1"/>
+          </p:cNvSpPr>
+          <p:nvPr>
+            <p:ph type="sldImg"/>
+          </p:nvPr>
+        </p:nvSpPr>
+        <p:spPr/>
+      </p:sp>
+      <p:sp>
+        <p:nvSpPr>
+          <p:cNvPr id="3" name="Notes Placeholder 2"/>
+          <p:cNvSpPr>
+            <a:spLocks noGrp="1"/>
+          </p:cNvSpPr>
+          <p:nvPr>
+            <p:ph type="body" idx="1"/>
+          </p:nvPr>
+        </p:nvSpPr>
+        <p:spPr/>
+        <p:txBody>
+          <a:bodyPr/>
+          <a:lstStyle/>
+          <a:p>
+            <a:endParaRPr lang="en-US" dirty="0"/>
+          </a:p>
+        </p:txBody>
+      </p:sp>
+      <p:sp>
+        <p:nvSpPr>
+          <p:cNvPr id="4" name="Slide Number Placeholder 3"/>
+          <p:cNvSpPr>
+            <a:spLocks noGrp="1"/>
+          </p:cNvSpPr>
+          <p:nvPr>
+            <p:ph type="sldNum" sz="quarter" idx="5"/>
+          </p:nvPr>
+        </p:nvSpPr>
+        <p:spPr/>
+        <p:txBody>
+          <a:bodyPr/>
+          <a:lstStyle/>
+          <a:p>
+            <a:fld id="{41FC8CF0-BE64-42DD-B515-EEC39FED5294}" type="slidenum">
+              <a:rPr lang="en-US" smtClean="0"/>
+              <a:t>1</a:t>
+            </a:fld>
+            <a:endParaRPr lang="en-US"/>
+          </a:p>
+        </p:txBody>
+      </p:sp>
+    </p:spTree>
+    <p:extLst>
+      <p:ext uri="{BB962C8B-B14F-4D97-AF65-F5344CB8AC3E}">
+        <p14:creationId xmlns:p14="http://schemas.microsoft.com/office/powerpoint/2010/main" val="2166239335"/>
+      </p:ext>
+    </p:extLst>
+  </p:cSld>
+  <p:clrMapOvr>
+    <a:masterClrMapping/>
+  </p:clrMapOvr>
+</p:notes>
 </file>
 
 <file path=ppt/slideLayouts/slideLayout1.xml><?xml version="1.0" encoding="utf-8"?>
@@ -254,7 +695,7 @@
           <a:p>
             <a:fld id="{0B6048AB-C041-4C54-A9D3-79544F769E48}" type="datetimeFigureOut">
               <a:rPr lang="en-US" smtClean="0"/>
-              <a:t>2/19/2022</a:t>
+              <a:t>2/22/2022</a:t>
             </a:fld>
             <a:endParaRPr lang="en-US"/>
           </a:p>
@@ -452,7 +893,7 @@
           <a:p>
             <a:fld id="{0B6048AB-C041-4C54-A9D3-79544F769E48}" type="datetimeFigureOut">
               <a:rPr lang="en-US" smtClean="0"/>
-              <a:t>2/19/2022</a:t>
+              <a:t>2/22/2022</a:t>
             </a:fld>
             <a:endParaRPr lang="en-US"/>
           </a:p>
@@ -660,7 +1101,7 @@
           <a:p>
             <a:fld id="{0B6048AB-C041-4C54-A9D3-79544F769E48}" type="datetimeFigureOut">
               <a:rPr lang="en-US" smtClean="0"/>
-              <a:t>2/19/2022</a:t>
+              <a:t>2/22/2022</a:t>
             </a:fld>
             <a:endParaRPr lang="en-US"/>
           </a:p>
@@ -858,7 +1299,7 @@
           <a:p>
             <a:fld id="{0B6048AB-C041-4C54-A9D3-79544F769E48}" type="datetimeFigureOut">
               <a:rPr lang="en-US" smtClean="0"/>
-              <a:t>2/19/2022</a:t>
+              <a:t>2/22/2022</a:t>
             </a:fld>
             <a:endParaRPr lang="en-US"/>
           </a:p>
@@ -1133,7 +1574,7 @@
           <a:p>
             <a:fld id="{0B6048AB-C041-4C54-A9D3-79544F769E48}" type="datetimeFigureOut">
               <a:rPr lang="en-US" smtClean="0"/>
-              <a:t>2/19/2022</a:t>
+              <a:t>2/22/2022</a:t>
             </a:fld>
             <a:endParaRPr lang="en-US"/>
           </a:p>
@@ -1398,7 +1839,7 @@
           <a:p>
             <a:fld id="{0B6048AB-C041-4C54-A9D3-79544F769E48}" type="datetimeFigureOut">
               <a:rPr lang="en-US" smtClean="0"/>
-              <a:t>2/19/2022</a:t>
+              <a:t>2/22/2022</a:t>
             </a:fld>
             <a:endParaRPr lang="en-US"/>
           </a:p>
@@ -1810,7 +2251,7 @@
           <a:p>
             <a:fld id="{0B6048AB-C041-4C54-A9D3-79544F769E48}" type="datetimeFigureOut">
               <a:rPr lang="en-US" smtClean="0"/>
-              <a:t>2/19/2022</a:t>
+              <a:t>2/22/2022</a:t>
             </a:fld>
             <a:endParaRPr lang="en-US"/>
           </a:p>
@@ -1951,7 +2392,7 @@
           <a:p>
             <a:fld id="{0B6048AB-C041-4C54-A9D3-79544F769E48}" type="datetimeFigureOut">
               <a:rPr lang="en-US" smtClean="0"/>
-              <a:t>2/19/2022</a:t>
+              <a:t>2/22/2022</a:t>
             </a:fld>
             <a:endParaRPr lang="en-US"/>
           </a:p>
@@ -2064,7 +2505,7 @@
           <a:p>
             <a:fld id="{0B6048AB-C041-4C54-A9D3-79544F769E48}" type="datetimeFigureOut">
               <a:rPr lang="en-US" smtClean="0"/>
-              <a:t>2/19/2022</a:t>
+              <a:t>2/22/2022</a:t>
             </a:fld>
             <a:endParaRPr lang="en-US"/>
           </a:p>
@@ -2375,7 +2816,7 @@
           <a:p>
             <a:fld id="{0B6048AB-C041-4C54-A9D3-79544F769E48}" type="datetimeFigureOut">
               <a:rPr lang="en-US" smtClean="0"/>
-              <a:t>2/19/2022</a:t>
+              <a:t>2/22/2022</a:t>
             </a:fld>
             <a:endParaRPr lang="en-US"/>
           </a:p>
@@ -2663,7 +3104,7 @@
           <a:p>
             <a:fld id="{0B6048AB-C041-4C54-A9D3-79544F769E48}" type="datetimeFigureOut">
               <a:rPr lang="en-US" smtClean="0"/>
-              <a:t>2/19/2022</a:t>
+              <a:t>2/22/2022</a:t>
             </a:fld>
             <a:endParaRPr lang="en-US"/>
           </a:p>
@@ -2904,7 +3345,7 @@
           <a:p>
             <a:fld id="{0B6048AB-C041-4C54-A9D3-79544F769E48}" type="datetimeFigureOut">
               <a:rPr lang="en-US" smtClean="0"/>
-              <a:t>2/19/2022</a:t>
+              <a:t>2/22/2022</a:t>
             </a:fld>
             <a:endParaRPr lang="en-US"/>
           </a:p>
@@ -3337,7 +3778,7 @@
             </p:nvSpPr>
             <p:spPr>
               <a:xfrm>
-                <a:off x="1607871" y="973379"/>
+                <a:off x="1499418" y="111411"/>
                 <a:ext cx="698091" cy="442452"/>
               </a:xfrm>
               <a:prstGeom prst="rect">
@@ -3380,7 +3821,7 @@
                       <m:sSub>
                         <m:sSubPr>
                           <m:ctrlPr>
-                            <a:rPr lang="en-US" sz="1400" b="0" i="1" smtClean="0">
+                            <a:rPr lang="en-US" b="0" i="1" smtClean="0">
                               <a:solidFill>
                                 <a:schemeClr val="tx1"/>
                               </a:solidFill>
@@ -3390,7 +3831,7 @@
                         </m:sSubPr>
                         <m:e>
                           <m:r>
-                            <a:rPr lang="en-US" sz="1400" b="0" i="1" smtClean="0">
+                            <a:rPr lang="en-US" b="0" i="1" smtClean="0">
                               <a:solidFill>
                                 <a:schemeClr val="tx1"/>
                               </a:solidFill>
@@ -3401,7 +3842,7 @@
                         </m:e>
                         <m:sub>
                           <m:r>
-                            <a:rPr lang="en-US" sz="1400" b="0" i="1" smtClean="0">
+                            <a:rPr lang="en-US" b="0" i="1" smtClean="0">
                               <a:solidFill>
                                 <a:schemeClr val="tx1"/>
                               </a:solidFill>
@@ -3414,7 +3855,7 @@
                       <m:sSubSup>
                         <m:sSubSupPr>
                           <m:ctrlPr>
-                            <a:rPr lang="en-US" sz="1400" b="0" i="1" smtClean="0">
+                            <a:rPr lang="en-US" b="0" i="1" smtClean="0">
                               <a:solidFill>
                                 <a:schemeClr val="tx1"/>
                               </a:solidFill>
@@ -3424,7 +3865,7 @@
                         </m:sSubSupPr>
                         <m:e>
                           <m:r>
-                            <a:rPr lang="en-US" sz="1400" b="0" i="1" smtClean="0">
+                            <a:rPr lang="en-US" b="0" i="1" smtClean="0">
                               <a:solidFill>
                                 <a:schemeClr val="tx1"/>
                               </a:solidFill>
@@ -3435,7 +3876,7 @@
                         </m:e>
                         <m:sub>
                           <m:r>
-                            <a:rPr lang="en-US" sz="1400" b="0" i="1" smtClean="0">
+                            <a:rPr lang="en-US" b="0" i="1" smtClean="0">
                               <a:solidFill>
                                 <a:schemeClr val="tx1"/>
                               </a:solidFill>
@@ -3446,7 +3887,7 @@
                         </m:sub>
                         <m:sup>
                           <m:r>
-                            <a:rPr lang="en-US" sz="1400" b="0" i="1" smtClean="0">
+                            <a:rPr lang="en-US" b="0" i="1" smtClean="0">
                               <a:solidFill>
                                 <a:schemeClr val="tx1"/>
                               </a:solidFill>
@@ -3459,7 +3900,7 @@
                     </m:oMath>
                   </m:oMathPara>
                 </a14:m>
-                <a:endParaRPr lang="en-US" sz="1400" dirty="0">
+                <a:endParaRPr lang="en-US" dirty="0">
                   <a:solidFill>
                     <a:schemeClr val="tx1"/>
                   </a:solidFill>
@@ -3485,14 +3926,14 @@
             </p:nvSpPr>
             <p:spPr>
               <a:xfrm>
-                <a:off x="1607871" y="973379"/>
+                <a:off x="1499418" y="111411"/>
                 <a:ext cx="698091" cy="442452"/>
               </a:xfrm>
               <a:prstGeom prst="rect">
                 <a:avLst/>
               </a:prstGeom>
               <a:blipFill>
-                <a:blip r:embed="rId2"/>
+                <a:blip r:embed="rId3"/>
                 <a:stretch>
                   <a:fillRect/>
                 </a:stretch>
@@ -3534,7 +3975,7 @@
             </p:nvSpPr>
             <p:spPr>
               <a:xfrm>
-                <a:off x="2300747" y="973379"/>
+                <a:off x="2192593" y="111411"/>
                 <a:ext cx="698091" cy="442452"/>
               </a:xfrm>
               <a:prstGeom prst="rect">
@@ -3577,7 +4018,7 @@
                       <m:sSub>
                         <m:sSubPr>
                           <m:ctrlPr>
-                            <a:rPr lang="en-US" sz="1400" b="0" i="1" smtClean="0">
+                            <a:rPr lang="en-US" b="0" i="1" smtClean="0">
                               <a:solidFill>
                                 <a:schemeClr val="tx1"/>
                               </a:solidFill>
@@ -3587,7 +4028,7 @@
                         </m:sSubPr>
                         <m:e>
                           <m:r>
-                            <a:rPr lang="en-US" sz="1400" b="0" i="1" smtClean="0">
+                            <a:rPr lang="en-US" b="0" i="1" smtClean="0">
                               <a:solidFill>
                                 <a:schemeClr val="tx1"/>
                               </a:solidFill>
@@ -3598,7 +4039,7 @@
                         </m:e>
                         <m:sub>
                           <m:r>
-                            <a:rPr lang="en-US" sz="1400" b="0" i="1" smtClean="0">
+                            <a:rPr lang="en-US" b="0" i="1" smtClean="0">
                               <a:solidFill>
                                 <a:schemeClr val="tx1"/>
                               </a:solidFill>
@@ -3611,7 +4052,7 @@
                       <m:sSubSup>
                         <m:sSubSupPr>
                           <m:ctrlPr>
-                            <a:rPr lang="en-US" sz="1400" b="0" i="1" smtClean="0">
+                            <a:rPr lang="en-US" b="0" i="1" smtClean="0">
                               <a:solidFill>
                                 <a:schemeClr val="tx1"/>
                               </a:solidFill>
@@ -3621,7 +4062,7 @@
                         </m:sSubSupPr>
                         <m:e>
                           <m:r>
-                            <a:rPr lang="en-US" sz="1400" b="0" i="1" smtClean="0">
+                            <a:rPr lang="en-US" b="0" i="1" smtClean="0">
                               <a:solidFill>
                                 <a:schemeClr val="tx1"/>
                               </a:solidFill>
@@ -3632,7 +4073,7 @@
                         </m:e>
                         <m:sub>
                           <m:r>
-                            <a:rPr lang="en-US" sz="1400" b="0" i="1" smtClean="0">
+                            <a:rPr lang="en-US" b="0" i="1" smtClean="0">
                               <a:solidFill>
                                 <a:schemeClr val="tx1"/>
                               </a:solidFill>
@@ -3643,7 +4084,7 @@
                         </m:sub>
                         <m:sup>
                           <m:r>
-                            <a:rPr lang="en-US" sz="1400" b="0" i="1" smtClean="0">
+                            <a:rPr lang="en-US" b="0" i="1" smtClean="0">
                               <a:solidFill>
                                 <a:schemeClr val="tx1"/>
                               </a:solidFill>
@@ -3656,7 +4097,7 @@
                     </m:oMath>
                   </m:oMathPara>
                 </a14:m>
-                <a:endParaRPr lang="en-US" sz="1400" dirty="0">
+                <a:endParaRPr lang="en-US" dirty="0">
                   <a:solidFill>
                     <a:schemeClr val="tx1"/>
                   </a:solidFill>
@@ -3682,14 +4123,14 @@
             </p:nvSpPr>
             <p:spPr>
               <a:xfrm>
-                <a:off x="2300747" y="973379"/>
+                <a:off x="2192593" y="111411"/>
                 <a:ext cx="698091" cy="442452"/>
               </a:xfrm>
               <a:prstGeom prst="rect">
                 <a:avLst/>
               </a:prstGeom>
               <a:blipFill>
-                <a:blip r:embed="rId3"/>
+                <a:blip r:embed="rId4"/>
                 <a:stretch>
                   <a:fillRect/>
                 </a:stretch>
@@ -3731,7 +4172,7 @@
             </p:nvSpPr>
             <p:spPr>
               <a:xfrm>
-                <a:off x="3696929" y="978310"/>
+                <a:off x="3588775" y="106524"/>
                 <a:ext cx="698091" cy="442452"/>
               </a:xfrm>
               <a:prstGeom prst="rect">
@@ -3774,7 +4215,7 @@
                       <m:sSub>
                         <m:sSubPr>
                           <m:ctrlPr>
-                            <a:rPr lang="en-US" sz="1400" b="0" i="1" smtClean="0">
+                            <a:rPr lang="en-US" b="0" i="1" smtClean="0">
                               <a:solidFill>
                                 <a:schemeClr val="tx1"/>
                               </a:solidFill>
@@ -3784,7 +4225,7 @@
                         </m:sSubPr>
                         <m:e>
                           <m:r>
-                            <a:rPr lang="en-US" sz="1400" b="0" i="1" smtClean="0">
+                            <a:rPr lang="en-US" b="0" i="1" smtClean="0">
                               <a:solidFill>
                                 <a:schemeClr val="tx1"/>
                               </a:solidFill>
@@ -3795,7 +4236,7 @@
                         </m:e>
                         <m:sub>
                           <m:r>
-                            <a:rPr lang="en-US" sz="1400" b="0" i="1" smtClean="0">
+                            <a:rPr lang="en-US" b="0" i="1" smtClean="0">
                               <a:solidFill>
                                 <a:schemeClr val="tx1"/>
                               </a:solidFill>
@@ -3808,7 +4249,7 @@
                       <m:sSubSup>
                         <m:sSubSupPr>
                           <m:ctrlPr>
-                            <a:rPr lang="en-US" sz="1400" b="0" i="1" smtClean="0">
+                            <a:rPr lang="en-US" b="0" i="1" smtClean="0">
                               <a:solidFill>
                                 <a:schemeClr val="tx1"/>
                               </a:solidFill>
@@ -3818,7 +4259,7 @@
                         </m:sSubSupPr>
                         <m:e>
                           <m:r>
-                            <a:rPr lang="en-US" sz="1400" b="0" i="1" smtClean="0">
+                            <a:rPr lang="en-US" b="0" i="1" smtClean="0">
                               <a:solidFill>
                                 <a:schemeClr val="tx1"/>
                               </a:solidFill>
@@ -3829,7 +4270,7 @@
                         </m:e>
                         <m:sub>
                           <m:r>
-                            <a:rPr lang="en-US" sz="1400" b="0" i="1" smtClean="0">
+                            <a:rPr lang="en-US" i="1">
                               <a:solidFill>
                                 <a:schemeClr val="tx1"/>
                               </a:solidFill>
@@ -3840,7 +4281,7 @@
                         </m:sub>
                         <m:sup>
                           <m:r>
-                            <a:rPr lang="en-US" sz="1400" b="0" i="1" smtClean="0">
+                            <a:rPr lang="en-US" b="0" i="1" smtClean="0">
                               <a:solidFill>
                                 <a:schemeClr val="tx1"/>
                               </a:solidFill>
@@ -3853,7 +4294,7 @@
                     </m:oMath>
                   </m:oMathPara>
                 </a14:m>
-                <a:endParaRPr lang="en-US" sz="1400" dirty="0">
+                <a:endParaRPr lang="en-US" dirty="0">
                   <a:solidFill>
                     <a:schemeClr val="tx1"/>
                   </a:solidFill>
@@ -3879,14 +4320,14 @@
             </p:nvSpPr>
             <p:spPr>
               <a:xfrm>
-                <a:off x="3696929" y="978310"/>
+                <a:off x="3588775" y="106524"/>
                 <a:ext cx="698091" cy="442452"/>
               </a:xfrm>
               <a:prstGeom prst="rect">
                 <a:avLst/>
               </a:prstGeom>
               <a:blipFill>
-                <a:blip r:embed="rId4"/>
+                <a:blip r:embed="rId5"/>
                 <a:stretch>
                   <a:fillRect/>
                 </a:stretch>
@@ -3928,7 +4369,7 @@
             </p:nvSpPr>
             <p:spPr>
               <a:xfrm>
-                <a:off x="2998839" y="978310"/>
+                <a:off x="2890685" y="106524"/>
                 <a:ext cx="698091" cy="442452"/>
               </a:xfrm>
               <a:prstGeom prst="rect">
@@ -4006,14 +4447,14 @@
             </p:nvSpPr>
             <p:spPr>
               <a:xfrm>
-                <a:off x="2998839" y="978310"/>
+                <a:off x="2890685" y="106524"/>
                 <a:ext cx="698091" cy="442452"/>
               </a:xfrm>
               <a:prstGeom prst="rect">
                 <a:avLst/>
               </a:prstGeom>
               <a:blipFill>
-                <a:blip r:embed="rId5"/>
+                <a:blip r:embed="rId6"/>
                 <a:stretch>
                   <a:fillRect/>
                 </a:stretch>
@@ -4055,7 +4496,7 @@
             </p:nvSpPr>
             <p:spPr>
               <a:xfrm>
-                <a:off x="4395019" y="978310"/>
+                <a:off x="4286865" y="106524"/>
                 <a:ext cx="1385753" cy="442452"/>
               </a:xfrm>
               <a:prstGeom prst="rect">
@@ -4133,14 +4574,14 @@
             </p:nvSpPr>
             <p:spPr>
               <a:xfrm>
-                <a:off x="4395019" y="978310"/>
+                <a:off x="4286865" y="106524"/>
                 <a:ext cx="1385753" cy="442452"/>
               </a:xfrm>
               <a:prstGeom prst="rect">
                 <a:avLst/>
               </a:prstGeom>
               <a:blipFill>
-                <a:blip r:embed="rId6"/>
+                <a:blip r:embed="rId7"/>
                 <a:stretch>
                   <a:fillRect/>
                 </a:stretch>
@@ -4182,7 +4623,7 @@
             </p:nvSpPr>
             <p:spPr>
               <a:xfrm>
-                <a:off x="7653156" y="978312"/>
+                <a:off x="7545002" y="106526"/>
                 <a:ext cx="1209368" cy="442452"/>
               </a:xfrm>
               <a:prstGeom prst="rect">
@@ -4225,7 +4666,7 @@
                       <m:sSub>
                         <m:sSubPr>
                           <m:ctrlPr>
-                            <a:rPr lang="en-US" sz="1400" b="0" i="1" smtClean="0">
+                            <a:rPr lang="en-US" b="0" i="1" smtClean="0">
                               <a:solidFill>
                                 <a:schemeClr val="tx1"/>
                               </a:solidFill>
@@ -4235,7 +4676,7 @@
                         </m:sSubPr>
                         <m:e>
                           <m:r>
-                            <a:rPr lang="en-US" sz="1400" b="0" i="1" smtClean="0">
+                            <a:rPr lang="en-US" b="0" i="1" smtClean="0">
                               <a:solidFill>
                                 <a:schemeClr val="tx1"/>
                               </a:solidFill>
@@ -4246,7 +4687,7 @@
                         </m:e>
                         <m:sub>
                           <m:r>
-                            <a:rPr lang="en-US" sz="1400" b="0" i="1" smtClean="0">
+                            <a:rPr lang="en-US" b="0" i="1" smtClean="0">
                               <a:solidFill>
                                 <a:schemeClr val="tx1"/>
                               </a:solidFill>
@@ -4255,7 +4696,7 @@
                             <m:t>𝑣</m:t>
                           </m:r>
                           <m:r>
-                            <a:rPr lang="en-US" sz="1400" b="0" i="1" smtClean="0">
+                            <a:rPr lang="en-US" b="0" i="1" smtClean="0">
                               <a:solidFill>
                                 <a:schemeClr val="tx1"/>
                               </a:solidFill>
@@ -4264,7 +4705,7 @@
                             <m:t>+</m:t>
                           </m:r>
                           <m:r>
-                            <a:rPr lang="en-US" sz="1400" b="0" i="1" smtClean="0">
+                            <a:rPr lang="en-US" b="0" i="1" smtClean="0">
                               <a:solidFill>
                                 <a:schemeClr val="tx1"/>
                               </a:solidFill>
@@ -4277,7 +4718,7 @@
                       <m:sSubSup>
                         <m:sSubSupPr>
                           <m:ctrlPr>
-                            <a:rPr lang="en-US" sz="1400" b="0" i="1" smtClean="0">
+                            <a:rPr lang="en-US" b="0" i="1" smtClean="0">
                               <a:solidFill>
                                 <a:schemeClr val="tx1"/>
                               </a:solidFill>
@@ -4287,7 +4728,7 @@
                         </m:sSubSupPr>
                         <m:e>
                           <m:r>
-                            <a:rPr lang="en-US" sz="1400" b="0" i="1" smtClean="0">
+                            <a:rPr lang="en-US" b="0" i="1" smtClean="0">
                               <a:solidFill>
                                 <a:schemeClr val="tx1"/>
                               </a:solidFill>
@@ -4298,7 +4739,7 @@
                         </m:e>
                         <m:sub>
                           <m:r>
-                            <a:rPr lang="en-US" sz="1400" b="0" i="1" smtClean="0">
+                            <a:rPr lang="en-US" b="0" i="1" smtClean="0">
                               <a:solidFill>
                                 <a:schemeClr val="tx1"/>
                               </a:solidFill>
@@ -4307,7 +4748,7 @@
                             <m:t>𝑣</m:t>
                           </m:r>
                           <m:r>
-                            <a:rPr lang="en-US" sz="1400" b="0" i="1" smtClean="0">
+                            <a:rPr lang="en-US" b="0" i="1" smtClean="0">
                               <a:solidFill>
                                 <a:schemeClr val="tx1"/>
                               </a:solidFill>
@@ -4316,7 +4757,7 @@
                             <m:t>+</m:t>
                           </m:r>
                           <m:r>
-                            <a:rPr lang="en-US" sz="1400" b="0" i="1" smtClean="0">
+                            <a:rPr lang="en-US" b="0" i="1" smtClean="0">
                               <a:solidFill>
                                 <a:schemeClr val="tx1"/>
                               </a:solidFill>
@@ -4327,7 +4768,7 @@
                         </m:sub>
                         <m:sup>
                           <m:r>
-                            <a:rPr lang="en-US" sz="1400" b="0" i="1" smtClean="0">
+                            <a:rPr lang="en-US" b="0" i="1" smtClean="0">
                               <a:solidFill>
                                 <a:schemeClr val="tx1"/>
                               </a:solidFill>
@@ -4340,7 +4781,7 @@
                     </m:oMath>
                   </m:oMathPara>
                 </a14:m>
-                <a:endParaRPr lang="en-US" sz="1400" dirty="0">
+                <a:endParaRPr lang="en-US" dirty="0">
                   <a:solidFill>
                     <a:schemeClr val="tx1"/>
                   </a:solidFill>
@@ -4366,14 +4807,14 @@
             </p:nvSpPr>
             <p:spPr>
               <a:xfrm>
-                <a:off x="7653156" y="978312"/>
+                <a:off x="7545002" y="106526"/>
                 <a:ext cx="1209368" cy="442452"/>
               </a:xfrm>
               <a:prstGeom prst="rect">
                 <a:avLst/>
               </a:prstGeom>
               <a:blipFill>
-                <a:blip r:embed="rId7"/>
+                <a:blip r:embed="rId8"/>
                 <a:stretch>
                   <a:fillRect/>
                 </a:stretch>
@@ -4415,7 +4856,7 @@
             </p:nvSpPr>
             <p:spPr>
               <a:xfrm>
-                <a:off x="8862524" y="978312"/>
+                <a:off x="8754370" y="106526"/>
                 <a:ext cx="378541" cy="442452"/>
               </a:xfrm>
               <a:prstGeom prst="rect">
@@ -4493,14 +4934,14 @@
             </p:nvSpPr>
             <p:spPr>
               <a:xfrm>
-                <a:off x="8862524" y="978312"/>
+                <a:off x="8754370" y="106526"/>
                 <a:ext cx="378541" cy="442452"/>
               </a:xfrm>
               <a:prstGeom prst="rect">
                 <a:avLst/>
               </a:prstGeom>
               <a:blipFill>
-                <a:blip r:embed="rId8"/>
+                <a:blip r:embed="rId9"/>
                 <a:stretch>
                   <a:fillRect/>
                 </a:stretch>
@@ -4542,8 +4983,8 @@
             </p:nvSpPr>
             <p:spPr>
               <a:xfrm>
-                <a:off x="2103030" y="1927150"/>
-                <a:ext cx="1336008" cy="737392"/>
+                <a:off x="1499418" y="1179265"/>
+                <a:ext cx="1628833" cy="1082887"/>
               </a:xfrm>
               <a:prstGeom prst="rect">
                 <a:avLst/>
@@ -4585,7 +5026,7 @@
                       <m:sSub>
                         <m:sSubPr>
                           <m:ctrlPr>
-                            <a:rPr lang="en-US" sz="1400" b="0" i="1" smtClean="0">
+                            <a:rPr lang="en-US" b="0" i="1" smtClean="0">
                               <a:solidFill>
                                 <a:schemeClr val="tx1"/>
                               </a:solidFill>
@@ -4595,7 +5036,7 @@
                         </m:sSubPr>
                         <m:e>
                           <m:r>
-                            <a:rPr lang="en-US" sz="1400" b="0" i="1" smtClean="0">
+                            <a:rPr lang="en-US" b="0" i="1" smtClean="0">
                               <a:solidFill>
                                 <a:schemeClr val="tx1"/>
                               </a:solidFill>
@@ -4606,7 +5047,7 @@
                         </m:e>
                         <m:sub>
                           <m:r>
-                            <a:rPr lang="en-US" sz="1400" b="0" i="1" smtClean="0">
+                            <a:rPr lang="en-US" b="0" i="1" smtClean="0">
                               <a:solidFill>
                                 <a:schemeClr val="tx1"/>
                               </a:solidFill>
@@ -4617,7 +5058,7 @@
                         </m:sub>
                       </m:sSub>
                       <m:r>
-                        <a:rPr lang="en-US" sz="1400" b="0" i="1" smtClean="0">
+                        <a:rPr lang="en-US" b="0" i="1" smtClean="0">
                           <a:solidFill>
                             <a:schemeClr val="tx1"/>
                           </a:solidFill>
@@ -4629,7 +5070,7 @@
                         <m:naryPr>
                           <m:chr m:val="∑"/>
                           <m:ctrlPr>
-                            <a:rPr lang="en-US" sz="1400" b="0" i="1" smtClean="0">
+                            <a:rPr lang="en-US" b="0" i="1" smtClean="0">
                               <a:solidFill>
                                 <a:schemeClr val="tx1"/>
                               </a:solidFill>
@@ -4642,7 +5083,7 @@
                             <m:rPr>
                               <m:brk m:alnAt="23"/>
                             </m:rPr>
-                            <a:rPr lang="en-US" sz="1400" b="0" i="1" smtClean="0">
+                            <a:rPr lang="en-US" b="0" i="1" smtClean="0">
                               <a:solidFill>
                                 <a:schemeClr val="tx1"/>
                               </a:solidFill>
@@ -4651,7 +5092,7 @@
                             <m:t>𝑛</m:t>
                           </m:r>
                           <m:r>
-                            <a:rPr lang="en-US" sz="1400" b="0" i="1" smtClean="0">
+                            <a:rPr lang="en-US" b="0" i="1" smtClean="0">
                               <a:solidFill>
                                 <a:schemeClr val="tx1"/>
                               </a:solidFill>
@@ -4662,7 +5103,7 @@
                         </m:sub>
                         <m:sup>
                           <m:r>
-                            <a:rPr lang="en-US" sz="1400" b="0" i="1" smtClean="0">
+                            <a:rPr lang="en-US" b="0" i="1" smtClean="0">
                               <a:solidFill>
                                 <a:schemeClr val="tx1"/>
                               </a:solidFill>
@@ -4671,7 +5112,7 @@
                             <m:t>𝑣</m:t>
                           </m:r>
                           <m:r>
-                            <a:rPr lang="en-US" sz="1400" b="0" i="1" smtClean="0">
+                            <a:rPr lang="en-US" b="0" i="1" smtClean="0">
                               <a:solidFill>
                                 <a:schemeClr val="tx1"/>
                               </a:solidFill>
@@ -4684,7 +5125,7 @@
                           <m:sSub>
                             <m:sSubPr>
                               <m:ctrlPr>
-                                <a:rPr lang="en-US" sz="1400" b="0" i="1" smtClean="0">
+                                <a:rPr lang="en-US" b="0" i="1" smtClean="0">
                                   <a:solidFill>
                                     <a:schemeClr val="tx1"/>
                                   </a:solidFill>
@@ -4694,7 +5135,7 @@
                             </m:sSubPr>
                             <m:e>
                               <m:r>
-                                <a:rPr lang="en-US" sz="1400" b="0" i="1" smtClean="0">
+                                <a:rPr lang="en-US" b="0" i="1" smtClean="0">
                                   <a:solidFill>
                                     <a:schemeClr val="tx1"/>
                                   </a:solidFill>
@@ -4705,7 +5146,7 @@
                             </m:e>
                             <m:sub>
                               <m:r>
-                                <a:rPr lang="en-US" sz="1400" b="0" i="1" smtClean="0">
+                                <a:rPr lang="en-US" b="0" i="1" smtClean="0">
                                   <a:solidFill>
                                     <a:schemeClr val="tx1"/>
                                   </a:solidFill>
@@ -4718,7 +5159,7 @@
                           <m:sSubSup>
                             <m:sSubSupPr>
                               <m:ctrlPr>
-                                <a:rPr lang="en-US" sz="1400" b="0" i="1" smtClean="0">
+                                <a:rPr lang="en-US" b="0" i="1" smtClean="0">
                                   <a:solidFill>
                                     <a:schemeClr val="tx1"/>
                                   </a:solidFill>
@@ -4728,7 +5169,7 @@
                             </m:sSubSupPr>
                             <m:e>
                               <m:r>
-                                <a:rPr lang="en-US" sz="1400" b="0" i="1" smtClean="0">
+                                <a:rPr lang="en-US" b="0" i="1" smtClean="0">
                                   <a:solidFill>
                                     <a:schemeClr val="tx1"/>
                                   </a:solidFill>
@@ -4739,7 +5180,7 @@
                             </m:e>
                             <m:sub>
                               <m:r>
-                                <a:rPr lang="en-US" sz="1400" b="0" i="1" smtClean="0">
+                                <a:rPr lang="en-US" b="0" i="1" smtClean="0">
                                   <a:solidFill>
                                     <a:schemeClr val="tx1"/>
                                   </a:solidFill>
@@ -4750,7 +5191,7 @@
                             </m:sub>
                             <m:sup>
                               <m:r>
-                                <a:rPr lang="en-US" sz="1400" b="0" i="1" smtClean="0">
+                                <a:rPr lang="en-US" b="0" i="1" smtClean="0">
                                   <a:solidFill>
                                     <a:schemeClr val="tx1"/>
                                   </a:solidFill>
@@ -4765,7 +5206,7 @@
                     </m:oMath>
                   </m:oMathPara>
                 </a14:m>
-                <a:endParaRPr lang="en-US" sz="1400" dirty="0">
+                <a:endParaRPr lang="en-US" dirty="0">
                   <a:solidFill>
                     <a:schemeClr val="tx1"/>
                   </a:solidFill>
@@ -4791,14 +5232,14 @@
             </p:nvSpPr>
             <p:spPr>
               <a:xfrm>
-                <a:off x="2103030" y="1927150"/>
-                <a:ext cx="1336008" cy="737392"/>
+                <a:off x="1499418" y="1179265"/>
+                <a:ext cx="1628833" cy="1082887"/>
               </a:xfrm>
               <a:prstGeom prst="rect">
                 <a:avLst/>
               </a:prstGeom>
               <a:blipFill>
-                <a:blip r:embed="rId9"/>
+                <a:blip r:embed="rId10"/>
                 <a:stretch>
                   <a:fillRect/>
                 </a:stretch>
@@ -4840,7 +5281,7 @@
             </p:nvSpPr>
             <p:spPr>
               <a:xfrm>
-                <a:off x="9241065" y="978310"/>
+                <a:off x="9132911" y="106524"/>
                 <a:ext cx="1061884" cy="442452"/>
               </a:xfrm>
               <a:prstGeom prst="rect">
@@ -4883,7 +5324,7 @@
                       <m:sSub>
                         <m:sSubPr>
                           <m:ctrlPr>
-                            <a:rPr lang="en-US" sz="1400" b="0" i="1" smtClean="0">
+                            <a:rPr lang="en-US" b="0" i="1" smtClean="0">
                               <a:solidFill>
                                 <a:schemeClr val="tx1"/>
                               </a:solidFill>
@@ -4893,7 +5334,7 @@
                         </m:sSubPr>
                         <m:e>
                           <m:r>
-                            <a:rPr lang="en-US" sz="1400" b="0" i="1" smtClean="0">
+                            <a:rPr lang="en-US" b="0" i="1" smtClean="0">
                               <a:solidFill>
                                 <a:schemeClr val="tx1"/>
                               </a:solidFill>
@@ -4904,7 +5345,7 @@
                         </m:e>
                         <m:sub>
                           <m:r>
-                            <a:rPr lang="en-US" sz="1400" b="0" i="1" smtClean="0">
+                            <a:rPr lang="en-US" b="0" i="1" smtClean="0">
                               <a:solidFill>
                                 <a:schemeClr val="tx1"/>
                               </a:solidFill>
@@ -4913,7 +5354,7 @@
                             <m:t>𝑁</m:t>
                           </m:r>
                           <m:r>
-                            <a:rPr lang="en-US" sz="1400" b="0" i="1" smtClean="0">
+                            <a:rPr lang="en-US" b="0" i="1" smtClean="0">
                               <a:solidFill>
                                 <a:schemeClr val="tx1"/>
                               </a:solidFill>
@@ -4926,7 +5367,7 @@
                       <m:sSubSup>
                         <m:sSubSupPr>
                           <m:ctrlPr>
-                            <a:rPr lang="en-US" sz="1400" b="0" i="1" smtClean="0">
+                            <a:rPr lang="en-US" b="0" i="1" smtClean="0">
                               <a:solidFill>
                                 <a:schemeClr val="tx1"/>
                               </a:solidFill>
@@ -4936,7 +5377,7 @@
                         </m:sSubSupPr>
                         <m:e>
                           <m:r>
-                            <a:rPr lang="en-US" sz="1400" b="0" i="1" smtClean="0">
+                            <a:rPr lang="en-US" b="0" i="1" smtClean="0">
                               <a:solidFill>
                                 <a:schemeClr val="tx1"/>
                               </a:solidFill>
@@ -4947,7 +5388,7 @@
                         </m:e>
                         <m:sub>
                           <m:r>
-                            <a:rPr lang="en-US" sz="1400" b="0" i="1" smtClean="0">
+                            <a:rPr lang="en-US" b="0" i="1" smtClean="0">
                               <a:solidFill>
                                 <a:schemeClr val="tx1"/>
                               </a:solidFill>
@@ -4956,7 +5397,7 @@
                             <m:t>𝑁</m:t>
                           </m:r>
                           <m:r>
-                            <a:rPr lang="en-US" sz="1400" b="0" i="1" smtClean="0">
+                            <a:rPr lang="en-US" b="0" i="1" smtClean="0">
                               <a:solidFill>
                                 <a:schemeClr val="tx1"/>
                               </a:solidFill>
@@ -4967,7 +5408,7 @@
                         </m:sub>
                         <m:sup>
                           <m:r>
-                            <a:rPr lang="en-US" sz="1400" b="0" i="1" smtClean="0">
+                            <a:rPr lang="en-US" b="0" i="1" smtClean="0">
                               <a:solidFill>
                                 <a:schemeClr val="tx1"/>
                               </a:solidFill>
@@ -4980,7 +5421,7 @@
                     </m:oMath>
                   </m:oMathPara>
                 </a14:m>
-                <a:endParaRPr lang="en-US" sz="1400" dirty="0">
+                <a:endParaRPr lang="en-US" dirty="0">
                   <a:solidFill>
                     <a:schemeClr val="tx1"/>
                   </a:solidFill>
@@ -5006,14 +5447,14 @@
             </p:nvSpPr>
             <p:spPr>
               <a:xfrm>
-                <a:off x="9241065" y="978310"/>
+                <a:off x="9132911" y="106524"/>
                 <a:ext cx="1061884" cy="442452"/>
               </a:xfrm>
               <a:prstGeom prst="rect">
                 <a:avLst/>
               </a:prstGeom>
               <a:blipFill>
-                <a:blip r:embed="rId10"/>
+                <a:blip r:embed="rId11"/>
                 <a:stretch>
                   <a:fillRect/>
                 </a:stretch>
@@ -5055,7 +5496,7 @@
             </p:nvSpPr>
             <p:spPr>
               <a:xfrm>
-                <a:off x="6478863" y="978310"/>
+                <a:off x="6370709" y="106524"/>
                 <a:ext cx="1174292" cy="442452"/>
               </a:xfrm>
               <a:prstGeom prst="rect">
@@ -5133,14 +5574,14 @@
             </p:nvSpPr>
             <p:spPr>
               <a:xfrm>
-                <a:off x="6478863" y="978310"/>
+                <a:off x="6370709" y="106524"/>
                 <a:ext cx="1174292" cy="442452"/>
               </a:xfrm>
               <a:prstGeom prst="rect">
                 <a:avLst/>
               </a:prstGeom>
               <a:blipFill>
-                <a:blip r:embed="rId11"/>
+                <a:blip r:embed="rId12"/>
                 <a:stretch>
                   <a:fillRect/>
                 </a:stretch>
@@ -5182,7 +5623,7 @@
             </p:nvSpPr>
             <p:spPr>
               <a:xfrm>
-                <a:off x="5780772" y="973906"/>
+                <a:off x="5672618" y="103398"/>
                 <a:ext cx="698091" cy="442452"/>
               </a:xfrm>
               <a:prstGeom prst="rect">
@@ -5225,7 +5666,7 @@
                       <m:sSub>
                         <m:sSubPr>
                           <m:ctrlPr>
-                            <a:rPr lang="en-US" sz="1400" b="0" i="1" smtClean="0">
+                            <a:rPr lang="en-US" b="0" i="1" smtClean="0">
                               <a:solidFill>
                                 <a:schemeClr val="tx1"/>
                               </a:solidFill>
@@ -5235,7 +5676,7 @@
                         </m:sSubPr>
                         <m:e>
                           <m:r>
-                            <a:rPr lang="en-US" sz="1400" b="0" i="1" smtClean="0">
+                            <a:rPr lang="en-US" b="0" i="1" smtClean="0">
                               <a:solidFill>
                                 <a:schemeClr val="tx1"/>
                               </a:solidFill>
@@ -5246,7 +5687,7 @@
                         </m:e>
                         <m:sub>
                           <m:r>
-                            <a:rPr lang="en-US" sz="1400" b="0" i="1" smtClean="0">
+                            <a:rPr lang="en-US" b="0" i="1" smtClean="0">
                               <a:solidFill>
                                 <a:schemeClr val="tx1"/>
                               </a:solidFill>
@@ -5259,7 +5700,7 @@
                       <m:sSubSup>
                         <m:sSubSupPr>
                           <m:ctrlPr>
-                            <a:rPr lang="en-US" sz="1400" b="0" i="1" smtClean="0">
+                            <a:rPr lang="en-US" b="0" i="1" smtClean="0">
                               <a:solidFill>
                                 <a:schemeClr val="tx1"/>
                               </a:solidFill>
@@ -5269,7 +5710,7 @@
                         </m:sSubSupPr>
                         <m:e>
                           <m:r>
-                            <a:rPr lang="en-US" sz="1400" b="0" i="1" smtClean="0">
+                            <a:rPr lang="en-US" b="0" i="1" smtClean="0">
                               <a:solidFill>
                                 <a:schemeClr val="tx1"/>
                               </a:solidFill>
@@ -5280,7 +5721,7 @@
                         </m:e>
                         <m:sub>
                           <m:r>
-                            <a:rPr lang="en-US" sz="1400" b="0" i="1" smtClean="0">
+                            <a:rPr lang="en-US" b="0" i="1" smtClean="0">
                               <a:solidFill>
                                 <a:schemeClr val="tx1"/>
                               </a:solidFill>
@@ -5291,7 +5732,7 @@
                         </m:sub>
                         <m:sup>
                           <m:r>
-                            <a:rPr lang="en-US" sz="1400" b="0" i="1" smtClean="0">
+                            <a:rPr lang="en-US" b="0" i="1" smtClean="0">
                               <a:solidFill>
                                 <a:schemeClr val="tx1"/>
                               </a:solidFill>
@@ -5304,7 +5745,7 @@
                     </m:oMath>
                   </m:oMathPara>
                 </a14:m>
-                <a:endParaRPr lang="en-US" sz="1400" dirty="0">
+                <a:endParaRPr lang="en-US" dirty="0">
                   <a:solidFill>
                     <a:schemeClr val="tx1"/>
                   </a:solidFill>
@@ -5330,14 +5771,14 @@
             </p:nvSpPr>
             <p:spPr>
               <a:xfrm>
-                <a:off x="5780772" y="973906"/>
+                <a:off x="5672618" y="103398"/>
                 <a:ext cx="698091" cy="442452"/>
               </a:xfrm>
               <a:prstGeom prst="rect">
                 <a:avLst/>
               </a:prstGeom>
               <a:blipFill>
-                <a:blip r:embed="rId12"/>
+                <a:blip r:embed="rId13"/>
                 <a:stretch>
                   <a:fillRect/>
                 </a:stretch>
@@ -5363,260 +5804,6 @@
           </p:sp>
         </mc:Fallback>
       </mc:AlternateContent>
-      <p:sp>
-        <p:nvSpPr>
-          <p:cNvPr id="17" name="Right Brace 16">
-            <a:extLst>
-              <a:ext uri="{FF2B5EF4-FFF2-40B4-BE49-F238E27FC236}">
-                <a16:creationId xmlns:a16="http://schemas.microsoft.com/office/drawing/2014/main" id="{FB1B0945-BFEC-4823-9D98-4BF9A69D1A2D}"/>
-              </a:ext>
-            </a:extLst>
-          </p:cNvPr>
-          <p:cNvSpPr/>
-          <p:nvPr/>
-        </p:nvSpPr>
-        <p:spPr>
-          <a:xfrm rot="5400000">
-            <a:off x="2630923" y="746461"/>
-            <a:ext cx="280223" cy="1628833"/>
-          </a:xfrm>
-          <a:prstGeom prst="rightBrace">
-            <a:avLst>
-              <a:gd name="adj1" fmla="val 143383"/>
-              <a:gd name="adj2" fmla="val 50665"/>
-            </a:avLst>
-          </a:prstGeom>
-          <a:ln w="19050">
-            <a:solidFill>
-              <a:schemeClr val="tx1"/>
-            </a:solidFill>
-          </a:ln>
-        </p:spPr>
-        <p:style>
-          <a:lnRef idx="1">
-            <a:schemeClr val="accent1"/>
-          </a:lnRef>
-          <a:fillRef idx="0">
-            <a:schemeClr val="accent1"/>
-          </a:fillRef>
-          <a:effectRef idx="0">
-            <a:schemeClr val="accent1"/>
-          </a:effectRef>
-          <a:fontRef idx="minor">
-            <a:schemeClr val="tx1"/>
-          </a:fontRef>
-        </p:style>
-        <p:txBody>
-          <a:bodyPr rtlCol="0" anchor="ctr"/>
-          <a:lstStyle/>
-          <a:p>
-            <a:pPr algn="ctr"/>
-            <a:endParaRPr lang="en-US"/>
-          </a:p>
-        </p:txBody>
-      </p:sp>
-      <p:sp>
-        <p:nvSpPr>
-          <p:cNvPr id="19" name="Right Brace 18">
-            <a:extLst>
-              <a:ext uri="{FF2B5EF4-FFF2-40B4-BE49-F238E27FC236}">
-                <a16:creationId xmlns:a16="http://schemas.microsoft.com/office/drawing/2014/main" id="{5FF09699-91AD-4D8E-96C4-1B1972DE14A8}"/>
-              </a:ext>
-            </a:extLst>
-          </p:cNvPr>
-          <p:cNvSpPr/>
-          <p:nvPr/>
-        </p:nvSpPr>
-        <p:spPr>
-          <a:xfrm rot="5400000">
-            <a:off x="4170110" y="1141782"/>
-            <a:ext cx="258105" cy="830813"/>
-          </a:xfrm>
-          <a:prstGeom prst="rightBrace">
-            <a:avLst>
-              <a:gd name="adj1" fmla="val 78409"/>
-              <a:gd name="adj2" fmla="val 51282"/>
-            </a:avLst>
-          </a:prstGeom>
-          <a:ln w="19050">
-            <a:solidFill>
-              <a:schemeClr val="tx1"/>
-            </a:solidFill>
-          </a:ln>
-        </p:spPr>
-        <p:style>
-          <a:lnRef idx="1">
-            <a:schemeClr val="accent1"/>
-          </a:lnRef>
-          <a:fillRef idx="0">
-            <a:schemeClr val="accent1"/>
-          </a:fillRef>
-          <a:effectRef idx="0">
-            <a:schemeClr val="accent1"/>
-          </a:effectRef>
-          <a:fontRef idx="minor">
-            <a:schemeClr val="tx1"/>
-          </a:fontRef>
-        </p:style>
-        <p:txBody>
-          <a:bodyPr rtlCol="0" anchor="ctr"/>
-          <a:lstStyle/>
-          <a:p>
-            <a:pPr algn="ctr"/>
-            <a:endParaRPr lang="en-US"/>
-          </a:p>
-        </p:txBody>
-      </p:sp>
-      <p:sp>
-        <p:nvSpPr>
-          <p:cNvPr id="21" name="Right Brace 20">
-            <a:extLst>
-              <a:ext uri="{FF2B5EF4-FFF2-40B4-BE49-F238E27FC236}">
-                <a16:creationId xmlns:a16="http://schemas.microsoft.com/office/drawing/2014/main" id="{55A566F9-83CB-444B-B74F-5622F1F64FCB}"/>
-              </a:ext>
-            </a:extLst>
-          </p:cNvPr>
-          <p:cNvSpPr/>
-          <p:nvPr/>
-        </p:nvSpPr>
-        <p:spPr>
-          <a:xfrm rot="5400000">
-            <a:off x="5955695" y="1096506"/>
-            <a:ext cx="250732" cy="928741"/>
-          </a:xfrm>
-          <a:prstGeom prst="rightBrace">
-            <a:avLst>
-              <a:gd name="adj1" fmla="val 84641"/>
-              <a:gd name="adj2" fmla="val 45701"/>
-            </a:avLst>
-          </a:prstGeom>
-          <a:ln w="19050">
-            <a:solidFill>
-              <a:schemeClr val="tx1"/>
-            </a:solidFill>
-          </a:ln>
-        </p:spPr>
-        <p:style>
-          <a:lnRef idx="1">
-            <a:schemeClr val="accent1"/>
-          </a:lnRef>
-          <a:fillRef idx="0">
-            <a:schemeClr val="accent1"/>
-          </a:fillRef>
-          <a:effectRef idx="0">
-            <a:schemeClr val="accent1"/>
-          </a:effectRef>
-          <a:fontRef idx="minor">
-            <a:schemeClr val="tx1"/>
-          </a:fontRef>
-        </p:style>
-        <p:txBody>
-          <a:bodyPr rtlCol="0" anchor="ctr"/>
-          <a:lstStyle/>
-          <a:p>
-            <a:pPr algn="ctr"/>
-            <a:endParaRPr lang="en-US"/>
-          </a:p>
-        </p:txBody>
-      </p:sp>
-      <p:sp>
-        <p:nvSpPr>
-          <p:cNvPr id="22" name="Right Brace 21">
-            <a:extLst>
-              <a:ext uri="{FF2B5EF4-FFF2-40B4-BE49-F238E27FC236}">
-                <a16:creationId xmlns:a16="http://schemas.microsoft.com/office/drawing/2014/main" id="{033A6896-27EE-456F-A5B7-7B124BBA06CB}"/>
-              </a:ext>
-            </a:extLst>
-          </p:cNvPr>
-          <p:cNvSpPr/>
-          <p:nvPr/>
-        </p:nvSpPr>
-        <p:spPr>
-          <a:xfrm rot="5400000">
-            <a:off x="8116527" y="865248"/>
-            <a:ext cx="242424" cy="1399568"/>
-          </a:xfrm>
-          <a:prstGeom prst="rightBrace">
-            <a:avLst>
-              <a:gd name="adj1" fmla="val 135382"/>
-              <a:gd name="adj2" fmla="val 46900"/>
-            </a:avLst>
-          </a:prstGeom>
-          <a:ln w="19050">
-            <a:solidFill>
-              <a:schemeClr val="tx1"/>
-            </a:solidFill>
-          </a:ln>
-        </p:spPr>
-        <p:style>
-          <a:lnRef idx="1">
-            <a:schemeClr val="accent1"/>
-          </a:lnRef>
-          <a:fillRef idx="0">
-            <a:schemeClr val="accent1"/>
-          </a:fillRef>
-          <a:effectRef idx="0">
-            <a:schemeClr val="accent1"/>
-          </a:effectRef>
-          <a:fontRef idx="minor">
-            <a:schemeClr val="tx1"/>
-          </a:fontRef>
-        </p:style>
-        <p:txBody>
-          <a:bodyPr rtlCol="0" anchor="ctr"/>
-          <a:lstStyle/>
-          <a:p>
-            <a:pPr algn="ctr"/>
-            <a:endParaRPr lang="en-US"/>
-          </a:p>
-        </p:txBody>
-      </p:sp>
-      <p:cxnSp>
-        <p:nvCxnSpPr>
-          <p:cNvPr id="37" name="Straight Arrow Connector 36">
-            <a:extLst>
-              <a:ext uri="{FF2B5EF4-FFF2-40B4-BE49-F238E27FC236}">
-                <a16:creationId xmlns:a16="http://schemas.microsoft.com/office/drawing/2014/main" id="{2103D3BC-4989-4C70-B42F-4809CEEBBAD2}"/>
-              </a:ext>
-            </a:extLst>
-          </p:cNvPr>
-          <p:cNvCxnSpPr>
-            <a:cxnSpLocks/>
-            <a:stCxn id="17" idx="1"/>
-            <a:endCxn id="13" idx="0"/>
-          </p:cNvCxnSpPr>
-          <p:nvPr/>
-        </p:nvCxnSpPr>
-        <p:spPr>
-          <a:xfrm>
-            <a:off x="2760203" y="1700989"/>
-            <a:ext cx="10831" cy="226161"/>
-          </a:xfrm>
-          <a:prstGeom prst="straightConnector1">
-            <a:avLst/>
-          </a:prstGeom>
-          <a:ln w="19050">
-            <a:solidFill>
-              <a:schemeClr val="tx1"/>
-            </a:solidFill>
-            <a:tailEnd type="triangle"/>
-          </a:ln>
-        </p:spPr>
-        <p:style>
-          <a:lnRef idx="1">
-            <a:schemeClr val="accent1"/>
-          </a:lnRef>
-          <a:fillRef idx="0">
-            <a:schemeClr val="accent1"/>
-          </a:fillRef>
-          <a:effectRef idx="0">
-            <a:schemeClr val="accent1"/>
-          </a:effectRef>
-          <a:fontRef idx="minor">
-            <a:schemeClr val="tx1"/>
-          </a:fontRef>
-        </p:style>
-      </p:cxnSp>
       <mc:AlternateContent xmlns:mc="http://schemas.openxmlformats.org/markup-compatibility/2006">
         <mc:Choice xmlns:a14="http://schemas.microsoft.com/office/drawing/2010/main" Requires="a14">
           <p:sp>
@@ -5633,8 +5820,8 @@
             </p:nvSpPr>
             <p:spPr>
               <a:xfrm>
-                <a:off x="3696929" y="1927150"/>
-                <a:ext cx="1282747" cy="737392"/>
+                <a:off x="3338758" y="1185439"/>
+                <a:ext cx="1620001" cy="1081421"/>
               </a:xfrm>
               <a:prstGeom prst="rect">
                 <a:avLst/>
@@ -5676,7 +5863,7 @@
                       <m:sSub>
                         <m:sSubPr>
                           <m:ctrlPr>
-                            <a:rPr lang="en-US" sz="1400" b="0" i="1" smtClean="0">
+                            <a:rPr lang="en-US" b="0" i="1" smtClean="0">
                               <a:solidFill>
                                 <a:schemeClr val="tx1"/>
                               </a:solidFill>
@@ -5686,7 +5873,7 @@
                         </m:sSubPr>
                         <m:e>
                           <m:r>
-                            <a:rPr lang="en-US" sz="1400" b="0" i="1" smtClean="0">
+                            <a:rPr lang="en-US" b="0" i="1" smtClean="0">
                               <a:solidFill>
                                 <a:schemeClr val="tx1"/>
                               </a:solidFill>
@@ -5697,7 +5884,7 @@
                         </m:e>
                         <m:sub>
                           <m:r>
-                            <a:rPr lang="en-US" sz="1400" b="0" i="1" smtClean="0">
+                            <a:rPr lang="en-US" b="0" i="1" smtClean="0">
                               <a:solidFill>
                                 <a:schemeClr val="tx1"/>
                               </a:solidFill>
@@ -5708,7 +5895,7 @@
                         </m:sub>
                       </m:sSub>
                       <m:r>
-                        <a:rPr lang="en-US" sz="1400" b="0" i="1" smtClean="0">
+                        <a:rPr lang="en-US" b="0" i="1" smtClean="0">
                           <a:solidFill>
                             <a:schemeClr val="tx1"/>
                           </a:solidFill>
@@ -5720,7 +5907,7 @@
                         <m:naryPr>
                           <m:chr m:val="∑"/>
                           <m:ctrlPr>
-                            <a:rPr lang="en-US" sz="1400" b="0" i="1" smtClean="0">
+                            <a:rPr lang="en-US" b="0" i="1" smtClean="0">
                               <a:solidFill>
                                 <a:schemeClr val="tx1"/>
                               </a:solidFill>
@@ -5733,7 +5920,7 @@
                             <m:rPr>
                               <m:brk m:alnAt="23"/>
                             </m:rPr>
-                            <a:rPr lang="en-US" sz="1400" b="0" i="1" smtClean="0">
+                            <a:rPr lang="en-US" b="0" i="1" smtClean="0">
                               <a:solidFill>
                                 <a:schemeClr val="tx1"/>
                               </a:solidFill>
@@ -5742,7 +5929,7 @@
                             <m:t>𝑛</m:t>
                           </m:r>
                           <m:r>
-                            <a:rPr lang="en-US" sz="1400" b="0" i="1" smtClean="0">
+                            <a:rPr lang="en-US" b="0" i="1" smtClean="0">
                               <a:solidFill>
                                 <a:schemeClr val="tx1"/>
                               </a:solidFill>
@@ -5751,7 +5938,7 @@
                             <m:t>=</m:t>
                           </m:r>
                           <m:r>
-                            <a:rPr lang="en-US" sz="1400" b="0" i="1" smtClean="0">
+                            <a:rPr lang="en-US" b="0" i="1" smtClean="0">
                               <a:solidFill>
                                 <a:schemeClr val="tx1"/>
                               </a:solidFill>
@@ -5762,7 +5949,7 @@
                         </m:sub>
                         <m:sup>
                           <m:r>
-                            <a:rPr lang="en-US" sz="1400" b="0" i="1" smtClean="0">
+                            <a:rPr lang="en-US" b="0" i="1" smtClean="0">
                               <a:solidFill>
                                 <a:schemeClr val="tx1"/>
                               </a:solidFill>
@@ -5771,7 +5958,7 @@
                             <m:t>2</m:t>
                           </m:r>
                           <m:r>
-                            <a:rPr lang="en-US" sz="1400" b="0" i="1" smtClean="0">
+                            <a:rPr lang="en-US" b="0" i="1" smtClean="0">
                               <a:solidFill>
                                 <a:schemeClr val="tx1"/>
                               </a:solidFill>
@@ -5780,7 +5967,7 @@
                             <m:t>𝑣</m:t>
                           </m:r>
                           <m:r>
-                            <a:rPr lang="en-US" sz="1400" b="0" i="1" smtClean="0">
+                            <a:rPr lang="en-US" b="0" i="1" smtClean="0">
                               <a:solidFill>
                                 <a:schemeClr val="tx1"/>
                               </a:solidFill>
@@ -5793,7 +5980,7 @@
                           <m:sSub>
                             <m:sSubPr>
                               <m:ctrlPr>
-                                <a:rPr lang="en-US" sz="1400" b="0" i="1" smtClean="0">
+                                <a:rPr lang="en-US" b="0" i="1" smtClean="0">
                                   <a:solidFill>
                                     <a:schemeClr val="tx1"/>
                                   </a:solidFill>
@@ -5803,7 +5990,7 @@
                             </m:sSubPr>
                             <m:e>
                               <m:r>
-                                <a:rPr lang="en-US" sz="1400" b="0" i="1" smtClean="0">
+                                <a:rPr lang="en-US" b="0" i="1" smtClean="0">
                                   <a:solidFill>
                                     <a:schemeClr val="tx1"/>
                                   </a:solidFill>
@@ -5814,7 +6001,7 @@
                             </m:e>
                             <m:sub>
                               <m:r>
-                                <a:rPr lang="en-US" sz="1400" b="0" i="1" smtClean="0">
+                                <a:rPr lang="en-US" b="0" i="1" smtClean="0">
                                   <a:solidFill>
                                     <a:schemeClr val="tx1"/>
                                   </a:solidFill>
@@ -5827,7 +6014,7 @@
                           <m:sSubSup>
                             <m:sSubSupPr>
                               <m:ctrlPr>
-                                <a:rPr lang="en-US" sz="1400" b="0" i="1" smtClean="0">
+                                <a:rPr lang="en-US" b="0" i="1" smtClean="0">
                                   <a:solidFill>
                                     <a:schemeClr val="tx1"/>
                                   </a:solidFill>
@@ -5837,7 +6024,7 @@
                             </m:sSubSupPr>
                             <m:e>
                               <m:r>
-                                <a:rPr lang="en-US" sz="1400" b="0" i="1" smtClean="0">
+                                <a:rPr lang="en-US" b="0" i="1" smtClean="0">
                                   <a:solidFill>
                                     <a:schemeClr val="tx1"/>
                                   </a:solidFill>
@@ -5848,7 +6035,7 @@
                             </m:e>
                             <m:sub>
                               <m:r>
-                                <a:rPr lang="en-US" sz="1400" b="0" i="1" smtClean="0">
+                                <a:rPr lang="en-US" b="0" i="1" smtClean="0">
                                   <a:solidFill>
                                     <a:schemeClr val="tx1"/>
                                   </a:solidFill>
@@ -5859,7 +6046,7 @@
                             </m:sub>
                             <m:sup>
                               <m:r>
-                                <a:rPr lang="en-US" sz="1400" b="0" i="1" smtClean="0">
+                                <a:rPr lang="en-US" b="0" i="1" smtClean="0">
                                   <a:solidFill>
                                     <a:schemeClr val="tx1"/>
                                   </a:solidFill>
@@ -5874,7 +6061,7 @@
                     </m:oMath>
                   </m:oMathPara>
                 </a14:m>
-                <a:endParaRPr lang="en-US" sz="1400" dirty="0">
+                <a:endParaRPr lang="en-US" dirty="0">
                   <a:solidFill>
                     <a:schemeClr val="tx1"/>
                   </a:solidFill>
@@ -5900,14 +6087,14 @@
             </p:nvSpPr>
             <p:spPr>
               <a:xfrm>
-                <a:off x="3696929" y="1927150"/>
-                <a:ext cx="1282747" cy="737392"/>
+                <a:off x="3338758" y="1185439"/>
+                <a:ext cx="1620001" cy="1081421"/>
               </a:xfrm>
               <a:prstGeom prst="rect">
                 <a:avLst/>
               </a:prstGeom>
               <a:blipFill>
-                <a:blip r:embed="rId13"/>
+                <a:blip r:embed="rId14"/>
                 <a:stretch>
                   <a:fillRect/>
                 </a:stretch>
@@ -5933,50 +6120,6 @@
           </p:sp>
         </mc:Fallback>
       </mc:AlternateContent>
-      <p:cxnSp>
-        <p:nvCxnSpPr>
-          <p:cNvPr id="43" name="Straight Arrow Connector 42">
-            <a:extLst>
-              <a:ext uri="{FF2B5EF4-FFF2-40B4-BE49-F238E27FC236}">
-                <a16:creationId xmlns:a16="http://schemas.microsoft.com/office/drawing/2014/main" id="{A5B82268-CB42-4243-B5E8-BC640FD22495}"/>
-              </a:ext>
-            </a:extLst>
-          </p:cNvPr>
-          <p:cNvCxnSpPr>
-            <a:cxnSpLocks/>
-          </p:cNvCxnSpPr>
-          <p:nvPr/>
-        </p:nvCxnSpPr>
-        <p:spPr>
-          <a:xfrm>
-            <a:off x="4288511" y="1693615"/>
-            <a:ext cx="10651" cy="240909"/>
-          </a:xfrm>
-          <a:prstGeom prst="straightConnector1">
-            <a:avLst/>
-          </a:prstGeom>
-          <a:ln w="19050">
-            <a:solidFill>
-              <a:schemeClr val="tx1"/>
-            </a:solidFill>
-            <a:tailEnd type="triangle"/>
-          </a:ln>
-        </p:spPr>
-        <p:style>
-          <a:lnRef idx="1">
-            <a:schemeClr val="accent1"/>
-          </a:lnRef>
-          <a:fillRef idx="0">
-            <a:schemeClr val="accent1"/>
-          </a:fillRef>
-          <a:effectRef idx="0">
-            <a:schemeClr val="accent1"/>
-          </a:effectRef>
-          <a:fontRef idx="minor">
-            <a:schemeClr val="tx1"/>
-          </a:fontRef>
-        </p:style>
-      </p:cxnSp>
       <mc:AlternateContent xmlns:mc="http://schemas.openxmlformats.org/markup-compatibility/2006">
         <mc:Choice xmlns:a14="http://schemas.microsoft.com/office/drawing/2010/main" Requires="a14">
           <p:sp>
@@ -5993,8 +6136,8 @@
             </p:nvSpPr>
             <p:spPr>
               <a:xfrm>
-                <a:off x="5277981" y="1927150"/>
-                <a:ext cx="1703673" cy="737392"/>
+                <a:off x="5250988" y="1170762"/>
+                <a:ext cx="2133834" cy="1104315"/>
               </a:xfrm>
               <a:prstGeom prst="rect">
                 <a:avLst/>
@@ -6036,7 +6179,7 @@
                       <m:sSub>
                         <m:sSubPr>
                           <m:ctrlPr>
-                            <a:rPr lang="en-US" sz="1400" b="0" i="1" smtClean="0">
+                            <a:rPr lang="en-US" b="0" i="1" smtClean="0">
                               <a:solidFill>
                                 <a:schemeClr val="tx1"/>
                               </a:solidFill>
@@ -6046,7 +6189,7 @@
                         </m:sSubPr>
                         <m:e>
                           <m:r>
-                            <a:rPr lang="en-US" sz="1400" b="0" i="1" smtClean="0">
+                            <a:rPr lang="en-US" b="0" i="1" smtClean="0">
                               <a:solidFill>
                                 <a:schemeClr val="tx1"/>
                               </a:solidFill>
@@ -6059,7 +6202,7 @@
                           <m:sSub>
                             <m:sSubPr>
                               <m:ctrlPr>
-                                <a:rPr lang="en-US" sz="1400" b="0" i="1" smtClean="0">
+                                <a:rPr lang="en-US" b="0" i="1" smtClean="0">
                                   <a:solidFill>
                                     <a:schemeClr val="tx1"/>
                                   </a:solidFill>
@@ -6069,7 +6212,7 @@
                             </m:sSubPr>
                             <m:e>
                               <m:r>
-                                <a:rPr lang="en-US" sz="1400" b="0" i="1" smtClean="0">
+                                <a:rPr lang="en-US" b="0" i="1" smtClean="0">
                                   <a:solidFill>
                                     <a:schemeClr val="tx1"/>
                                   </a:solidFill>
@@ -6080,7 +6223,7 @@
                             </m:e>
                             <m:sub>
                               <m:r>
-                                <a:rPr lang="en-US" sz="1400" b="0" i="1" smtClean="0">
+                                <a:rPr lang="en-US" b="0" i="1" smtClean="0">
                                   <a:solidFill>
                                     <a:schemeClr val="tx1"/>
                                   </a:solidFill>
@@ -6093,7 +6236,7 @@
                         </m:sub>
                       </m:sSub>
                       <m:r>
-                        <a:rPr lang="en-US" sz="1400" b="0" i="1" smtClean="0">
+                        <a:rPr lang="en-US" b="0" i="1" smtClean="0">
                           <a:solidFill>
                             <a:schemeClr val="tx1"/>
                           </a:solidFill>
@@ -6105,7 +6248,7 @@
                         <m:naryPr>
                           <m:chr m:val="∑"/>
                           <m:ctrlPr>
-                            <a:rPr lang="en-US" sz="1400" b="0" i="1" smtClean="0">
+                            <a:rPr lang="en-US" b="0" i="1" smtClean="0">
                               <a:solidFill>
                                 <a:schemeClr val="tx1"/>
                               </a:solidFill>
@@ -6118,7 +6261,7 @@
                             <m:rPr>
                               <m:brk m:alnAt="23"/>
                             </m:rPr>
-                            <a:rPr lang="en-US" sz="1400" b="0" i="1" smtClean="0">
+                            <a:rPr lang="en-US" b="0" i="1" smtClean="0">
                               <a:solidFill>
                                 <a:schemeClr val="tx1"/>
                               </a:solidFill>
@@ -6127,7 +6270,7 @@
                             <m:t>𝑛</m:t>
                           </m:r>
                           <m:r>
-                            <a:rPr lang="en-US" sz="1400" b="0" i="1" smtClean="0">
+                            <a:rPr lang="en-US" b="0" i="1" smtClean="0">
                               <a:solidFill>
                                 <a:schemeClr val="tx1"/>
                               </a:solidFill>
@@ -6138,7 +6281,7 @@
                           <m:sSub>
                             <m:sSubPr>
                               <m:ctrlPr>
-                                <a:rPr lang="en-US" sz="1400" b="0" i="1" smtClean="0">
+                                <a:rPr lang="en-US" b="0" i="1" smtClean="0">
                                   <a:solidFill>
                                     <a:schemeClr val="tx1"/>
                                   </a:solidFill>
@@ -6148,7 +6291,7 @@
                             </m:sSubPr>
                             <m:e>
                               <m:r>
-                                <a:rPr lang="en-US" sz="1400" b="0" i="1" smtClean="0">
+                                <a:rPr lang="en-US" b="0" i="1" smtClean="0">
                                   <a:solidFill>
                                     <a:schemeClr val="tx1"/>
                                   </a:solidFill>
@@ -6159,7 +6302,7 @@
                             </m:e>
                             <m:sub>
                               <m:r>
-                                <a:rPr lang="en-US" sz="1400" b="0" i="1" smtClean="0">
+                                <a:rPr lang="en-US" b="0" i="1" smtClean="0">
                                   <a:solidFill>
                                     <a:schemeClr val="tx1"/>
                                   </a:solidFill>
@@ -6170,7 +6313,7 @@
                             </m:sub>
                           </m:sSub>
                           <m:r>
-                            <a:rPr lang="en-US" sz="1400" b="0" i="1" smtClean="0">
+                            <a:rPr lang="en-US" b="0" i="1" smtClean="0">
                               <a:solidFill>
                                 <a:schemeClr val="tx1"/>
                               </a:solidFill>
@@ -6183,7 +6326,7 @@
                           <m:sSub>
                             <m:sSubPr>
                               <m:ctrlPr>
-                                <a:rPr lang="en-US" sz="1400" b="0" i="1" smtClean="0">
+                                <a:rPr lang="en-US" b="0" i="1" smtClean="0">
                                   <a:solidFill>
                                     <a:schemeClr val="tx1"/>
                                   </a:solidFill>
@@ -6193,7 +6336,7 @@
                             </m:sSubPr>
                             <m:e>
                               <m:r>
-                                <a:rPr lang="en-US" sz="1400" b="0" i="1" smtClean="0">
+                                <a:rPr lang="en-US" b="0" i="1" smtClean="0">
                                   <a:solidFill>
                                     <a:schemeClr val="tx1"/>
                                   </a:solidFill>
@@ -6202,7 +6345,7 @@
                                 <m:t>(</m:t>
                               </m:r>
                               <m:r>
-                                <a:rPr lang="en-US" sz="1400" b="0" i="1" smtClean="0">
+                                <a:rPr lang="en-US" b="0" i="1" smtClean="0">
                                   <a:solidFill>
                                     <a:schemeClr val="tx1"/>
                                   </a:solidFill>
@@ -6213,7 +6356,7 @@
                             </m:e>
                             <m:sub>
                               <m:r>
-                                <a:rPr lang="en-US" sz="1400" b="0" i="1" smtClean="0">
+                                <a:rPr lang="en-US" b="0" i="1" smtClean="0">
                                   <a:solidFill>
                                     <a:schemeClr val="tx1"/>
                                   </a:solidFill>
@@ -6224,7 +6367,7 @@
                             </m:sub>
                           </m:sSub>
                           <m:r>
-                            <a:rPr lang="en-US" sz="1400" b="0" i="1" smtClean="0">
+                            <a:rPr lang="en-US" b="0" i="1" smtClean="0">
                               <a:solidFill>
                                 <a:schemeClr val="tx1"/>
                               </a:solidFill>
@@ -6233,7 +6376,7 @@
                             <m:t>+1)</m:t>
                           </m:r>
                           <m:r>
-                            <a:rPr lang="en-US" sz="1400" b="0" i="1" smtClean="0">
+                            <a:rPr lang="en-US" b="0" i="1" smtClean="0">
                               <a:solidFill>
                                 <a:schemeClr val="tx1"/>
                               </a:solidFill>
@@ -6242,7 +6385,7 @@
                             <m:t>𝑣</m:t>
                           </m:r>
                           <m:r>
-                            <a:rPr lang="en-US" sz="1400" b="0" i="1" smtClean="0">
+                            <a:rPr lang="en-US" b="0" i="1" smtClean="0">
                               <a:solidFill>
                                 <a:schemeClr val="tx1"/>
                               </a:solidFill>
@@ -6255,7 +6398,7 @@
                           <m:sSub>
                             <m:sSubPr>
                               <m:ctrlPr>
-                                <a:rPr lang="en-US" sz="1400" b="0" i="1" smtClean="0">
+                                <a:rPr lang="en-US" b="0" i="1" smtClean="0">
                                   <a:solidFill>
                                     <a:schemeClr val="tx1"/>
                                   </a:solidFill>
@@ -6265,7 +6408,7 @@
                             </m:sSubPr>
                             <m:e>
                               <m:r>
-                                <a:rPr lang="en-US" sz="1400" b="0" i="1" smtClean="0">
+                                <a:rPr lang="en-US" b="0" i="1" smtClean="0">
                                   <a:solidFill>
                                     <a:schemeClr val="tx1"/>
                                   </a:solidFill>
@@ -6276,7 +6419,7 @@
                             </m:e>
                             <m:sub>
                               <m:r>
-                                <a:rPr lang="en-US" sz="1400" b="0" i="1" smtClean="0">
+                                <a:rPr lang="en-US" b="0" i="1" smtClean="0">
                                   <a:solidFill>
                                     <a:schemeClr val="tx1"/>
                                   </a:solidFill>
@@ -6289,7 +6432,7 @@
                           <m:sSubSup>
                             <m:sSubSupPr>
                               <m:ctrlPr>
-                                <a:rPr lang="en-US" sz="1400" b="0" i="1" smtClean="0">
+                                <a:rPr lang="en-US" b="0" i="1" smtClean="0">
                                   <a:solidFill>
                                     <a:schemeClr val="tx1"/>
                                   </a:solidFill>
@@ -6299,7 +6442,7 @@
                             </m:sSubSupPr>
                             <m:e>
                               <m:r>
-                                <a:rPr lang="en-US" sz="1400" b="0" i="1" smtClean="0">
+                                <a:rPr lang="en-US" b="0" i="1" smtClean="0">
                                   <a:solidFill>
                                     <a:schemeClr val="tx1"/>
                                   </a:solidFill>
@@ -6310,7 +6453,7 @@
                             </m:e>
                             <m:sub>
                               <m:r>
-                                <a:rPr lang="en-US" sz="1400" b="0" i="1" smtClean="0">
+                                <a:rPr lang="en-US" b="0" i="1" smtClean="0">
                                   <a:solidFill>
                                     <a:schemeClr val="tx1"/>
                                   </a:solidFill>
@@ -6321,7 +6464,7 @@
                             </m:sub>
                             <m:sup>
                               <m:r>
-                                <a:rPr lang="en-US" sz="1400" b="0" i="1" smtClean="0">
+                                <a:rPr lang="en-US" b="0" i="1" smtClean="0">
                                   <a:solidFill>
                                     <a:schemeClr val="tx1"/>
                                   </a:solidFill>
@@ -6336,7 +6479,7 @@
                     </m:oMath>
                   </m:oMathPara>
                 </a14:m>
-                <a:endParaRPr lang="en-US" sz="1400" dirty="0">
+                <a:endParaRPr lang="en-US" dirty="0">
                   <a:solidFill>
                     <a:schemeClr val="tx1"/>
                   </a:solidFill>
@@ -6362,14 +6505,14 @@
             </p:nvSpPr>
             <p:spPr>
               <a:xfrm>
-                <a:off x="5277981" y="1927150"/>
-                <a:ext cx="1703673" cy="737392"/>
+                <a:off x="5250988" y="1170762"/>
+                <a:ext cx="2133834" cy="1104315"/>
               </a:xfrm>
               <a:prstGeom prst="rect">
                 <a:avLst/>
               </a:prstGeom>
               <a:blipFill>
-                <a:blip r:embed="rId14"/>
+                <a:blip r:embed="rId15"/>
                 <a:stretch>
                   <a:fillRect/>
                 </a:stretch>
@@ -6395,52 +6538,6 @@
           </p:sp>
         </mc:Fallback>
       </mc:AlternateContent>
-      <p:cxnSp>
-        <p:nvCxnSpPr>
-          <p:cNvPr id="69" name="Straight Arrow Connector 68">
-            <a:extLst>
-              <a:ext uri="{FF2B5EF4-FFF2-40B4-BE49-F238E27FC236}">
-                <a16:creationId xmlns:a16="http://schemas.microsoft.com/office/drawing/2014/main" id="{E452A638-1572-4741-8D5F-F4B4FD28860B}"/>
-              </a:ext>
-            </a:extLst>
-          </p:cNvPr>
-          <p:cNvCxnSpPr>
-            <a:cxnSpLocks/>
-            <a:stCxn id="21" idx="1"/>
-            <a:endCxn id="68" idx="0"/>
-          </p:cNvCxnSpPr>
-          <p:nvPr/>
-        </p:nvCxnSpPr>
-        <p:spPr>
-          <a:xfrm>
-            <a:off x="6120988" y="1686243"/>
-            <a:ext cx="8830" cy="240907"/>
-          </a:xfrm>
-          <a:prstGeom prst="straightConnector1">
-            <a:avLst/>
-          </a:prstGeom>
-          <a:ln w="19050">
-            <a:solidFill>
-              <a:schemeClr val="tx1"/>
-            </a:solidFill>
-            <a:tailEnd type="triangle"/>
-          </a:ln>
-        </p:spPr>
-        <p:style>
-          <a:lnRef idx="1">
-            <a:schemeClr val="accent1"/>
-          </a:lnRef>
-          <a:fillRef idx="0">
-            <a:schemeClr val="accent1"/>
-          </a:fillRef>
-          <a:effectRef idx="0">
-            <a:schemeClr val="accent1"/>
-          </a:effectRef>
-          <a:fontRef idx="minor">
-            <a:schemeClr val="tx1"/>
-          </a:fontRef>
-        </p:style>
-      </p:cxnSp>
       <mc:AlternateContent xmlns:mc="http://schemas.openxmlformats.org/markup-compatibility/2006">
         <mc:Choice xmlns:a14="http://schemas.microsoft.com/office/drawing/2010/main" Requires="a14">
           <p:sp>
@@ -6457,7 +6554,7 @@
             </p:nvSpPr>
             <p:spPr>
               <a:xfrm>
-                <a:off x="2109719" y="2071580"/>
+                <a:off x="2057352" y="1404082"/>
                 <a:ext cx="6096000" cy="369332"/>
               </a:xfrm>
               <a:prstGeom prst="rect">
@@ -6516,14 +6613,14 @@
             </p:nvSpPr>
             <p:spPr>
               <a:xfrm>
-                <a:off x="2109719" y="2071580"/>
+                <a:off x="2057352" y="1404082"/>
                 <a:ext cx="6096000" cy="369332"/>
               </a:xfrm>
               <a:prstGeom prst="rect">
                 <a:avLst/>
               </a:prstGeom>
               <a:blipFill>
-                <a:blip r:embed="rId15"/>
+                <a:blip r:embed="rId16"/>
                 <a:stretch>
                   <a:fillRect/>
                 </a:stretch>
@@ -6560,8 +6657,8 @@
             </p:nvSpPr>
             <p:spPr>
               <a:xfrm>
-                <a:off x="7243700" y="1927150"/>
-                <a:ext cx="2060623" cy="737392"/>
+                <a:off x="7564725" y="1170762"/>
+                <a:ext cx="2427623" cy="1104241"/>
               </a:xfrm>
               <a:prstGeom prst="rect">
                 <a:avLst/>
@@ -6603,7 +6700,7 @@
                       <m:sSub>
                         <m:sSubPr>
                           <m:ctrlPr>
-                            <a:rPr lang="en-US" sz="1400" b="0" i="1" smtClean="0">
+                            <a:rPr lang="en-US" b="0" i="1" smtClean="0">
                               <a:solidFill>
                                 <a:schemeClr val="tx1"/>
                               </a:solidFill>
@@ -6613,7 +6710,7 @@
                         </m:sSubPr>
                         <m:e>
                           <m:r>
-                            <a:rPr lang="en-US" sz="1400" b="0" i="1" smtClean="0">
+                            <a:rPr lang="en-US" b="0" i="1" smtClean="0">
                               <a:solidFill>
                                 <a:schemeClr val="tx1"/>
                               </a:solidFill>
@@ -6626,7 +6723,7 @@
                           <m:sSub>
                             <m:sSubPr>
                               <m:ctrlPr>
-                                <a:rPr lang="en-US" sz="1400" b="0" i="1" smtClean="0">
+                                <a:rPr lang="en-US" b="0" i="1" smtClean="0">
                                   <a:solidFill>
                                     <a:schemeClr val="tx1"/>
                                   </a:solidFill>
@@ -6636,7 +6733,7 @@
                             </m:sSubPr>
                             <m:e>
                               <m:r>
-                                <a:rPr lang="en-US" sz="1400" b="0" i="1" smtClean="0">
+                                <a:rPr lang="en-US" b="0" i="1" smtClean="0">
                                   <a:solidFill>
                                     <a:schemeClr val="tx1"/>
                                   </a:solidFill>
@@ -6647,7 +6744,7 @@
                             </m:e>
                             <m:sub>
                               <m:r>
-                                <a:rPr lang="en-US" sz="1400" b="0" i="1" smtClean="0">
+                                <a:rPr lang="en-US" b="0" i="1" smtClean="0">
                                   <a:solidFill>
                                     <a:schemeClr val="tx1"/>
                                   </a:solidFill>
@@ -6658,7 +6755,7 @@
                             </m:sub>
                           </m:sSub>
                           <m:r>
-                            <a:rPr lang="en-US" sz="1400" b="0" i="1" smtClean="0">
+                            <a:rPr lang="en-US" b="0" i="1" smtClean="0">
                               <a:solidFill>
                                 <a:schemeClr val="tx1"/>
                               </a:solidFill>
@@ -6669,7 +6766,7 @@
                         </m:sub>
                       </m:sSub>
                       <m:r>
-                        <a:rPr lang="en-US" sz="1400" b="0" i="1" smtClean="0">
+                        <a:rPr lang="en-US" b="0" i="1" smtClean="0">
                           <a:solidFill>
                             <a:schemeClr val="tx1"/>
                           </a:solidFill>
@@ -6681,7 +6778,7 @@
                         <m:naryPr>
                           <m:chr m:val="∑"/>
                           <m:ctrlPr>
-                            <a:rPr lang="en-US" sz="1400" b="0" i="1" smtClean="0">
+                            <a:rPr lang="en-US" b="0" i="1" smtClean="0">
                               <a:solidFill>
                                 <a:schemeClr val="tx1"/>
                               </a:solidFill>
@@ -6694,7 +6791,7 @@
                             <m:rPr>
                               <m:brk m:alnAt="23"/>
                             </m:rPr>
-                            <a:rPr lang="en-US" sz="1400" b="0" i="1" smtClean="0">
+                            <a:rPr lang="en-US" b="0" i="1" smtClean="0">
                               <a:solidFill>
                                 <a:schemeClr val="tx1"/>
                               </a:solidFill>
@@ -6703,7 +6800,7 @@
                             <m:t>𝑛</m:t>
                           </m:r>
                           <m:r>
-                            <a:rPr lang="en-US" sz="1400" b="0" i="1" smtClean="0">
+                            <a:rPr lang="en-US" b="0" i="1" smtClean="0">
                               <a:solidFill>
                                 <a:schemeClr val="tx1"/>
                               </a:solidFill>
@@ -6714,7 +6811,7 @@
                           <m:sSub>
                             <m:sSubPr>
                               <m:ctrlPr>
-                                <a:rPr lang="en-US" sz="1400" b="0" i="1" smtClean="0">
+                                <a:rPr lang="en-US" b="0" i="1" smtClean="0">
                                   <a:solidFill>
                                     <a:schemeClr val="tx1"/>
                                   </a:solidFill>
@@ -6724,7 +6821,7 @@
                             </m:sSubPr>
                             <m:e>
                               <m:r>
-                                <a:rPr lang="en-US" sz="1400" b="0" i="1" smtClean="0">
+                                <a:rPr lang="en-US" b="0" i="1" smtClean="0">
                                   <a:solidFill>
                                     <a:schemeClr val="tx1"/>
                                   </a:solidFill>
@@ -6733,7 +6830,7 @@
                                 <m:t>(</m:t>
                               </m:r>
                               <m:r>
-                                <a:rPr lang="en-US" sz="1400" b="0" i="1" smtClean="0">
+                                <a:rPr lang="en-US" b="0" i="1" smtClean="0">
                                   <a:solidFill>
                                     <a:schemeClr val="tx1"/>
                                   </a:solidFill>
@@ -6744,7 +6841,7 @@
                             </m:e>
                             <m:sub>
                               <m:r>
-                                <a:rPr lang="en-US" sz="1400" b="0" i="1" smtClean="0">
+                                <a:rPr lang="en-US" b="0" i="1" smtClean="0">
                                   <a:solidFill>
                                     <a:schemeClr val="tx1"/>
                                   </a:solidFill>
@@ -6755,7 +6852,7 @@
                             </m:sub>
                           </m:sSub>
                           <m:r>
-                            <a:rPr lang="en-US" sz="1400" b="0" i="1" smtClean="0">
+                            <a:rPr lang="en-US" b="0" i="1" smtClean="0">
                               <a:solidFill>
                                 <a:schemeClr val="tx1"/>
                               </a:solidFill>
@@ -6764,7 +6861,7 @@
                             <m:t>+1)</m:t>
                           </m:r>
                           <m:r>
-                            <a:rPr lang="en-US" sz="1400" b="0" i="1" smtClean="0">
+                            <a:rPr lang="en-US" b="0" i="1" smtClean="0">
                               <a:solidFill>
                                 <a:schemeClr val="tx1"/>
                               </a:solidFill>
@@ -6777,7 +6874,7 @@
                           <m:sSub>
                             <m:sSubPr>
                               <m:ctrlPr>
-                                <a:rPr lang="en-US" sz="1400" b="0" i="1" smtClean="0">
+                                <a:rPr lang="en-US" b="0" i="1" smtClean="0">
                                   <a:solidFill>
                                     <a:schemeClr val="tx1"/>
                                   </a:solidFill>
@@ -6787,7 +6884,7 @@
                             </m:sSubPr>
                             <m:e>
                               <m:r>
-                                <a:rPr lang="en-US" sz="1400" b="0" i="1" smtClean="0">
+                                <a:rPr lang="en-US" b="0" i="1" smtClean="0">
                                   <a:solidFill>
                                     <a:schemeClr val="tx1"/>
                                   </a:solidFill>
@@ -6796,7 +6893,7 @@
                                 <m:t>(</m:t>
                               </m:r>
                               <m:r>
-                                <a:rPr lang="en-US" sz="1400" b="0" i="1" smtClean="0">
+                                <a:rPr lang="en-US" b="0" i="1" smtClean="0">
                                   <a:solidFill>
                                     <a:schemeClr val="tx1"/>
                                   </a:solidFill>
@@ -6807,7 +6904,7 @@
                             </m:e>
                             <m:sub>
                               <m:r>
-                                <a:rPr lang="en-US" sz="1400" b="0" i="1" smtClean="0">
+                                <a:rPr lang="en-US" b="0" i="1" smtClean="0">
                                   <a:solidFill>
                                     <a:schemeClr val="tx1"/>
                                   </a:solidFill>
@@ -6818,7 +6915,7 @@
                             </m:sub>
                           </m:sSub>
                           <m:r>
-                            <a:rPr lang="en-US" sz="1400" b="0" i="1" smtClean="0">
+                            <a:rPr lang="en-US" b="0" i="1" smtClean="0">
                               <a:solidFill>
                                 <a:schemeClr val="tx1"/>
                               </a:solidFill>
@@ -6827,7 +6924,7 @@
                             <m:t>+2)</m:t>
                           </m:r>
                           <m:r>
-                            <a:rPr lang="en-US" sz="1400" b="0" i="1" smtClean="0">
+                            <a:rPr lang="en-US" b="0" i="1" smtClean="0">
                               <a:solidFill>
                                 <a:schemeClr val="tx1"/>
                               </a:solidFill>
@@ -6836,7 +6933,7 @@
                             <m:t>𝑣</m:t>
                           </m:r>
                           <m:r>
-                            <a:rPr lang="en-US" sz="1400" b="0" i="1" smtClean="0">
+                            <a:rPr lang="en-US" b="0" i="1" smtClean="0">
                               <a:solidFill>
                                 <a:schemeClr val="tx1"/>
                               </a:solidFill>
@@ -6849,7 +6946,7 @@
                           <m:sSub>
                             <m:sSubPr>
                               <m:ctrlPr>
-                                <a:rPr lang="en-US" sz="1400" b="0" i="1" smtClean="0">
+                                <a:rPr lang="en-US" b="0" i="1" smtClean="0">
                                   <a:solidFill>
                                     <a:schemeClr val="tx1"/>
                                   </a:solidFill>
@@ -6859,7 +6956,7 @@
                             </m:sSubPr>
                             <m:e>
                               <m:r>
-                                <a:rPr lang="en-US" sz="1400" b="0" i="1" smtClean="0">
+                                <a:rPr lang="en-US" b="0" i="1" smtClean="0">
                                   <a:solidFill>
                                     <a:schemeClr val="tx1"/>
                                   </a:solidFill>
@@ -6870,7 +6967,7 @@
                             </m:e>
                             <m:sub>
                               <m:r>
-                                <a:rPr lang="en-US" sz="1400" b="0" i="1" smtClean="0">
+                                <a:rPr lang="en-US" b="0" i="1" smtClean="0">
                                   <a:solidFill>
                                     <a:schemeClr val="tx1"/>
                                   </a:solidFill>
@@ -6883,7 +6980,7 @@
                           <m:sSubSup>
                             <m:sSubSupPr>
                               <m:ctrlPr>
-                                <a:rPr lang="en-US" sz="1400" b="0" i="1" smtClean="0">
+                                <a:rPr lang="en-US" b="0" i="1" smtClean="0">
                                   <a:solidFill>
                                     <a:schemeClr val="tx1"/>
                                   </a:solidFill>
@@ -6893,7 +6990,7 @@
                             </m:sSubSupPr>
                             <m:e>
                               <m:r>
-                                <a:rPr lang="en-US" sz="1400" b="0" i="1" smtClean="0">
+                                <a:rPr lang="en-US" b="0" i="1" smtClean="0">
                                   <a:solidFill>
                                     <a:schemeClr val="tx1"/>
                                   </a:solidFill>
@@ -6904,7 +7001,7 @@
                             </m:e>
                             <m:sub>
                               <m:r>
-                                <a:rPr lang="en-US" sz="1400" b="0" i="1" smtClean="0">
+                                <a:rPr lang="en-US" b="0" i="1" smtClean="0">
                                   <a:solidFill>
                                     <a:schemeClr val="tx1"/>
                                   </a:solidFill>
@@ -6915,7 +7012,7 @@
                             </m:sub>
                             <m:sup>
                               <m:r>
-                                <a:rPr lang="en-US" sz="1400" b="0" i="1" smtClean="0">
+                                <a:rPr lang="en-US" b="0" i="1" smtClean="0">
                                   <a:solidFill>
                                     <a:schemeClr val="tx1"/>
                                   </a:solidFill>
@@ -6930,7 +7027,7 @@
                     </m:oMath>
                   </m:oMathPara>
                 </a14:m>
-                <a:endParaRPr lang="en-US" sz="1400" dirty="0">
+                <a:endParaRPr lang="en-US" dirty="0">
                   <a:solidFill>
                     <a:schemeClr val="tx1"/>
                   </a:solidFill>
@@ -6956,14 +7053,14 @@
             </p:nvSpPr>
             <p:spPr>
               <a:xfrm>
-                <a:off x="7243700" y="1927150"/>
-                <a:ext cx="2060623" cy="737392"/>
+                <a:off x="7564725" y="1170762"/>
+                <a:ext cx="2427623" cy="1104241"/>
               </a:xfrm>
               <a:prstGeom prst="rect">
                 <a:avLst/>
               </a:prstGeom>
               <a:blipFill>
-                <a:blip r:embed="rId16"/>
+                <a:blip r:embed="rId17"/>
                 <a:stretch>
                   <a:fillRect/>
                 </a:stretch>
@@ -6989,52 +7086,6 @@
           </p:sp>
         </mc:Fallback>
       </mc:AlternateContent>
-      <p:cxnSp>
-        <p:nvCxnSpPr>
-          <p:cNvPr id="82" name="Straight Arrow Connector 81">
-            <a:extLst>
-              <a:ext uri="{FF2B5EF4-FFF2-40B4-BE49-F238E27FC236}">
-                <a16:creationId xmlns:a16="http://schemas.microsoft.com/office/drawing/2014/main" id="{92FA08D1-9701-49CB-BC5E-4579D003068F}"/>
-              </a:ext>
-            </a:extLst>
-          </p:cNvPr>
-          <p:cNvCxnSpPr>
-            <a:cxnSpLocks/>
-            <a:stCxn id="22" idx="1"/>
-            <a:endCxn id="81" idx="0"/>
-          </p:cNvCxnSpPr>
-          <p:nvPr/>
-        </p:nvCxnSpPr>
-        <p:spPr>
-          <a:xfrm flipH="1">
-            <a:off x="8274012" y="1686244"/>
-            <a:ext cx="7114" cy="240906"/>
-          </a:xfrm>
-          <a:prstGeom prst="straightConnector1">
-            <a:avLst/>
-          </a:prstGeom>
-          <a:ln w="19050">
-            <a:solidFill>
-              <a:schemeClr val="tx1"/>
-            </a:solidFill>
-            <a:tailEnd type="triangle"/>
-          </a:ln>
-        </p:spPr>
-        <p:style>
-          <a:lnRef idx="1">
-            <a:schemeClr val="accent1"/>
-          </a:lnRef>
-          <a:fillRef idx="0">
-            <a:schemeClr val="accent1"/>
-          </a:fillRef>
-          <a:effectRef idx="0">
-            <a:schemeClr val="accent1"/>
-          </a:effectRef>
-          <a:fontRef idx="minor">
-            <a:schemeClr val="tx1"/>
-          </a:fontRef>
-        </p:style>
-      </p:cxnSp>
       <p:sp>
         <p:nvSpPr>
           <p:cNvPr id="89" name="Flowchart: Summing Junction 88">
@@ -7049,7 +7100,7 @@
         </p:nvSpPr>
         <p:spPr>
           <a:xfrm>
-            <a:off x="4107714" y="3035132"/>
+            <a:off x="3996818" y="3396952"/>
             <a:ext cx="334296" cy="324463"/>
           </a:xfrm>
           <a:prstGeom prst="flowChartSummingJunction">
@@ -7101,7 +7152,7 @@
         </p:nvSpPr>
         <p:spPr>
           <a:xfrm>
-            <a:off x="6704164" y="3035133"/>
+            <a:off x="6524008" y="3396953"/>
             <a:ext cx="334296" cy="324463"/>
           </a:xfrm>
           <a:prstGeom prst="flowChartSummingJunction">
@@ -7139,189 +7190,6 @@
           </a:p>
         </p:txBody>
       </p:sp>
-      <p:cxnSp>
-        <p:nvCxnSpPr>
-          <p:cNvPr id="104" name="Straight Arrow Connector 103">
-            <a:extLst>
-              <a:ext uri="{FF2B5EF4-FFF2-40B4-BE49-F238E27FC236}">
-                <a16:creationId xmlns:a16="http://schemas.microsoft.com/office/drawing/2014/main" id="{32B88843-8A5D-491F-9C3C-C66BC172B337}"/>
-              </a:ext>
-            </a:extLst>
-          </p:cNvPr>
-          <p:cNvCxnSpPr>
-            <a:cxnSpLocks/>
-            <a:stCxn id="13" idx="2"/>
-            <a:endCxn id="89" idx="2"/>
-          </p:cNvCxnSpPr>
-          <p:nvPr/>
-        </p:nvCxnSpPr>
-        <p:spPr>
-          <a:xfrm>
-            <a:off x="2771034" y="2664542"/>
-            <a:ext cx="1336680" cy="532822"/>
-          </a:xfrm>
-          <a:prstGeom prst="straightConnector1">
-            <a:avLst/>
-          </a:prstGeom>
-          <a:ln w="19050">
-            <a:solidFill>
-              <a:schemeClr val="tx1"/>
-            </a:solidFill>
-            <a:tailEnd type="triangle"/>
-          </a:ln>
-        </p:spPr>
-        <p:style>
-          <a:lnRef idx="1">
-            <a:schemeClr val="accent1"/>
-          </a:lnRef>
-          <a:fillRef idx="0">
-            <a:schemeClr val="accent1"/>
-          </a:fillRef>
-          <a:effectRef idx="0">
-            <a:schemeClr val="accent1"/>
-          </a:effectRef>
-          <a:fontRef idx="minor">
-            <a:schemeClr val="tx1"/>
-          </a:fontRef>
-        </p:style>
-      </p:cxnSp>
-      <p:cxnSp>
-        <p:nvCxnSpPr>
-          <p:cNvPr id="106" name="Straight Arrow Connector 105">
-            <a:extLst>
-              <a:ext uri="{FF2B5EF4-FFF2-40B4-BE49-F238E27FC236}">
-                <a16:creationId xmlns:a16="http://schemas.microsoft.com/office/drawing/2014/main" id="{543CD3FD-176A-444C-9E58-AAFFFA17D766}"/>
-              </a:ext>
-            </a:extLst>
-          </p:cNvPr>
-          <p:cNvCxnSpPr>
-            <a:cxnSpLocks/>
-            <a:stCxn id="68" idx="2"/>
-            <a:endCxn id="89" idx="6"/>
-          </p:cNvCxnSpPr>
-          <p:nvPr/>
-        </p:nvCxnSpPr>
-        <p:spPr>
-          <a:xfrm flipH="1">
-            <a:off x="4442010" y="2664542"/>
-            <a:ext cx="1687808" cy="532822"/>
-          </a:xfrm>
-          <a:prstGeom prst="straightConnector1">
-            <a:avLst/>
-          </a:prstGeom>
-          <a:ln w="19050">
-            <a:solidFill>
-              <a:schemeClr val="tx1"/>
-            </a:solidFill>
-            <a:tailEnd type="triangle"/>
-          </a:ln>
-        </p:spPr>
-        <p:style>
-          <a:lnRef idx="1">
-            <a:schemeClr val="accent1"/>
-          </a:lnRef>
-          <a:fillRef idx="0">
-            <a:schemeClr val="accent1"/>
-          </a:fillRef>
-          <a:effectRef idx="0">
-            <a:schemeClr val="accent1"/>
-          </a:effectRef>
-          <a:fontRef idx="minor">
-            <a:schemeClr val="tx1"/>
-          </a:fontRef>
-        </p:style>
-      </p:cxnSp>
-      <p:cxnSp>
-        <p:nvCxnSpPr>
-          <p:cNvPr id="108" name="Straight Arrow Connector 107">
-            <a:extLst>
-              <a:ext uri="{FF2B5EF4-FFF2-40B4-BE49-F238E27FC236}">
-                <a16:creationId xmlns:a16="http://schemas.microsoft.com/office/drawing/2014/main" id="{4243A715-5300-449A-8623-AB4C44E86DB0}"/>
-              </a:ext>
-            </a:extLst>
-          </p:cNvPr>
-          <p:cNvCxnSpPr>
-            <a:stCxn id="40" idx="2"/>
-            <a:endCxn id="94" idx="2"/>
-          </p:cNvCxnSpPr>
-          <p:nvPr/>
-        </p:nvCxnSpPr>
-        <p:spPr>
-          <a:xfrm>
-            <a:off x="4338303" y="2664542"/>
-            <a:ext cx="2365861" cy="532823"/>
-          </a:xfrm>
-          <a:prstGeom prst="straightConnector1">
-            <a:avLst/>
-          </a:prstGeom>
-          <a:ln w="19050">
-            <a:solidFill>
-              <a:schemeClr val="tx1"/>
-            </a:solidFill>
-            <a:tailEnd type="triangle"/>
-          </a:ln>
-        </p:spPr>
-        <p:style>
-          <a:lnRef idx="1">
-            <a:schemeClr val="accent1"/>
-          </a:lnRef>
-          <a:fillRef idx="0">
-            <a:schemeClr val="accent1"/>
-          </a:fillRef>
-          <a:effectRef idx="0">
-            <a:schemeClr val="accent1"/>
-          </a:effectRef>
-          <a:fontRef idx="minor">
-            <a:schemeClr val="tx1"/>
-          </a:fontRef>
-        </p:style>
-      </p:cxnSp>
-      <p:cxnSp>
-        <p:nvCxnSpPr>
-          <p:cNvPr id="110" name="Straight Arrow Connector 109">
-            <a:extLst>
-              <a:ext uri="{FF2B5EF4-FFF2-40B4-BE49-F238E27FC236}">
-                <a16:creationId xmlns:a16="http://schemas.microsoft.com/office/drawing/2014/main" id="{8290845C-03F2-4109-A936-D592A61BDB53}"/>
-              </a:ext>
-            </a:extLst>
-          </p:cNvPr>
-          <p:cNvCxnSpPr>
-            <a:cxnSpLocks/>
-            <a:stCxn id="81" idx="2"/>
-            <a:endCxn id="94" idx="6"/>
-          </p:cNvCxnSpPr>
-          <p:nvPr/>
-        </p:nvCxnSpPr>
-        <p:spPr>
-          <a:xfrm flipH="1">
-            <a:off x="7038460" y="2664542"/>
-            <a:ext cx="1235552" cy="532823"/>
-          </a:xfrm>
-          <a:prstGeom prst="straightConnector1">
-            <a:avLst/>
-          </a:prstGeom>
-          <a:ln w="19050">
-            <a:solidFill>
-              <a:schemeClr val="tx1"/>
-            </a:solidFill>
-            <a:tailEnd type="triangle"/>
-          </a:ln>
-        </p:spPr>
-        <p:style>
-          <a:lnRef idx="1">
-            <a:schemeClr val="accent1"/>
-          </a:lnRef>
-          <a:fillRef idx="0">
-            <a:schemeClr val="accent1"/>
-          </a:fillRef>
-          <a:effectRef idx="0">
-            <a:schemeClr val="accent1"/>
-          </a:effectRef>
-          <a:fontRef idx="minor">
-            <a:schemeClr val="tx1"/>
-          </a:fontRef>
-        </p:style>
-      </p:cxnSp>
       <mc:AlternateContent xmlns:mc="http://schemas.openxmlformats.org/markup-compatibility/2006">
         <mc:Choice xmlns:a14="http://schemas.microsoft.com/office/drawing/2010/main" Requires="a14">
           <p:sp>
@@ -7338,8 +7206,8 @@
             </p:nvSpPr>
             <p:spPr>
               <a:xfrm>
-                <a:off x="6588978" y="2064206"/>
-                <a:ext cx="6096000" cy="369332"/>
+                <a:off x="9986089" y="1457606"/>
+                <a:ext cx="549241" cy="369332"/>
               </a:xfrm>
               <a:prstGeom prst="rect">
                 <a:avLst/>
@@ -7395,16 +7263,16 @@
             </p:nvSpPr>
             <p:spPr>
               <a:xfrm>
-                <a:off x="6588978" y="2064206"/>
-                <a:ext cx="6096000" cy="369332"/>
+                <a:off x="9986089" y="1457606"/>
+                <a:ext cx="549241" cy="369332"/>
               </a:xfrm>
               <a:prstGeom prst="rect">
                 <a:avLst/>
               </a:prstGeom>
               <a:blipFill>
-                <a:blip r:embed="rId17"/>
+                <a:blip r:embed="rId18"/>
                 <a:stretch>
-                  <a:fillRect t="-10000" b="-26667"/>
+                  <a:fillRect t="-8197" r="-6667" b="-24590"/>
                 </a:stretch>
               </a:blipFill>
             </p:spPr>
@@ -7439,7 +7307,7 @@
             </p:nvSpPr>
             <p:spPr>
               <a:xfrm>
-                <a:off x="4880012" y="2954496"/>
+                <a:off x="4946382" y="3291557"/>
                 <a:ext cx="1023992" cy="369332"/>
               </a:xfrm>
               <a:prstGeom prst="rect">
@@ -7496,16 +7364,16 @@
             </p:nvSpPr>
             <p:spPr>
               <a:xfrm>
-                <a:off x="4880012" y="2954496"/>
+                <a:off x="4946382" y="3291557"/>
                 <a:ext cx="1023992" cy="369332"/>
               </a:xfrm>
               <a:prstGeom prst="rect">
                 <a:avLst/>
               </a:prstGeom>
               <a:blipFill>
-                <a:blip r:embed="rId18"/>
+                <a:blip r:embed="rId19"/>
                 <a:stretch>
-                  <a:fillRect t="-10000" b="-26667"/>
+                  <a:fillRect t="-9836" b="-24590"/>
                 </a:stretch>
               </a:blipFill>
             </p:spPr>
@@ -7540,8 +7408,8 @@
             </p:nvSpPr>
             <p:spPr>
               <a:xfrm>
-                <a:off x="5154661" y="2930953"/>
-                <a:ext cx="6096000" cy="369332"/>
+                <a:off x="8479313" y="3340169"/>
+                <a:ext cx="598445" cy="369332"/>
               </a:xfrm>
               <a:prstGeom prst="rect">
                 <a:avLst/>
@@ -7597,16 +7465,16 @@
             </p:nvSpPr>
             <p:spPr>
               <a:xfrm>
-                <a:off x="5154661" y="2930953"/>
-                <a:ext cx="6096000" cy="369332"/>
+                <a:off x="8479313" y="3340169"/>
+                <a:ext cx="598445" cy="369332"/>
               </a:xfrm>
               <a:prstGeom prst="rect">
                 <a:avLst/>
               </a:prstGeom>
               <a:blipFill>
-                <a:blip r:embed="rId19"/>
+                <a:blip r:embed="rId20"/>
                 <a:stretch>
-                  <a:fillRect t="-10000" b="-26667"/>
+                  <a:fillRect t="-9836" r="-2041" b="-24590"/>
                 </a:stretch>
               </a:blipFill>
             </p:spPr>
@@ -7641,8 +7509,8 @@
             </p:nvSpPr>
             <p:spPr>
               <a:xfrm>
-                <a:off x="6042355" y="3884746"/>
-                <a:ext cx="503077" cy="462223"/>
+                <a:off x="6317905" y="4389192"/>
+                <a:ext cx="743811" cy="584461"/>
               </a:xfrm>
               <a:prstGeom prst="rect">
                 <a:avLst/>
@@ -7720,14 +7588,14 @@
             </p:nvSpPr>
             <p:spPr>
               <a:xfrm>
-                <a:off x="6042355" y="3884746"/>
-                <a:ext cx="503077" cy="462223"/>
+                <a:off x="6317905" y="4389192"/>
+                <a:ext cx="743811" cy="584461"/>
               </a:xfrm>
               <a:prstGeom prst="rect">
                 <a:avLst/>
               </a:prstGeom>
               <a:blipFill>
-                <a:blip r:embed="rId20"/>
+                <a:blip r:embed="rId21"/>
                 <a:stretch>
                   <a:fillRect/>
                 </a:stretch>
@@ -7763,6 +7631,7 @@
             </a:extLst>
           </p:cNvPr>
           <p:cNvCxnSpPr>
+            <a:cxnSpLocks/>
             <a:stCxn id="89" idx="4"/>
             <a:endCxn id="149" idx="0"/>
           </p:cNvCxnSpPr>
@@ -7770,11 +7639,13 @@
         </p:nvCxnSpPr>
         <p:spPr>
           <a:xfrm rot="16200000" flipH="1">
-            <a:off x="5021803" y="2612654"/>
-            <a:ext cx="525151" cy="2019032"/>
+            <a:off x="5093000" y="2792380"/>
+            <a:ext cx="667777" cy="2525845"/>
           </a:xfrm>
           <a:prstGeom prst="bentConnector3">
-            <a:avLst/>
+            <a:avLst>
+              <a:gd name="adj1" fmla="val 50000"/>
+            </a:avLst>
           </a:prstGeom>
           <a:ln w="19050">
             <a:solidFill>
@@ -7808,6 +7679,7 @@
             </a:extLst>
           </p:cNvPr>
           <p:cNvCxnSpPr>
+            <a:cxnSpLocks/>
             <a:stCxn id="94" idx="4"/>
             <a:endCxn id="149" idx="0"/>
           </p:cNvCxnSpPr>
@@ -7815,11 +7687,13 @@
         </p:nvCxnSpPr>
         <p:spPr>
           <a:xfrm rot="5400000">
-            <a:off x="6320028" y="3333462"/>
-            <a:ext cx="525150" cy="577418"/>
+            <a:off x="6356596" y="4054632"/>
+            <a:ext cx="667776" cy="1345"/>
           </a:xfrm>
           <a:prstGeom prst="bentConnector3">
-            <a:avLst/>
+            <a:avLst>
+              <a:gd name="adj1" fmla="val 55890"/>
+            </a:avLst>
           </a:prstGeom>
           <a:ln w="19050">
             <a:solidFill>
@@ -7853,6 +7727,7 @@
             </a:extLst>
           </p:cNvPr>
           <p:cNvCxnSpPr>
+            <a:cxnSpLocks/>
             <a:stCxn id="143" idx="2"/>
             <a:endCxn id="149" idx="0"/>
           </p:cNvCxnSpPr>
@@ -7860,12 +7735,12 @@
         </p:nvCxnSpPr>
         <p:spPr>
           <a:xfrm rot="5400000">
-            <a:off x="6956048" y="2638132"/>
-            <a:ext cx="584461" cy="1908767"/>
+            <a:off x="7394329" y="3004984"/>
+            <a:ext cx="679691" cy="2088725"/>
           </a:xfrm>
           <a:prstGeom prst="bentConnector3">
             <a:avLst>
-              <a:gd name="adj1" fmla="val 55158"/>
+              <a:gd name="adj1" fmla="val 50000"/>
             </a:avLst>
           </a:prstGeom>
           <a:ln w="19050">
@@ -7907,8 +7782,8 @@
             </p:nvSpPr>
             <p:spPr>
               <a:xfrm>
-                <a:off x="5753998" y="4597669"/>
-                <a:ext cx="1079789" cy="584461"/>
+                <a:off x="6122958" y="5292267"/>
+                <a:ext cx="1133704" cy="727985"/>
               </a:xfrm>
               <a:prstGeom prst="rect">
                 <a:avLst/>
@@ -7941,127 +7816,133 @@
               <a:lstStyle/>
               <a:p>
                 <a:pPr algn="ctr"/>
-                <a:r>
-                  <a:rPr lang="en-US" sz="1400" b="0" dirty="0">
-                    <a:solidFill>
-                      <a:schemeClr val="tx1"/>
-                    </a:solidFill>
-                    <a:ea typeface="Cambria Math" panose="02040503050406030204" pitchFamily="18" charset="0"/>
-                  </a:rPr>
-                  <a:t>-</a:t>
-                </a:r>
                 <a14:m>
-                  <m:oMath xmlns:m="http://schemas.openxmlformats.org/officeDocument/2006/math">
-                    <m:f>
-                      <m:fPr>
-                        <m:ctrlPr>
-                          <a:rPr lang="en-US" sz="1400" b="0" i="1" smtClean="0">
-                            <a:solidFill>
-                              <a:schemeClr val="tx1"/>
-                            </a:solidFill>
-                            <a:latin typeface="Cambria Math" panose="02040503050406030204" pitchFamily="18" charset="0"/>
-                            <a:ea typeface="Cambria Math" panose="02040503050406030204" pitchFamily="18" charset="0"/>
-                          </a:rPr>
-                        </m:ctrlPr>
-                      </m:fPr>
-                      <m:num>
-                        <m:r>
-                          <m:rPr>
-                            <m:sty m:val="p"/>
-                          </m:rPr>
-                          <a:rPr lang="en-US" sz="1400" b="0" i="0" smtClean="0">
-                            <a:solidFill>
-                              <a:schemeClr val="tx1"/>
-                            </a:solidFill>
-                            <a:latin typeface="Cambria Math" panose="02040503050406030204" pitchFamily="18" charset="0"/>
-                            <a:ea typeface="Cambria Math" panose="02040503050406030204" pitchFamily="18" charset="0"/>
-                          </a:rPr>
-                          <m:t>arg</m:t>
-                        </m:r>
-                        <m:r>
-                          <a:rPr lang="en-US" sz="1400" b="0" i="1" smtClean="0">
-                            <a:solidFill>
-                              <a:schemeClr val="tx1"/>
-                            </a:solidFill>
-                            <a:latin typeface="Cambria Math" panose="02040503050406030204" pitchFamily="18" charset="0"/>
-                            <a:ea typeface="Cambria Math" panose="02040503050406030204" pitchFamily="18" charset="0"/>
-                          </a:rPr>
-                          <m:t>⁡(⋅)</m:t>
-                        </m:r>
-                      </m:num>
-                      <m:den>
-                        <m:r>
-                          <a:rPr lang="en-US" sz="1400" b="0" i="1" smtClean="0">
-                            <a:solidFill>
-                              <a:schemeClr val="tx1"/>
-                            </a:solidFill>
-                            <a:latin typeface="Cambria Math" panose="02040503050406030204" pitchFamily="18" charset="0"/>
-                            <a:ea typeface="Cambria Math" panose="02040503050406030204" pitchFamily="18" charset="0"/>
-                          </a:rPr>
-                          <m:t>2</m:t>
-                        </m:r>
-                        <m:r>
-                          <a:rPr lang="en-US" sz="1400" b="0" i="1" smtClean="0">
-                            <a:solidFill>
-                              <a:schemeClr val="tx1"/>
-                            </a:solidFill>
-                            <a:latin typeface="Cambria Math" panose="02040503050406030204" pitchFamily="18" charset="0"/>
-                            <a:ea typeface="Cambria Math" panose="02040503050406030204" pitchFamily="18" charset="0"/>
-                          </a:rPr>
-                          <m:t>𝜋</m:t>
-                        </m:r>
-                        <m:sSub>
-                          <m:sSubPr>
-                            <m:ctrlPr>
-                              <a:rPr lang="en-US" sz="1400" b="0" i="1" smtClean="0">
-                                <a:solidFill>
-                                  <a:schemeClr val="tx1"/>
-                                </a:solidFill>
-                                <a:latin typeface="Cambria Math" panose="02040503050406030204" pitchFamily="18" charset="0"/>
-                                <a:ea typeface="Cambria Math" panose="02040503050406030204" pitchFamily="18" charset="0"/>
-                              </a:rPr>
-                            </m:ctrlPr>
-                          </m:sSubPr>
-                          <m:e>
-                            <m:r>
-                              <a:rPr lang="en-US" sz="1400" b="0" i="1" smtClean="0">
-                                <a:solidFill>
-                                  <a:schemeClr val="tx1"/>
-                                </a:solidFill>
-                                <a:latin typeface="Cambria Math" panose="02040503050406030204" pitchFamily="18" charset="0"/>
-                                <a:ea typeface="Cambria Math" panose="02040503050406030204" pitchFamily="18" charset="0"/>
-                              </a:rPr>
-                              <m:t>𝑘</m:t>
-                            </m:r>
-                          </m:e>
-                          <m:sub>
-                            <m:r>
-                              <a:rPr lang="en-US" sz="1400" b="0" i="1" smtClean="0">
-                                <a:solidFill>
-                                  <a:schemeClr val="tx1"/>
-                                </a:solidFill>
-                                <a:latin typeface="Cambria Math" panose="02040503050406030204" pitchFamily="18" charset="0"/>
-                                <a:ea typeface="Cambria Math" panose="02040503050406030204" pitchFamily="18" charset="0"/>
-                              </a:rPr>
-                              <m:t>𝑣</m:t>
-                            </m:r>
-                          </m:sub>
-                        </m:sSub>
-                        <m:r>
-                          <a:rPr lang="en-US" sz="1400" b="0" i="1" smtClean="0">
-                            <a:solidFill>
-                              <a:schemeClr val="tx1"/>
-                            </a:solidFill>
-                            <a:latin typeface="Cambria Math" panose="02040503050406030204" pitchFamily="18" charset="0"/>
-                            <a:ea typeface="Cambria Math" panose="02040503050406030204" pitchFamily="18" charset="0"/>
-                          </a:rPr>
-                          <m:t>𝑣</m:t>
-                        </m:r>
-                      </m:den>
-                    </m:f>
-                  </m:oMath>
+                  <m:oMathPara xmlns:m="http://schemas.openxmlformats.org/officeDocument/2006/math">
+                    <m:oMathParaPr>
+                      <m:jc m:val="centerGroup"/>
+                    </m:oMathParaPr>
+                    <m:oMath xmlns:m="http://schemas.openxmlformats.org/officeDocument/2006/math">
+                      <m:r>
+                        <a:rPr lang="en-US" b="0" i="1" smtClean="0">
+                          <a:solidFill>
+                            <a:schemeClr val="tx1"/>
+                          </a:solidFill>
+                          <a:latin typeface="Cambria Math" panose="02040503050406030204" pitchFamily="18" charset="0"/>
+                          <a:ea typeface="Cambria Math" panose="02040503050406030204" pitchFamily="18" charset="0"/>
+                        </a:rPr>
+                        <m:t>−</m:t>
+                      </m:r>
+                      <m:f>
+                        <m:fPr>
+                          <m:ctrlPr>
+                            <a:rPr lang="en-US" b="0" i="1" smtClean="0">
+                              <a:solidFill>
+                                <a:schemeClr val="tx1"/>
+                              </a:solidFill>
+                              <a:latin typeface="Cambria Math" panose="02040503050406030204" pitchFamily="18" charset="0"/>
+                              <a:ea typeface="Cambria Math" panose="02040503050406030204" pitchFamily="18" charset="0"/>
+                            </a:rPr>
+                          </m:ctrlPr>
+                        </m:fPr>
+                        <m:num>
+                          <m:r>
+                            <m:rPr>
+                              <m:sty m:val="p"/>
+                            </m:rPr>
+                            <a:rPr lang="en-US" b="0" i="0" smtClean="0">
+                              <a:solidFill>
+                                <a:schemeClr val="tx1"/>
+                              </a:solidFill>
+                              <a:latin typeface="Cambria Math" panose="02040503050406030204" pitchFamily="18" charset="0"/>
+                              <a:ea typeface="Cambria Math" panose="02040503050406030204" pitchFamily="18" charset="0"/>
+                            </a:rPr>
+                            <m:t>arg</m:t>
+                          </m:r>
+                          <m:r>
+                            <a:rPr lang="en-US" b="0" i="1" smtClean="0">
+                              <a:solidFill>
+                                <a:schemeClr val="tx1"/>
+                              </a:solidFill>
+                              <a:latin typeface="Cambria Math" panose="02040503050406030204" pitchFamily="18" charset="0"/>
+                              <a:ea typeface="Cambria Math" panose="02040503050406030204" pitchFamily="18" charset="0"/>
+                            </a:rPr>
+                            <m:t>⁡(⋅)</m:t>
+                          </m:r>
+                        </m:num>
+                        <m:den>
+                          <m:r>
+                            <a:rPr lang="en-US" b="0" i="1" smtClean="0">
+                              <a:solidFill>
+                                <a:schemeClr val="tx1"/>
+                              </a:solidFill>
+                              <a:latin typeface="Cambria Math" panose="02040503050406030204" pitchFamily="18" charset="0"/>
+                              <a:ea typeface="Cambria Math" panose="02040503050406030204" pitchFamily="18" charset="0"/>
+                            </a:rPr>
+                            <m:t>2</m:t>
+                          </m:r>
+                          <m:r>
+                            <a:rPr lang="en-US" b="0" i="1" smtClean="0">
+                              <a:solidFill>
+                                <a:schemeClr val="tx1"/>
+                              </a:solidFill>
+                              <a:latin typeface="Cambria Math" panose="02040503050406030204" pitchFamily="18" charset="0"/>
+                              <a:ea typeface="Cambria Math" panose="02040503050406030204" pitchFamily="18" charset="0"/>
+                            </a:rPr>
+                            <m:t>𝜋</m:t>
+                          </m:r>
+                          <m:sSub>
+                            <m:sSubPr>
+                              <m:ctrlPr>
+                                <a:rPr lang="en-US" b="0" i="1" smtClean="0">
+                                  <a:solidFill>
+                                    <a:schemeClr val="tx1"/>
+                                  </a:solidFill>
+                                  <a:latin typeface="Cambria Math" panose="02040503050406030204" pitchFamily="18" charset="0"/>
+                                  <a:ea typeface="Cambria Math" panose="02040503050406030204" pitchFamily="18" charset="0"/>
+                                </a:rPr>
+                              </m:ctrlPr>
+                            </m:sSubPr>
+                            <m:e>
+                              <m:r>
+                                <a:rPr lang="en-US" b="0" i="1" smtClean="0">
+                                  <a:solidFill>
+                                    <a:schemeClr val="tx1"/>
+                                  </a:solidFill>
+                                  <a:latin typeface="Cambria Math" panose="02040503050406030204" pitchFamily="18" charset="0"/>
+                                  <a:ea typeface="Cambria Math" panose="02040503050406030204" pitchFamily="18" charset="0"/>
+                                </a:rPr>
+                                <m:t>𝑘</m:t>
+                              </m:r>
+                            </m:e>
+                            <m:sub>
+                              <m:r>
+                                <a:rPr lang="en-US" b="0" i="1" smtClean="0">
+                                  <a:solidFill>
+                                    <a:schemeClr val="tx1"/>
+                                  </a:solidFill>
+                                  <a:latin typeface="Cambria Math" panose="02040503050406030204" pitchFamily="18" charset="0"/>
+                                  <a:ea typeface="Cambria Math" panose="02040503050406030204" pitchFamily="18" charset="0"/>
+                                </a:rPr>
+                                <m:t>𝑣</m:t>
+                              </m:r>
+                            </m:sub>
+                          </m:sSub>
+                          <m:r>
+                            <a:rPr lang="en-US" b="0" i="1" smtClean="0">
+                              <a:solidFill>
+                                <a:schemeClr val="tx1"/>
+                              </a:solidFill>
+                              <a:latin typeface="Cambria Math" panose="02040503050406030204" pitchFamily="18" charset="0"/>
+                              <a:ea typeface="Cambria Math" panose="02040503050406030204" pitchFamily="18" charset="0"/>
+                            </a:rPr>
+                            <m:t>𝑣</m:t>
+                          </m:r>
+                        </m:den>
+                      </m:f>
+                    </m:oMath>
+                  </m:oMathPara>
                 </a14:m>
-                <a:endParaRPr lang="en-US" sz="1400" dirty="0">
+                <a:endParaRPr lang="en-US" dirty="0">
                   <a:solidFill>
                     <a:schemeClr val="tx1"/>
                   </a:solidFill>
@@ -8087,14 +7968,14 @@
             </p:nvSpPr>
             <p:spPr>
               <a:xfrm>
-                <a:off x="5753998" y="4597669"/>
-                <a:ext cx="1079789" cy="584461"/>
+                <a:off x="6122958" y="5292267"/>
+                <a:ext cx="1133704" cy="727985"/>
               </a:xfrm>
               <a:prstGeom prst="rect">
                 <a:avLst/>
               </a:prstGeom>
               <a:blipFill>
-                <a:blip r:embed="rId21"/>
+                <a:blip r:embed="rId22"/>
                 <a:stretch>
                   <a:fillRect/>
                 </a:stretch>
@@ -8130,6 +8011,7 @@
             </a:extLst>
           </p:cNvPr>
           <p:cNvCxnSpPr>
+            <a:cxnSpLocks/>
             <a:stCxn id="149" idx="2"/>
             <a:endCxn id="180" idx="0"/>
           </p:cNvCxnSpPr>
@@ -8137,8 +8019,8 @@
         </p:nvCxnSpPr>
         <p:spPr>
           <a:xfrm flipH="1">
-            <a:off x="6293893" y="4346969"/>
-            <a:ext cx="1" cy="250700"/>
+            <a:off x="6689810" y="4973653"/>
+            <a:ext cx="1" cy="318614"/>
           </a:xfrm>
           <a:prstGeom prst="straightConnector1">
             <a:avLst/>
@@ -8174,13 +8056,15 @@
               </a:ext>
             </a:extLst>
           </p:cNvPr>
-          <p:cNvCxnSpPr/>
+          <p:cNvCxnSpPr>
+            <a:cxnSpLocks/>
+          </p:cNvCxnSpPr>
           <p:nvPr/>
         </p:nvCxnSpPr>
         <p:spPr>
           <a:xfrm>
-            <a:off x="5392008" y="3323828"/>
-            <a:ext cx="0" cy="298342"/>
+            <a:off x="5488207" y="3721413"/>
+            <a:ext cx="0" cy="327933"/>
           </a:xfrm>
           <a:prstGeom prst="line">
             <a:avLst/>
@@ -8221,8 +8105,8 @@
         </p:nvSpPr>
         <p:spPr>
           <a:xfrm>
-            <a:off x="5503050" y="5422490"/>
-            <a:ext cx="1908767" cy="307777"/>
+            <a:off x="5408020" y="6380780"/>
+            <a:ext cx="2785475" cy="369332"/>
           </a:xfrm>
           <a:prstGeom prst="rect">
             <a:avLst/>
@@ -8236,9 +8120,18 @@
           <a:lstStyle/>
           <a:p>
             <a:r>
-              <a:rPr lang="en-US" sz="1400" dirty="0"/>
-              <a:t>General SD estimator</a:t>
+              <a:rPr lang="en-US"/>
+              <a:t>B</a:t>
             </a:r>
+            <a:r>
+              <a:rPr lang="en-US" altLang="zh-CN"/>
+              <a:t>lock-v</a:t>
+            </a:r>
+            <a:r>
+              <a:rPr lang="en-US"/>
+              <a:t> SD estimator</a:t>
+            </a:r>
+            <a:endParaRPr lang="en-US" dirty="0"/>
           </a:p>
         </p:txBody>
       </p:sp>
@@ -8251,13 +8144,1708 @@
               </a:ext>
             </a:extLst>
           </p:cNvPr>
+          <p:cNvCxnSpPr>
+            <a:cxnSpLocks/>
+          </p:cNvCxnSpPr>
+          <p:nvPr/>
+        </p:nvCxnSpPr>
+        <p:spPr>
+          <a:xfrm>
+            <a:off x="6689810" y="6010029"/>
+            <a:ext cx="0" cy="348169"/>
+          </a:xfrm>
+          <a:prstGeom prst="straightConnector1">
+            <a:avLst/>
+          </a:prstGeom>
+          <a:ln w="19050">
+            <a:solidFill>
+              <a:schemeClr val="tx1"/>
+            </a:solidFill>
+            <a:tailEnd type="triangle"/>
+          </a:ln>
+        </p:spPr>
+        <p:style>
+          <a:lnRef idx="1">
+            <a:schemeClr val="accent1"/>
+          </a:lnRef>
+          <a:fillRef idx="0">
+            <a:schemeClr val="accent1"/>
+          </a:fillRef>
+          <a:effectRef idx="0">
+            <a:schemeClr val="accent1"/>
+          </a:effectRef>
+          <a:fontRef idx="minor">
+            <a:schemeClr val="tx1"/>
+          </a:fontRef>
+        </p:style>
+      </p:cxnSp>
+      <mc:AlternateContent xmlns:mc="http://schemas.openxmlformats.org/markup-compatibility/2006">
+        <mc:Choice xmlns:a14="http://schemas.microsoft.com/office/drawing/2010/main" Requires="a14">
+          <p:sp>
+            <p:nvSpPr>
+              <p:cNvPr id="119" name="Rectangle 118">
+                <a:extLst>
+                  <a:ext uri="{FF2B5EF4-FFF2-40B4-BE49-F238E27FC236}">
+                    <a16:creationId xmlns:a16="http://schemas.microsoft.com/office/drawing/2014/main" id="{C18CE1C7-D4F8-47DB-8563-415E4CB0C694}"/>
+                  </a:ext>
+                </a:extLst>
+              </p:cNvPr>
+              <p:cNvSpPr/>
+              <p:nvPr/>
+            </p:nvSpPr>
+            <p:spPr>
+              <a:xfrm>
+                <a:off x="5900861" y="2685602"/>
+                <a:ext cx="834087" cy="442452"/>
+              </a:xfrm>
+              <a:prstGeom prst="rect">
+                <a:avLst/>
+              </a:prstGeom>
+              <a:noFill/>
+              <a:ln w="19050">
+                <a:solidFill>
+                  <a:schemeClr val="tx1"/>
+                </a:solidFill>
+              </a:ln>
+            </p:spPr>
+            <p:style>
+              <a:lnRef idx="2">
+                <a:schemeClr val="accent1">
+                  <a:shade val="50000"/>
+                </a:schemeClr>
+              </a:lnRef>
+              <a:fillRef idx="1">
+                <a:schemeClr val="accent1"/>
+              </a:fillRef>
+              <a:effectRef idx="0">
+                <a:schemeClr val="accent1"/>
+              </a:effectRef>
+              <a:fontRef idx="minor">
+                <a:schemeClr val="lt1"/>
+              </a:fontRef>
+            </p:style>
+            <p:txBody>
+              <a:bodyPr rtlCol="0" anchor="ctr"/>
+              <a:lstStyle/>
+              <a:p>
+                <a:pPr algn="ctr"/>
+                <a14:m>
+                  <m:oMathPara xmlns:m="http://schemas.openxmlformats.org/officeDocument/2006/math">
+                    <m:oMathParaPr>
+                      <m:jc m:val="centerGroup"/>
+                    </m:oMathParaPr>
+                    <m:oMath xmlns:m="http://schemas.openxmlformats.org/officeDocument/2006/math">
+                      <m:sSup>
+                        <m:sSupPr>
+                          <m:ctrlPr>
+                            <a:rPr lang="en-US" b="0" i="1" dirty="0" smtClean="0">
+                              <a:solidFill>
+                                <a:schemeClr val="tx1"/>
+                              </a:solidFill>
+                              <a:latin typeface="Cambria Math" panose="02040503050406030204" pitchFamily="18" charset="0"/>
+                              <a:ea typeface="Cambria Math" panose="02040503050406030204" pitchFamily="18" charset="0"/>
+                            </a:rPr>
+                          </m:ctrlPr>
+                        </m:sSupPr>
+                        <m:e>
+                          <m:d>
+                            <m:dPr>
+                              <m:ctrlPr>
+                                <a:rPr lang="en-US" b="0" i="1" dirty="0" smtClean="0">
+                                  <a:solidFill>
+                                    <a:schemeClr val="tx1"/>
+                                  </a:solidFill>
+                                  <a:latin typeface="Cambria Math" panose="02040503050406030204" pitchFamily="18" charset="0"/>
+                                  <a:ea typeface="Cambria Math" panose="02040503050406030204" pitchFamily="18" charset="0"/>
+                                </a:rPr>
+                              </m:ctrlPr>
+                            </m:dPr>
+                            <m:e>
+                              <m:r>
+                                <a:rPr lang="en-US" b="0" i="1" dirty="0" smtClean="0">
+                                  <a:solidFill>
+                                    <a:schemeClr val="tx1"/>
+                                  </a:solidFill>
+                                  <a:latin typeface="Cambria Math" panose="02040503050406030204" pitchFamily="18" charset="0"/>
+                                  <a:ea typeface="Cambria Math" panose="02040503050406030204" pitchFamily="18" charset="0"/>
+                                </a:rPr>
+                                <m:t>∙</m:t>
+                              </m:r>
+                            </m:e>
+                          </m:d>
+                        </m:e>
+                        <m:sup>
+                          <m:r>
+                            <a:rPr lang="en-US" b="0" i="1" dirty="0" smtClean="0">
+                              <a:solidFill>
+                                <a:schemeClr val="tx1"/>
+                              </a:solidFill>
+                              <a:latin typeface="Cambria Math" panose="02040503050406030204" pitchFamily="18" charset="0"/>
+                            </a:rPr>
+                            <m:t>∗</m:t>
+                          </m:r>
+                        </m:sup>
+                      </m:sSup>
+                    </m:oMath>
+                  </m:oMathPara>
+                </a14:m>
+                <a:endParaRPr lang="en-US" dirty="0">
+                  <a:solidFill>
+                    <a:schemeClr val="tx1"/>
+                  </a:solidFill>
+                </a:endParaRPr>
+              </a:p>
+            </p:txBody>
+          </p:sp>
+        </mc:Choice>
+        <mc:Fallback>
+          <p:sp>
+            <p:nvSpPr>
+              <p:cNvPr id="119" name="Rectangle 118">
+                <a:extLst>
+                  <a:ext uri="{FF2B5EF4-FFF2-40B4-BE49-F238E27FC236}">
+                    <a16:creationId xmlns:a16="http://schemas.microsoft.com/office/drawing/2014/main" id="{C18CE1C7-D4F8-47DB-8563-415E4CB0C694}"/>
+                  </a:ext>
+                </a:extLst>
+              </p:cNvPr>
+              <p:cNvSpPr>
+                <a:spLocks noRot="1" noChangeAspect="1" noMove="1" noResize="1" noEditPoints="1" noAdjustHandles="1" noChangeArrowheads="1" noChangeShapeType="1" noTextEdit="1"/>
+              </p:cNvSpPr>
+              <p:nvPr/>
+            </p:nvSpPr>
+            <p:spPr>
+              <a:xfrm>
+                <a:off x="5900861" y="2685602"/>
+                <a:ext cx="834087" cy="442452"/>
+              </a:xfrm>
+              <a:prstGeom prst="rect">
+                <a:avLst/>
+              </a:prstGeom>
+              <a:blipFill>
+                <a:blip r:embed="rId23"/>
+                <a:stretch>
+                  <a:fillRect/>
+                </a:stretch>
+              </a:blipFill>
+              <a:ln w="19050">
+                <a:solidFill>
+                  <a:schemeClr val="tx1"/>
+                </a:solidFill>
+              </a:ln>
+            </p:spPr>
+            <p:txBody>
+              <a:bodyPr/>
+              <a:lstStyle/>
+              <a:p>
+                <a:r>
+                  <a:rPr lang="en-US">
+                    <a:noFill/>
+                  </a:rPr>
+                  <a:t> </a:t>
+                </a:r>
+              </a:p>
+            </p:txBody>
+          </p:sp>
+        </mc:Fallback>
+      </mc:AlternateContent>
+      <mc:AlternateContent xmlns:mc="http://schemas.openxmlformats.org/markup-compatibility/2006">
+        <mc:Choice xmlns:a14="http://schemas.microsoft.com/office/drawing/2010/main" Requires="a14">
+          <p:sp>
+            <p:nvSpPr>
+              <p:cNvPr id="121" name="Rectangle 120">
+                <a:extLst>
+                  <a:ext uri="{FF2B5EF4-FFF2-40B4-BE49-F238E27FC236}">
+                    <a16:creationId xmlns:a16="http://schemas.microsoft.com/office/drawing/2014/main" id="{75EE31FF-5952-4609-9372-FCC165243867}"/>
+                  </a:ext>
+                </a:extLst>
+              </p:cNvPr>
+              <p:cNvSpPr/>
+              <p:nvPr/>
+            </p:nvSpPr>
+            <p:spPr>
+              <a:xfrm>
+                <a:off x="8369375" y="2681745"/>
+                <a:ext cx="834087" cy="442452"/>
+              </a:xfrm>
+              <a:prstGeom prst="rect">
+                <a:avLst/>
+              </a:prstGeom>
+              <a:noFill/>
+              <a:ln w="19050">
+                <a:solidFill>
+                  <a:schemeClr val="tx1"/>
+                </a:solidFill>
+              </a:ln>
+            </p:spPr>
+            <p:style>
+              <a:lnRef idx="2">
+                <a:schemeClr val="accent1">
+                  <a:shade val="50000"/>
+                </a:schemeClr>
+              </a:lnRef>
+              <a:fillRef idx="1">
+                <a:schemeClr val="accent1"/>
+              </a:fillRef>
+              <a:effectRef idx="0">
+                <a:schemeClr val="accent1"/>
+              </a:effectRef>
+              <a:fontRef idx="minor">
+                <a:schemeClr val="lt1"/>
+              </a:fontRef>
+            </p:style>
+            <p:txBody>
+              <a:bodyPr rtlCol="0" anchor="ctr"/>
+              <a:lstStyle/>
+              <a:p>
+                <a:pPr algn="ctr"/>
+                <a14:m>
+                  <m:oMathPara xmlns:m="http://schemas.openxmlformats.org/officeDocument/2006/math">
+                    <m:oMathParaPr>
+                      <m:jc m:val="centerGroup"/>
+                    </m:oMathParaPr>
+                    <m:oMath xmlns:m="http://schemas.openxmlformats.org/officeDocument/2006/math">
+                      <m:sSup>
+                        <m:sSupPr>
+                          <m:ctrlPr>
+                            <a:rPr lang="en-US" b="0" i="1" dirty="0" smtClean="0">
+                              <a:solidFill>
+                                <a:schemeClr val="tx1"/>
+                              </a:solidFill>
+                              <a:latin typeface="Cambria Math" panose="02040503050406030204" pitchFamily="18" charset="0"/>
+                              <a:ea typeface="Cambria Math" panose="02040503050406030204" pitchFamily="18" charset="0"/>
+                            </a:rPr>
+                          </m:ctrlPr>
+                        </m:sSupPr>
+                        <m:e>
+                          <m:d>
+                            <m:dPr>
+                              <m:ctrlPr>
+                                <a:rPr lang="en-US" b="0" i="1" dirty="0" smtClean="0">
+                                  <a:solidFill>
+                                    <a:schemeClr val="tx1"/>
+                                  </a:solidFill>
+                                  <a:latin typeface="Cambria Math" panose="02040503050406030204" pitchFamily="18" charset="0"/>
+                                  <a:ea typeface="Cambria Math" panose="02040503050406030204" pitchFamily="18" charset="0"/>
+                                </a:rPr>
+                              </m:ctrlPr>
+                            </m:dPr>
+                            <m:e>
+                              <m:r>
+                                <a:rPr lang="en-US" b="0" i="1" dirty="0" smtClean="0">
+                                  <a:solidFill>
+                                    <a:schemeClr val="tx1"/>
+                                  </a:solidFill>
+                                  <a:latin typeface="Cambria Math" panose="02040503050406030204" pitchFamily="18" charset="0"/>
+                                  <a:ea typeface="Cambria Math" panose="02040503050406030204" pitchFamily="18" charset="0"/>
+                                </a:rPr>
+                                <m:t>∙</m:t>
+                              </m:r>
+                            </m:e>
+                          </m:d>
+                        </m:e>
+                        <m:sup>
+                          <m:r>
+                            <a:rPr lang="en-US" b="0" i="1" dirty="0" smtClean="0">
+                              <a:solidFill>
+                                <a:schemeClr val="tx1"/>
+                              </a:solidFill>
+                              <a:latin typeface="Cambria Math" panose="02040503050406030204" pitchFamily="18" charset="0"/>
+                            </a:rPr>
+                            <m:t>∗</m:t>
+                          </m:r>
+                        </m:sup>
+                      </m:sSup>
+                    </m:oMath>
+                  </m:oMathPara>
+                </a14:m>
+                <a:endParaRPr lang="en-US" dirty="0">
+                  <a:solidFill>
+                    <a:schemeClr val="tx1"/>
+                  </a:solidFill>
+                </a:endParaRPr>
+              </a:p>
+            </p:txBody>
+          </p:sp>
+        </mc:Choice>
+        <mc:Fallback>
+          <p:sp>
+            <p:nvSpPr>
+              <p:cNvPr id="121" name="Rectangle 120">
+                <a:extLst>
+                  <a:ext uri="{FF2B5EF4-FFF2-40B4-BE49-F238E27FC236}">
+                    <a16:creationId xmlns:a16="http://schemas.microsoft.com/office/drawing/2014/main" id="{75EE31FF-5952-4609-9372-FCC165243867}"/>
+                  </a:ext>
+                </a:extLst>
+              </p:cNvPr>
+              <p:cNvSpPr>
+                <a:spLocks noRot="1" noChangeAspect="1" noMove="1" noResize="1" noEditPoints="1" noAdjustHandles="1" noChangeArrowheads="1" noChangeShapeType="1" noTextEdit="1"/>
+              </p:cNvSpPr>
+              <p:nvPr/>
+            </p:nvSpPr>
+            <p:spPr>
+              <a:xfrm>
+                <a:off x="8369375" y="2681745"/>
+                <a:ext cx="834087" cy="442452"/>
+              </a:xfrm>
+              <a:prstGeom prst="rect">
+                <a:avLst/>
+              </a:prstGeom>
+              <a:blipFill>
+                <a:blip r:embed="rId24"/>
+                <a:stretch>
+                  <a:fillRect/>
+                </a:stretch>
+              </a:blipFill>
+              <a:ln w="19050">
+                <a:solidFill>
+                  <a:schemeClr val="tx1"/>
+                </a:solidFill>
+              </a:ln>
+            </p:spPr>
+            <p:txBody>
+              <a:bodyPr/>
+              <a:lstStyle/>
+              <a:p>
+                <a:r>
+                  <a:rPr lang="en-US">
+                    <a:noFill/>
+                  </a:rPr>
+                  <a:t> </a:t>
+                </a:r>
+              </a:p>
+            </p:txBody>
+          </p:sp>
+        </mc:Fallback>
+      </mc:AlternateContent>
+      <p:cxnSp>
+        <p:nvCxnSpPr>
+          <p:cNvPr id="105" name="Straight Arrow Connector 104">
+            <a:extLst>
+              <a:ext uri="{FF2B5EF4-FFF2-40B4-BE49-F238E27FC236}">
+                <a16:creationId xmlns:a16="http://schemas.microsoft.com/office/drawing/2014/main" id="{657A9056-A7CF-4494-990A-6CFFE153F868}"/>
+              </a:ext>
+            </a:extLst>
+          </p:cNvPr>
+          <p:cNvCxnSpPr>
+            <a:cxnSpLocks/>
+            <a:stCxn id="68" idx="2"/>
+            <a:endCxn id="119" idx="0"/>
+          </p:cNvCxnSpPr>
+          <p:nvPr/>
+        </p:nvCxnSpPr>
+        <p:spPr>
+          <a:xfrm>
+            <a:off x="6317905" y="2275077"/>
+            <a:ext cx="0" cy="410525"/>
+          </a:xfrm>
+          <a:prstGeom prst="straightConnector1">
+            <a:avLst/>
+          </a:prstGeom>
+          <a:ln w="19050">
+            <a:solidFill>
+              <a:schemeClr val="tx1"/>
+            </a:solidFill>
+            <a:tailEnd type="triangle"/>
+          </a:ln>
+        </p:spPr>
+        <p:style>
+          <a:lnRef idx="1">
+            <a:schemeClr val="accent1"/>
+          </a:lnRef>
+          <a:fillRef idx="0">
+            <a:schemeClr val="accent1"/>
+          </a:fillRef>
+          <a:effectRef idx="0">
+            <a:schemeClr val="accent1"/>
+          </a:effectRef>
+          <a:fontRef idx="minor">
+            <a:schemeClr val="tx1"/>
+          </a:fontRef>
+        </p:style>
+      </p:cxnSp>
+      <p:cxnSp>
+        <p:nvCxnSpPr>
+          <p:cNvPr id="111" name="Straight Arrow Connector 110">
+            <a:extLst>
+              <a:ext uri="{FF2B5EF4-FFF2-40B4-BE49-F238E27FC236}">
+                <a16:creationId xmlns:a16="http://schemas.microsoft.com/office/drawing/2014/main" id="{14B66601-4A03-4882-B94A-A7C698401037}"/>
+              </a:ext>
+            </a:extLst>
+          </p:cNvPr>
+          <p:cNvCxnSpPr>
+            <a:cxnSpLocks/>
+            <a:stCxn id="81" idx="2"/>
+            <a:endCxn id="121" idx="0"/>
+          </p:cNvCxnSpPr>
+          <p:nvPr/>
+        </p:nvCxnSpPr>
+        <p:spPr>
+          <a:xfrm>
+            <a:off x="8778537" y="2275003"/>
+            <a:ext cx="7882" cy="406742"/>
+          </a:xfrm>
+          <a:prstGeom prst="straightConnector1">
+            <a:avLst/>
+          </a:prstGeom>
+          <a:ln w="19050">
+            <a:solidFill>
+              <a:schemeClr val="tx1"/>
+            </a:solidFill>
+            <a:tailEnd type="triangle"/>
+          </a:ln>
+        </p:spPr>
+        <p:style>
+          <a:lnRef idx="1">
+            <a:schemeClr val="accent1"/>
+          </a:lnRef>
+          <a:fillRef idx="0">
+            <a:schemeClr val="accent1"/>
+          </a:fillRef>
+          <a:effectRef idx="0">
+            <a:schemeClr val="accent1"/>
+          </a:effectRef>
+          <a:fontRef idx="minor">
+            <a:schemeClr val="tx1"/>
+          </a:fontRef>
+        </p:style>
+      </p:cxnSp>
+      <p:cxnSp>
+        <p:nvCxnSpPr>
+          <p:cNvPr id="125" name="Straight Arrow Connector 124">
+            <a:extLst>
+              <a:ext uri="{FF2B5EF4-FFF2-40B4-BE49-F238E27FC236}">
+                <a16:creationId xmlns:a16="http://schemas.microsoft.com/office/drawing/2014/main" id="{53CB10BC-94CF-4D19-8DA8-54270A8098CA}"/>
+              </a:ext>
+            </a:extLst>
+          </p:cNvPr>
+          <p:cNvCxnSpPr>
+            <a:cxnSpLocks/>
+            <a:stCxn id="13" idx="2"/>
+            <a:endCxn id="89" idx="2"/>
+          </p:cNvCxnSpPr>
+          <p:nvPr/>
+        </p:nvCxnSpPr>
+        <p:spPr>
+          <a:xfrm>
+            <a:off x="2313835" y="2262152"/>
+            <a:ext cx="1682983" cy="1297032"/>
+          </a:xfrm>
+          <a:prstGeom prst="straightConnector1">
+            <a:avLst/>
+          </a:prstGeom>
+          <a:ln w="19050">
+            <a:solidFill>
+              <a:schemeClr val="tx1"/>
+            </a:solidFill>
+            <a:tailEnd type="triangle"/>
+          </a:ln>
+        </p:spPr>
+        <p:style>
+          <a:lnRef idx="1">
+            <a:schemeClr val="accent1"/>
+          </a:lnRef>
+          <a:fillRef idx="0">
+            <a:schemeClr val="accent1"/>
+          </a:fillRef>
+          <a:effectRef idx="0">
+            <a:schemeClr val="accent1"/>
+          </a:effectRef>
+          <a:fontRef idx="minor">
+            <a:schemeClr val="tx1"/>
+          </a:fontRef>
+        </p:style>
+      </p:cxnSp>
+      <p:cxnSp>
+        <p:nvCxnSpPr>
+          <p:cNvPr id="129" name="Straight Arrow Connector 128">
+            <a:extLst>
+              <a:ext uri="{FF2B5EF4-FFF2-40B4-BE49-F238E27FC236}">
+                <a16:creationId xmlns:a16="http://schemas.microsoft.com/office/drawing/2014/main" id="{F4B725D1-A8CF-4A18-AB8B-25AAA9CFB295}"/>
+              </a:ext>
+            </a:extLst>
+          </p:cNvPr>
+          <p:cNvCxnSpPr>
+            <a:cxnSpLocks/>
+            <a:stCxn id="119" idx="2"/>
+            <a:endCxn id="89" idx="6"/>
+          </p:cNvCxnSpPr>
+          <p:nvPr/>
+        </p:nvCxnSpPr>
+        <p:spPr>
+          <a:xfrm flipH="1">
+            <a:off x="4331114" y="3128054"/>
+            <a:ext cx="1986791" cy="431130"/>
+          </a:xfrm>
+          <a:prstGeom prst="straightConnector1">
+            <a:avLst/>
+          </a:prstGeom>
+          <a:ln w="19050">
+            <a:solidFill>
+              <a:schemeClr val="tx1"/>
+            </a:solidFill>
+            <a:prstDash val="solid"/>
+            <a:tailEnd type="triangle"/>
+          </a:ln>
+        </p:spPr>
+        <p:style>
+          <a:lnRef idx="1">
+            <a:schemeClr val="accent1"/>
+          </a:lnRef>
+          <a:fillRef idx="0">
+            <a:schemeClr val="accent1"/>
+          </a:fillRef>
+          <a:effectRef idx="0">
+            <a:schemeClr val="accent1"/>
+          </a:effectRef>
+          <a:fontRef idx="minor">
+            <a:schemeClr val="tx1"/>
+          </a:fontRef>
+        </p:style>
+      </p:cxnSp>
+      <p:cxnSp>
+        <p:nvCxnSpPr>
+          <p:cNvPr id="132" name="Straight Arrow Connector 131">
+            <a:extLst>
+              <a:ext uri="{FF2B5EF4-FFF2-40B4-BE49-F238E27FC236}">
+                <a16:creationId xmlns:a16="http://schemas.microsoft.com/office/drawing/2014/main" id="{A36A05A9-A51C-4029-B282-23B08081509E}"/>
+              </a:ext>
+            </a:extLst>
+          </p:cNvPr>
+          <p:cNvCxnSpPr>
+            <a:cxnSpLocks/>
+            <a:stCxn id="40" idx="2"/>
+            <a:endCxn id="94" idx="2"/>
+          </p:cNvCxnSpPr>
+          <p:nvPr/>
+        </p:nvCxnSpPr>
+        <p:spPr>
+          <a:xfrm>
+            <a:off x="4148759" y="2266860"/>
+            <a:ext cx="2375249" cy="1292325"/>
+          </a:xfrm>
+          <a:prstGeom prst="straightConnector1">
+            <a:avLst/>
+          </a:prstGeom>
+          <a:ln w="19050">
+            <a:solidFill>
+              <a:schemeClr val="tx1"/>
+            </a:solidFill>
+            <a:tailEnd type="triangle"/>
+          </a:ln>
+        </p:spPr>
+        <p:style>
+          <a:lnRef idx="1">
+            <a:schemeClr val="accent1"/>
+          </a:lnRef>
+          <a:fillRef idx="0">
+            <a:schemeClr val="accent1"/>
+          </a:fillRef>
+          <a:effectRef idx="0">
+            <a:schemeClr val="accent1"/>
+          </a:effectRef>
+          <a:fontRef idx="minor">
+            <a:schemeClr val="tx1"/>
+          </a:fontRef>
+        </p:style>
+      </p:cxnSp>
+      <p:cxnSp>
+        <p:nvCxnSpPr>
+          <p:cNvPr id="134" name="Straight Arrow Connector 133">
+            <a:extLst>
+              <a:ext uri="{FF2B5EF4-FFF2-40B4-BE49-F238E27FC236}">
+                <a16:creationId xmlns:a16="http://schemas.microsoft.com/office/drawing/2014/main" id="{4A6F089F-0701-4DD0-811D-7610AD2710FC}"/>
+              </a:ext>
+            </a:extLst>
+          </p:cNvPr>
+          <p:cNvCxnSpPr>
+            <a:stCxn id="121" idx="2"/>
+            <a:endCxn id="94" idx="6"/>
+          </p:cNvCxnSpPr>
+          <p:nvPr/>
+        </p:nvCxnSpPr>
+        <p:spPr>
+          <a:xfrm flipH="1">
+            <a:off x="6858304" y="3124197"/>
+            <a:ext cx="1928115" cy="434988"/>
+          </a:xfrm>
+          <a:prstGeom prst="straightConnector1">
+            <a:avLst/>
+          </a:prstGeom>
+          <a:ln w="19050">
+            <a:solidFill>
+              <a:schemeClr val="tx1"/>
+            </a:solidFill>
+            <a:tailEnd type="triangle"/>
+          </a:ln>
+        </p:spPr>
+        <p:style>
+          <a:lnRef idx="1">
+            <a:schemeClr val="accent1"/>
+          </a:lnRef>
+          <a:fillRef idx="0">
+            <a:schemeClr val="accent1"/>
+          </a:fillRef>
+          <a:effectRef idx="0">
+            <a:schemeClr val="accent1"/>
+          </a:effectRef>
+          <a:fontRef idx="minor">
+            <a:schemeClr val="tx1"/>
+          </a:fontRef>
+        </p:style>
+      </p:cxnSp>
+      <p:cxnSp>
+        <p:nvCxnSpPr>
+          <p:cNvPr id="138" name="Straight Connector 137">
+            <a:extLst>
+              <a:ext uri="{FF2B5EF4-FFF2-40B4-BE49-F238E27FC236}">
+                <a16:creationId xmlns:a16="http://schemas.microsoft.com/office/drawing/2014/main" id="{68A1029A-AB5F-4159-A851-EDD51724F78C}"/>
+              </a:ext>
+            </a:extLst>
+          </p:cNvPr>
+          <p:cNvCxnSpPr/>
+          <p:nvPr/>
+        </p:nvCxnSpPr>
+        <p:spPr>
+          <a:xfrm>
+            <a:off x="965755" y="2444666"/>
+            <a:ext cx="10009238" cy="0"/>
+          </a:xfrm>
+          <a:prstGeom prst="line">
+            <a:avLst/>
+          </a:prstGeom>
+          <a:ln w="15875">
+            <a:solidFill>
+              <a:schemeClr val="tx1"/>
+            </a:solidFill>
+            <a:prstDash val="sysDash"/>
+          </a:ln>
+        </p:spPr>
+        <p:style>
+          <a:lnRef idx="1">
+            <a:schemeClr val="accent1"/>
+          </a:lnRef>
+          <a:fillRef idx="0">
+            <a:schemeClr val="accent1"/>
+          </a:fillRef>
+          <a:effectRef idx="0">
+            <a:schemeClr val="accent1"/>
+          </a:effectRef>
+          <a:fontRef idx="minor">
+            <a:schemeClr val="tx1"/>
+          </a:fontRef>
+        </p:style>
+      </p:cxnSp>
+      <p:sp>
+        <p:nvSpPr>
+          <p:cNvPr id="139" name="TextBox 138">
+            <a:extLst>
+              <a:ext uri="{FF2B5EF4-FFF2-40B4-BE49-F238E27FC236}">
+                <a16:creationId xmlns:a16="http://schemas.microsoft.com/office/drawing/2014/main" id="{6327164F-FD57-4FFA-8154-3F7A59897248}"/>
+              </a:ext>
+            </a:extLst>
+          </p:cNvPr>
+          <p:cNvSpPr txBox="1"/>
+          <p:nvPr/>
+        </p:nvSpPr>
+        <p:spPr>
+          <a:xfrm>
+            <a:off x="9986089" y="2022922"/>
+            <a:ext cx="1574419" cy="369332"/>
+          </a:xfrm>
+          <a:prstGeom prst="rect">
+            <a:avLst/>
+          </a:prstGeom>
+          <a:noFill/>
+        </p:spPr>
+        <p:txBody>
+          <a:bodyPr wrap="square" rtlCol="0">
+            <a:spAutoFit/>
+          </a:bodyPr>
+          <a:lstStyle/>
+          <a:p>
+            <a:r>
+              <a:rPr lang="en-US" dirty="0"/>
+              <a:t>preprocessing</a:t>
+            </a:r>
+          </a:p>
+        </p:txBody>
+      </p:sp>
+      <p:sp>
+        <p:nvSpPr>
+          <p:cNvPr id="151" name="TextBox 150">
+            <a:extLst>
+              <a:ext uri="{FF2B5EF4-FFF2-40B4-BE49-F238E27FC236}">
+                <a16:creationId xmlns:a16="http://schemas.microsoft.com/office/drawing/2014/main" id="{14202AB3-642F-4F5E-A1E5-82E8664C0B49}"/>
+              </a:ext>
+            </a:extLst>
+          </p:cNvPr>
+          <p:cNvSpPr txBox="1"/>
+          <p:nvPr/>
+        </p:nvSpPr>
+        <p:spPr>
+          <a:xfrm>
+            <a:off x="8961123" y="666901"/>
+            <a:ext cx="2109787" cy="369332"/>
+          </a:xfrm>
+          <a:prstGeom prst="rect">
+            <a:avLst/>
+          </a:prstGeom>
+          <a:noFill/>
+        </p:spPr>
+        <p:txBody>
+          <a:bodyPr wrap="square" rtlCol="0">
+            <a:spAutoFit/>
+          </a:bodyPr>
+          <a:lstStyle/>
+          <a:p>
+            <a:r>
+              <a:rPr lang="en-US" dirty="0"/>
+              <a:t>Coherent Integrator</a:t>
+            </a:r>
+          </a:p>
+        </p:txBody>
+      </p:sp>
+      <p:cxnSp>
+        <p:nvCxnSpPr>
+          <p:cNvPr id="141" name="Straight Arrow Connector 140">
+            <a:extLst>
+              <a:ext uri="{FF2B5EF4-FFF2-40B4-BE49-F238E27FC236}">
+                <a16:creationId xmlns:a16="http://schemas.microsoft.com/office/drawing/2014/main" id="{3D04482A-5B56-4EBC-93A1-5B92003A0EAD}"/>
+              </a:ext>
+            </a:extLst>
+          </p:cNvPr>
+          <p:cNvCxnSpPr>
+            <a:cxnSpLocks/>
+          </p:cNvCxnSpPr>
+          <p:nvPr/>
+        </p:nvCxnSpPr>
+        <p:spPr>
+          <a:xfrm flipV="1">
+            <a:off x="9644233" y="1008999"/>
+            <a:ext cx="119969" cy="325640"/>
+          </a:xfrm>
+          <a:prstGeom prst="straightConnector1">
+            <a:avLst/>
+          </a:prstGeom>
+          <a:ln w="19050">
+            <a:solidFill>
+              <a:schemeClr val="tx1"/>
+            </a:solidFill>
+            <a:tailEnd type="triangle"/>
+          </a:ln>
+        </p:spPr>
+        <p:style>
+          <a:lnRef idx="1">
+            <a:schemeClr val="accent1"/>
+          </a:lnRef>
+          <a:fillRef idx="0">
+            <a:schemeClr val="accent1"/>
+          </a:fillRef>
+          <a:effectRef idx="0">
+            <a:schemeClr val="accent1"/>
+          </a:effectRef>
+          <a:fontRef idx="minor">
+            <a:schemeClr val="tx1"/>
+          </a:fontRef>
+        </p:style>
+      </p:cxnSp>
+      <p:cxnSp>
+        <p:nvCxnSpPr>
+          <p:cNvPr id="6" name="Straight Arrow Connector 5">
+            <a:extLst>
+              <a:ext uri="{FF2B5EF4-FFF2-40B4-BE49-F238E27FC236}">
+                <a16:creationId xmlns:a16="http://schemas.microsoft.com/office/drawing/2014/main" id="{DAFD0FB5-A51A-49EB-92F7-25D6FC128BDD}"/>
+              </a:ext>
+            </a:extLst>
+          </p:cNvPr>
+          <p:cNvCxnSpPr>
+            <a:cxnSpLocks/>
+          </p:cNvCxnSpPr>
+          <p:nvPr/>
+        </p:nvCxnSpPr>
+        <p:spPr>
+          <a:xfrm>
+            <a:off x="2427798" y="814455"/>
+            <a:ext cx="0" cy="356307"/>
+          </a:xfrm>
+          <a:prstGeom prst="straightConnector1">
+            <a:avLst/>
+          </a:prstGeom>
+          <a:ln w="19050">
+            <a:solidFill>
+              <a:schemeClr val="tx1"/>
+            </a:solidFill>
+            <a:tailEnd type="triangle"/>
+          </a:ln>
+        </p:spPr>
+        <p:style>
+          <a:lnRef idx="1">
+            <a:schemeClr val="accent1"/>
+          </a:lnRef>
+          <a:fillRef idx="0">
+            <a:schemeClr val="accent1"/>
+          </a:fillRef>
+          <a:effectRef idx="0">
+            <a:schemeClr val="accent1"/>
+          </a:effectRef>
+          <a:fontRef idx="minor">
+            <a:schemeClr val="tx1"/>
+          </a:fontRef>
+        </p:style>
+      </p:cxnSp>
+      <p:cxnSp>
+        <p:nvCxnSpPr>
+          <p:cNvPr id="25" name="Straight Arrow Connector 24">
+            <a:extLst>
+              <a:ext uri="{FF2B5EF4-FFF2-40B4-BE49-F238E27FC236}">
+                <a16:creationId xmlns:a16="http://schemas.microsoft.com/office/drawing/2014/main" id="{1DA529E0-1ABC-44F3-BF3E-A536CD28632F}"/>
+              </a:ext>
+            </a:extLst>
+          </p:cNvPr>
+          <p:cNvCxnSpPr>
+            <a:cxnSpLocks/>
+            <a:stCxn id="127" idx="2"/>
+          </p:cNvCxnSpPr>
+          <p:nvPr/>
+        </p:nvCxnSpPr>
+        <p:spPr>
+          <a:xfrm flipH="1">
+            <a:off x="4285646" y="849813"/>
+            <a:ext cx="5161" cy="355877"/>
+          </a:xfrm>
+          <a:prstGeom prst="straightConnector1">
+            <a:avLst/>
+          </a:prstGeom>
+          <a:ln w="19050">
+            <a:solidFill>
+              <a:schemeClr val="tx1"/>
+            </a:solidFill>
+            <a:tailEnd type="triangle"/>
+          </a:ln>
+        </p:spPr>
+        <p:style>
+          <a:lnRef idx="1">
+            <a:schemeClr val="accent1"/>
+          </a:lnRef>
+          <a:fillRef idx="0">
+            <a:schemeClr val="accent1"/>
+          </a:fillRef>
+          <a:effectRef idx="0">
+            <a:schemeClr val="accent1"/>
+          </a:effectRef>
+          <a:fontRef idx="minor">
+            <a:schemeClr val="tx1"/>
+          </a:fontRef>
+        </p:style>
+      </p:cxnSp>
+      <p:cxnSp>
+        <p:nvCxnSpPr>
+          <p:cNvPr id="28" name="Straight Arrow Connector 27">
+            <a:extLst>
+              <a:ext uri="{FF2B5EF4-FFF2-40B4-BE49-F238E27FC236}">
+                <a16:creationId xmlns:a16="http://schemas.microsoft.com/office/drawing/2014/main" id="{8B16C7AC-5DB1-4D6D-91F5-001BCFD9FB74}"/>
+              </a:ext>
+            </a:extLst>
+          </p:cNvPr>
+          <p:cNvCxnSpPr>
+            <a:cxnSpLocks/>
+          </p:cNvCxnSpPr>
+          <p:nvPr/>
+        </p:nvCxnSpPr>
+        <p:spPr>
+          <a:xfrm>
+            <a:off x="6096000" y="828735"/>
+            <a:ext cx="0" cy="360528"/>
+          </a:xfrm>
+          <a:prstGeom prst="straightConnector1">
+            <a:avLst/>
+          </a:prstGeom>
+          <a:ln w="19050">
+            <a:solidFill>
+              <a:schemeClr val="tx1"/>
+            </a:solidFill>
+            <a:tailEnd type="triangle"/>
+          </a:ln>
+        </p:spPr>
+        <p:style>
+          <a:lnRef idx="1">
+            <a:schemeClr val="accent1"/>
+          </a:lnRef>
+          <a:fillRef idx="0">
+            <a:schemeClr val="accent1"/>
+          </a:fillRef>
+          <a:effectRef idx="0">
+            <a:schemeClr val="accent1"/>
+          </a:effectRef>
+          <a:fontRef idx="minor">
+            <a:schemeClr val="tx1"/>
+          </a:fontRef>
+        </p:style>
+      </p:cxnSp>
+      <p:cxnSp>
+        <p:nvCxnSpPr>
+          <p:cNvPr id="32" name="Straight Arrow Connector 31">
+            <a:extLst>
+              <a:ext uri="{FF2B5EF4-FFF2-40B4-BE49-F238E27FC236}">
+                <a16:creationId xmlns:a16="http://schemas.microsoft.com/office/drawing/2014/main" id="{6498B3A8-CDB2-4782-B66E-B2C90726EC1F}"/>
+              </a:ext>
+            </a:extLst>
+          </p:cNvPr>
+          <p:cNvCxnSpPr>
+            <a:cxnSpLocks/>
+          </p:cNvCxnSpPr>
+          <p:nvPr/>
+        </p:nvCxnSpPr>
+        <p:spPr>
+          <a:xfrm>
+            <a:off x="8290960" y="814455"/>
+            <a:ext cx="0" cy="370981"/>
+          </a:xfrm>
+          <a:prstGeom prst="straightConnector1">
+            <a:avLst/>
+          </a:prstGeom>
+          <a:ln w="19050">
+            <a:solidFill>
+              <a:schemeClr val="tx1"/>
+            </a:solidFill>
+            <a:tailEnd type="triangle"/>
+          </a:ln>
+        </p:spPr>
+        <p:style>
+          <a:lnRef idx="1">
+            <a:schemeClr val="accent1"/>
+          </a:lnRef>
+          <a:fillRef idx="0">
+            <a:schemeClr val="accent1"/>
+          </a:fillRef>
+          <a:effectRef idx="0">
+            <a:schemeClr val="accent1"/>
+          </a:effectRef>
+          <a:fontRef idx="minor">
+            <a:schemeClr val="tx1"/>
+          </a:fontRef>
+        </p:style>
+      </p:cxnSp>
+      <p:cxnSp>
+        <p:nvCxnSpPr>
+          <p:cNvPr id="86" name="Straight Arrow Connector 85">
+            <a:extLst>
+              <a:ext uri="{FF2B5EF4-FFF2-40B4-BE49-F238E27FC236}">
+                <a16:creationId xmlns:a16="http://schemas.microsoft.com/office/drawing/2014/main" id="{DC903DD4-DBEA-43F3-A2DB-468103A5C692}"/>
+              </a:ext>
+            </a:extLst>
+          </p:cNvPr>
           <p:cNvCxnSpPr/>
           <p:nvPr/>
         </p:nvCxnSpPr>
         <p:spPr>
           <a:xfrm flipH="1">
-            <a:off x="6300283" y="5182130"/>
-            <a:ext cx="1" cy="250700"/>
+            <a:off x="1499418" y="663062"/>
+            <a:ext cx="814416" cy="0"/>
+          </a:xfrm>
+          <a:prstGeom prst="straightConnector1">
+            <a:avLst/>
+          </a:prstGeom>
+          <a:ln w="19050">
+            <a:solidFill>
+              <a:schemeClr val="tx1"/>
+            </a:solidFill>
+            <a:tailEnd type="triangle"/>
+          </a:ln>
+        </p:spPr>
+        <p:style>
+          <a:lnRef idx="1">
+            <a:schemeClr val="accent1"/>
+          </a:lnRef>
+          <a:fillRef idx="0">
+            <a:schemeClr val="accent1"/>
+          </a:fillRef>
+          <a:effectRef idx="0">
+            <a:schemeClr val="accent1"/>
+          </a:effectRef>
+          <a:fontRef idx="minor">
+            <a:schemeClr val="tx1"/>
+          </a:fontRef>
+        </p:style>
+      </p:cxnSp>
+      <mc:AlternateContent xmlns:mc="http://schemas.openxmlformats.org/markup-compatibility/2006">
+        <mc:Choice xmlns:a14="http://schemas.microsoft.com/office/drawing/2010/main" Requires="a14">
+          <p:sp>
+            <p:nvSpPr>
+              <p:cNvPr id="118" name="TextBox 117">
+                <a:extLst>
+                  <a:ext uri="{FF2B5EF4-FFF2-40B4-BE49-F238E27FC236}">
+                    <a16:creationId xmlns:a16="http://schemas.microsoft.com/office/drawing/2014/main" id="{261A56B5-3999-42C8-8F4B-159BD02E1D2C}"/>
+                  </a:ext>
+                </a:extLst>
+              </p:cNvPr>
+              <p:cNvSpPr txBox="1"/>
+              <p:nvPr/>
+            </p:nvSpPr>
+            <p:spPr>
+              <a:xfrm>
+                <a:off x="2270952" y="474307"/>
+                <a:ext cx="412955" cy="369332"/>
+              </a:xfrm>
+              <a:prstGeom prst="rect">
+                <a:avLst/>
+              </a:prstGeom>
+              <a:noFill/>
+            </p:spPr>
+            <p:txBody>
+              <a:bodyPr wrap="square">
+                <a:spAutoFit/>
+              </a:bodyPr>
+              <a:lstStyle/>
+              <a:p>
+                <a:pPr/>
+                <a14:m>
+                  <m:oMathPara xmlns:m="http://schemas.openxmlformats.org/officeDocument/2006/math">
+                    <m:oMathParaPr>
+                      <m:jc m:val="centerGroup"/>
+                    </m:oMathParaPr>
+                    <m:oMath xmlns:m="http://schemas.openxmlformats.org/officeDocument/2006/math">
+                      <m:r>
+                        <a:rPr lang="en-US" i="1" smtClean="0">
+                          <a:solidFill>
+                            <a:schemeClr val="tx1"/>
+                          </a:solidFill>
+                          <a:latin typeface="Cambria Math" panose="02040503050406030204" pitchFamily="18" charset="0"/>
+                        </a:rPr>
+                        <m:t>𝑣</m:t>
+                      </m:r>
+                    </m:oMath>
+                  </m:oMathPara>
+                </a14:m>
+                <a:endParaRPr lang="en-US" dirty="0"/>
+              </a:p>
+            </p:txBody>
+          </p:sp>
+        </mc:Choice>
+        <mc:Fallback>
+          <p:sp>
+            <p:nvSpPr>
+              <p:cNvPr id="118" name="TextBox 117">
+                <a:extLst>
+                  <a:ext uri="{FF2B5EF4-FFF2-40B4-BE49-F238E27FC236}">
+                    <a16:creationId xmlns:a16="http://schemas.microsoft.com/office/drawing/2014/main" id="{261A56B5-3999-42C8-8F4B-159BD02E1D2C}"/>
+                  </a:ext>
+                </a:extLst>
+              </p:cNvPr>
+              <p:cNvSpPr txBox="1">
+                <a:spLocks noRot="1" noChangeAspect="1" noMove="1" noResize="1" noEditPoints="1" noAdjustHandles="1" noChangeArrowheads="1" noChangeShapeType="1" noTextEdit="1"/>
+              </p:cNvSpPr>
+              <p:nvPr/>
+            </p:nvSpPr>
+            <p:spPr>
+              <a:xfrm>
+                <a:off x="2270952" y="474307"/>
+                <a:ext cx="412955" cy="369332"/>
+              </a:xfrm>
+              <a:prstGeom prst="rect">
+                <a:avLst/>
+              </a:prstGeom>
+              <a:blipFill>
+                <a:blip r:embed="rId25"/>
+                <a:stretch>
+                  <a:fillRect/>
+                </a:stretch>
+              </a:blipFill>
+            </p:spPr>
+            <p:txBody>
+              <a:bodyPr/>
+              <a:lstStyle/>
+              <a:p>
+                <a:r>
+                  <a:rPr lang="en-US">
+                    <a:noFill/>
+                  </a:rPr>
+                  <a:t> </a:t>
+                </a:r>
+              </a:p>
+            </p:txBody>
+          </p:sp>
+        </mc:Fallback>
+      </mc:AlternateContent>
+      <p:cxnSp>
+        <p:nvCxnSpPr>
+          <p:cNvPr id="122" name="Straight Arrow Connector 121">
+            <a:extLst>
+              <a:ext uri="{FF2B5EF4-FFF2-40B4-BE49-F238E27FC236}">
+                <a16:creationId xmlns:a16="http://schemas.microsoft.com/office/drawing/2014/main" id="{F4406968-9E2D-4161-BDE0-8C14EEB5FC24}"/>
+              </a:ext>
+            </a:extLst>
+          </p:cNvPr>
+          <p:cNvCxnSpPr>
+            <a:cxnSpLocks/>
+          </p:cNvCxnSpPr>
+          <p:nvPr/>
+        </p:nvCxnSpPr>
+        <p:spPr>
+          <a:xfrm>
+            <a:off x="2584223" y="655751"/>
+            <a:ext cx="970139" cy="0"/>
+          </a:xfrm>
+          <a:prstGeom prst="straightConnector1">
+            <a:avLst/>
+          </a:prstGeom>
+          <a:ln w="19050">
+            <a:solidFill>
+              <a:schemeClr val="tx1"/>
+            </a:solidFill>
+            <a:tailEnd type="triangle"/>
+          </a:ln>
+        </p:spPr>
+        <p:style>
+          <a:lnRef idx="1">
+            <a:schemeClr val="accent1"/>
+          </a:lnRef>
+          <a:fillRef idx="0">
+            <a:schemeClr val="accent1"/>
+          </a:fillRef>
+          <a:effectRef idx="0">
+            <a:schemeClr val="accent1"/>
+          </a:effectRef>
+          <a:fontRef idx="minor">
+            <a:schemeClr val="tx1"/>
+          </a:fontRef>
+        </p:style>
+      </p:cxnSp>
+      <p:cxnSp>
+        <p:nvCxnSpPr>
+          <p:cNvPr id="126" name="Straight Arrow Connector 125">
+            <a:extLst>
+              <a:ext uri="{FF2B5EF4-FFF2-40B4-BE49-F238E27FC236}">
+                <a16:creationId xmlns:a16="http://schemas.microsoft.com/office/drawing/2014/main" id="{DEACBF2F-D28A-4465-9905-0FFEC590B2AF}"/>
+              </a:ext>
+            </a:extLst>
+          </p:cNvPr>
+          <p:cNvCxnSpPr>
+            <a:cxnSpLocks/>
+          </p:cNvCxnSpPr>
+          <p:nvPr/>
+        </p:nvCxnSpPr>
+        <p:spPr>
+          <a:xfrm flipH="1">
+            <a:off x="3657282" y="658568"/>
+            <a:ext cx="491477" cy="0"/>
+          </a:xfrm>
+          <a:prstGeom prst="straightConnector1">
+            <a:avLst/>
+          </a:prstGeom>
+          <a:ln w="19050">
+            <a:solidFill>
+              <a:schemeClr val="tx1"/>
+            </a:solidFill>
+            <a:tailEnd type="triangle"/>
+          </a:ln>
+        </p:spPr>
+        <p:style>
+          <a:lnRef idx="1">
+            <a:schemeClr val="accent1"/>
+          </a:lnRef>
+          <a:fillRef idx="0">
+            <a:schemeClr val="accent1"/>
+          </a:fillRef>
+          <a:effectRef idx="0">
+            <a:schemeClr val="accent1"/>
+          </a:effectRef>
+          <a:fontRef idx="minor">
+            <a:schemeClr val="tx1"/>
+          </a:fontRef>
+        </p:style>
+      </p:cxnSp>
+      <mc:AlternateContent xmlns:mc="http://schemas.openxmlformats.org/markup-compatibility/2006">
+        <mc:Choice xmlns:a14="http://schemas.microsoft.com/office/drawing/2010/main" Requires="a14">
+          <p:sp>
+            <p:nvSpPr>
+              <p:cNvPr id="127" name="TextBox 126">
+                <a:extLst>
+                  <a:ext uri="{FF2B5EF4-FFF2-40B4-BE49-F238E27FC236}">
+                    <a16:creationId xmlns:a16="http://schemas.microsoft.com/office/drawing/2014/main" id="{5A1F4569-6A8B-47E9-9B16-CD6DD7E92DBF}"/>
+                  </a:ext>
+                </a:extLst>
+              </p:cNvPr>
+              <p:cNvSpPr txBox="1"/>
+              <p:nvPr/>
+            </p:nvSpPr>
+            <p:spPr>
+              <a:xfrm>
+                <a:off x="4084329" y="480481"/>
+                <a:ext cx="412955" cy="369332"/>
+              </a:xfrm>
+              <a:prstGeom prst="rect">
+                <a:avLst/>
+              </a:prstGeom>
+              <a:noFill/>
+            </p:spPr>
+            <p:txBody>
+              <a:bodyPr wrap="square">
+                <a:spAutoFit/>
+              </a:bodyPr>
+              <a:lstStyle/>
+              <a:p>
+                <a:pPr/>
+                <a14:m>
+                  <m:oMathPara xmlns:m="http://schemas.openxmlformats.org/officeDocument/2006/math">
+                    <m:oMathParaPr>
+                      <m:jc m:val="centerGroup"/>
+                    </m:oMathParaPr>
+                    <m:oMath xmlns:m="http://schemas.openxmlformats.org/officeDocument/2006/math">
+                      <m:r>
+                        <a:rPr lang="en-US" i="1" smtClean="0">
+                          <a:solidFill>
+                            <a:schemeClr val="tx1"/>
+                          </a:solidFill>
+                          <a:latin typeface="Cambria Math" panose="02040503050406030204" pitchFamily="18" charset="0"/>
+                        </a:rPr>
+                        <m:t>𝑣</m:t>
+                      </m:r>
+                    </m:oMath>
+                  </m:oMathPara>
+                </a14:m>
+                <a:endParaRPr lang="en-US" dirty="0"/>
+              </a:p>
+            </p:txBody>
+          </p:sp>
+        </mc:Choice>
+        <mc:Fallback>
+          <p:sp>
+            <p:nvSpPr>
+              <p:cNvPr id="127" name="TextBox 126">
+                <a:extLst>
+                  <a:ext uri="{FF2B5EF4-FFF2-40B4-BE49-F238E27FC236}">
+                    <a16:creationId xmlns:a16="http://schemas.microsoft.com/office/drawing/2014/main" id="{5A1F4569-6A8B-47E9-9B16-CD6DD7E92DBF}"/>
+                  </a:ext>
+                </a:extLst>
+              </p:cNvPr>
+              <p:cNvSpPr txBox="1">
+                <a:spLocks noRot="1" noChangeAspect="1" noMove="1" noResize="1" noEditPoints="1" noAdjustHandles="1" noChangeArrowheads="1" noChangeShapeType="1" noTextEdit="1"/>
+              </p:cNvSpPr>
+              <p:nvPr/>
+            </p:nvSpPr>
+            <p:spPr>
+              <a:xfrm>
+                <a:off x="4084329" y="480481"/>
+                <a:ext cx="412955" cy="369332"/>
+              </a:xfrm>
+              <a:prstGeom prst="rect">
+                <a:avLst/>
+              </a:prstGeom>
+              <a:blipFill>
+                <a:blip r:embed="rId26"/>
+                <a:stretch>
+                  <a:fillRect/>
+                </a:stretch>
+              </a:blipFill>
+            </p:spPr>
+            <p:txBody>
+              <a:bodyPr/>
+              <a:lstStyle/>
+              <a:p>
+                <a:r>
+                  <a:rPr lang="en-US">
+                    <a:noFill/>
+                  </a:rPr>
+                  <a:t> </a:t>
+                </a:r>
+              </a:p>
+            </p:txBody>
+          </p:sp>
+        </mc:Fallback>
+      </mc:AlternateContent>
+      <p:cxnSp>
+        <p:nvCxnSpPr>
+          <p:cNvPr id="128" name="Straight Arrow Connector 127">
+            <a:extLst>
+              <a:ext uri="{FF2B5EF4-FFF2-40B4-BE49-F238E27FC236}">
+                <a16:creationId xmlns:a16="http://schemas.microsoft.com/office/drawing/2014/main" id="{A2F7BD4B-A6B7-4C23-89D6-DEA7C2166580}"/>
+              </a:ext>
+            </a:extLst>
+          </p:cNvPr>
+          <p:cNvCxnSpPr>
+            <a:cxnSpLocks/>
+          </p:cNvCxnSpPr>
+          <p:nvPr/>
+        </p:nvCxnSpPr>
+        <p:spPr>
+          <a:xfrm>
+            <a:off x="4418408" y="663062"/>
+            <a:ext cx="440639" cy="0"/>
+          </a:xfrm>
+          <a:prstGeom prst="straightConnector1">
+            <a:avLst/>
+          </a:prstGeom>
+          <a:ln w="19050">
+            <a:solidFill>
+              <a:schemeClr val="tx1"/>
+            </a:solidFill>
+            <a:tailEnd type="triangle"/>
+          </a:ln>
+        </p:spPr>
+        <p:style>
+          <a:lnRef idx="1">
+            <a:schemeClr val="accent1"/>
+          </a:lnRef>
+          <a:fillRef idx="0">
+            <a:schemeClr val="accent1"/>
+          </a:fillRef>
+          <a:effectRef idx="0">
+            <a:schemeClr val="accent1"/>
+          </a:effectRef>
+          <a:fontRef idx="minor">
+            <a:schemeClr val="tx1"/>
+          </a:fontRef>
+        </p:style>
+      </p:cxnSp>
+      <p:cxnSp>
+        <p:nvCxnSpPr>
+          <p:cNvPr id="135" name="Straight Arrow Connector 134">
+            <a:extLst>
+              <a:ext uri="{FF2B5EF4-FFF2-40B4-BE49-F238E27FC236}">
+                <a16:creationId xmlns:a16="http://schemas.microsoft.com/office/drawing/2014/main" id="{CEF8CA00-810E-4CEB-97AC-C63C4F2BE15E}"/>
+              </a:ext>
+            </a:extLst>
+          </p:cNvPr>
+          <p:cNvCxnSpPr>
+            <a:cxnSpLocks/>
+          </p:cNvCxnSpPr>
+          <p:nvPr/>
+        </p:nvCxnSpPr>
+        <p:spPr>
+          <a:xfrm flipH="1">
+            <a:off x="5459507" y="652394"/>
+            <a:ext cx="491477" cy="0"/>
+          </a:xfrm>
+          <a:prstGeom prst="straightConnector1">
+            <a:avLst/>
+          </a:prstGeom>
+          <a:ln w="19050">
+            <a:solidFill>
+              <a:schemeClr val="tx1"/>
+            </a:solidFill>
+            <a:tailEnd type="triangle"/>
+          </a:ln>
+        </p:spPr>
+        <p:style>
+          <a:lnRef idx="1">
+            <a:schemeClr val="accent1"/>
+          </a:lnRef>
+          <a:fillRef idx="0">
+            <a:schemeClr val="accent1"/>
+          </a:fillRef>
+          <a:effectRef idx="0">
+            <a:schemeClr val="accent1"/>
+          </a:effectRef>
+          <a:fontRef idx="minor">
+            <a:schemeClr val="tx1"/>
+          </a:fontRef>
+        </p:style>
+      </p:cxnSp>
+      <mc:AlternateContent xmlns:mc="http://schemas.openxmlformats.org/markup-compatibility/2006">
+        <mc:Choice xmlns:a14="http://schemas.microsoft.com/office/drawing/2010/main" Requires="a14">
+          <p:sp>
+            <p:nvSpPr>
+              <p:cNvPr id="136" name="TextBox 135">
+                <a:extLst>
+                  <a:ext uri="{FF2B5EF4-FFF2-40B4-BE49-F238E27FC236}">
+                    <a16:creationId xmlns:a16="http://schemas.microsoft.com/office/drawing/2014/main" id="{366FD256-BC91-458F-84F2-173B75C2F253}"/>
+                  </a:ext>
+                </a:extLst>
+              </p:cNvPr>
+              <p:cNvSpPr txBox="1"/>
+              <p:nvPr/>
+            </p:nvSpPr>
+            <p:spPr>
+              <a:xfrm>
+                <a:off x="5886554" y="474307"/>
+                <a:ext cx="412955" cy="369332"/>
+              </a:xfrm>
+              <a:prstGeom prst="rect">
+                <a:avLst/>
+              </a:prstGeom>
+              <a:noFill/>
+            </p:spPr>
+            <p:txBody>
+              <a:bodyPr wrap="square">
+                <a:spAutoFit/>
+              </a:bodyPr>
+              <a:lstStyle/>
+              <a:p>
+                <a:pPr/>
+                <a14:m>
+                  <m:oMathPara xmlns:m="http://schemas.openxmlformats.org/officeDocument/2006/math">
+                    <m:oMathParaPr>
+                      <m:jc m:val="centerGroup"/>
+                    </m:oMathParaPr>
+                    <m:oMath xmlns:m="http://schemas.openxmlformats.org/officeDocument/2006/math">
+                      <m:r>
+                        <a:rPr lang="en-US" i="1" smtClean="0">
+                          <a:solidFill>
+                            <a:schemeClr val="tx1"/>
+                          </a:solidFill>
+                          <a:latin typeface="Cambria Math" panose="02040503050406030204" pitchFamily="18" charset="0"/>
+                        </a:rPr>
+                        <m:t>𝑣</m:t>
+                      </m:r>
+                    </m:oMath>
+                  </m:oMathPara>
+                </a14:m>
+                <a:endParaRPr lang="en-US" dirty="0"/>
+              </a:p>
+            </p:txBody>
+          </p:sp>
+        </mc:Choice>
+        <mc:Fallback>
+          <p:sp>
+            <p:nvSpPr>
+              <p:cNvPr id="136" name="TextBox 135">
+                <a:extLst>
+                  <a:ext uri="{FF2B5EF4-FFF2-40B4-BE49-F238E27FC236}">
+                    <a16:creationId xmlns:a16="http://schemas.microsoft.com/office/drawing/2014/main" id="{366FD256-BC91-458F-84F2-173B75C2F253}"/>
+                  </a:ext>
+                </a:extLst>
+              </p:cNvPr>
+              <p:cNvSpPr txBox="1">
+                <a:spLocks noRot="1" noChangeAspect="1" noMove="1" noResize="1" noEditPoints="1" noAdjustHandles="1" noChangeArrowheads="1" noChangeShapeType="1" noTextEdit="1"/>
+              </p:cNvSpPr>
+              <p:nvPr/>
+            </p:nvSpPr>
+            <p:spPr>
+              <a:xfrm>
+                <a:off x="5886554" y="474307"/>
+                <a:ext cx="412955" cy="369332"/>
+              </a:xfrm>
+              <a:prstGeom prst="rect">
+                <a:avLst/>
+              </a:prstGeom>
+              <a:blipFill>
+                <a:blip r:embed="rId27"/>
+                <a:stretch>
+                  <a:fillRect/>
+                </a:stretch>
+              </a:blipFill>
+            </p:spPr>
+            <p:txBody>
+              <a:bodyPr/>
+              <a:lstStyle/>
+              <a:p>
+                <a:r>
+                  <a:rPr lang="en-US">
+                    <a:noFill/>
+                  </a:rPr>
+                  <a:t> </a:t>
+                </a:r>
+              </a:p>
+            </p:txBody>
+          </p:sp>
+        </mc:Fallback>
+      </mc:AlternateContent>
+      <p:cxnSp>
+        <p:nvCxnSpPr>
+          <p:cNvPr id="140" name="Straight Arrow Connector 139">
+            <a:extLst>
+              <a:ext uri="{FF2B5EF4-FFF2-40B4-BE49-F238E27FC236}">
+                <a16:creationId xmlns:a16="http://schemas.microsoft.com/office/drawing/2014/main" id="{266068E3-E0E8-40E1-960A-B9F14584B66E}"/>
+              </a:ext>
+            </a:extLst>
+          </p:cNvPr>
+          <p:cNvCxnSpPr>
+            <a:cxnSpLocks/>
+          </p:cNvCxnSpPr>
+          <p:nvPr/>
+        </p:nvCxnSpPr>
+        <p:spPr>
+          <a:xfrm>
+            <a:off x="6220633" y="656888"/>
+            <a:ext cx="440639" cy="0"/>
+          </a:xfrm>
+          <a:prstGeom prst="straightConnector1">
+            <a:avLst/>
+          </a:prstGeom>
+          <a:ln w="19050">
+            <a:solidFill>
+              <a:schemeClr val="tx1"/>
+            </a:solidFill>
+            <a:tailEnd type="triangle"/>
+          </a:ln>
+        </p:spPr>
+        <p:style>
+          <a:lnRef idx="1">
+            <a:schemeClr val="accent1"/>
+          </a:lnRef>
+          <a:fillRef idx="0">
+            <a:schemeClr val="accent1"/>
+          </a:fillRef>
+          <a:effectRef idx="0">
+            <a:schemeClr val="accent1"/>
+          </a:effectRef>
+          <a:fontRef idx="minor">
+            <a:schemeClr val="tx1"/>
+          </a:fontRef>
+        </p:style>
+      </p:cxnSp>
+      <p:cxnSp>
+        <p:nvCxnSpPr>
+          <p:cNvPr id="144" name="Straight Arrow Connector 143">
+            <a:extLst>
+              <a:ext uri="{FF2B5EF4-FFF2-40B4-BE49-F238E27FC236}">
+                <a16:creationId xmlns:a16="http://schemas.microsoft.com/office/drawing/2014/main" id="{40624B63-318E-4E10-83E9-91232C121FEB}"/>
+              </a:ext>
+            </a:extLst>
+          </p:cNvPr>
+          <p:cNvCxnSpPr>
+            <a:cxnSpLocks/>
+          </p:cNvCxnSpPr>
+          <p:nvPr/>
+        </p:nvCxnSpPr>
+        <p:spPr>
+          <a:xfrm flipH="1" flipV="1">
+            <a:off x="7384822" y="663062"/>
+            <a:ext cx="714434" cy="1722"/>
+          </a:xfrm>
+          <a:prstGeom prst="straightConnector1">
+            <a:avLst/>
+          </a:prstGeom>
+          <a:ln w="19050">
+            <a:solidFill>
+              <a:schemeClr val="tx1"/>
+            </a:solidFill>
+            <a:tailEnd type="triangle"/>
+          </a:ln>
+        </p:spPr>
+        <p:style>
+          <a:lnRef idx="1">
+            <a:schemeClr val="accent1"/>
+          </a:lnRef>
+          <a:fillRef idx="0">
+            <a:schemeClr val="accent1"/>
+          </a:fillRef>
+          <a:effectRef idx="0">
+            <a:schemeClr val="accent1"/>
+          </a:effectRef>
+          <a:fontRef idx="minor">
+            <a:schemeClr val="tx1"/>
+          </a:fontRef>
+        </p:style>
+      </p:cxnSp>
+      <mc:AlternateContent xmlns:mc="http://schemas.openxmlformats.org/markup-compatibility/2006">
+        <mc:Choice xmlns:a14="http://schemas.microsoft.com/office/drawing/2010/main" Requires="a14">
+          <p:sp>
+            <p:nvSpPr>
+              <p:cNvPr id="145" name="TextBox 144">
+                <a:extLst>
+                  <a:ext uri="{FF2B5EF4-FFF2-40B4-BE49-F238E27FC236}">
+                    <a16:creationId xmlns:a16="http://schemas.microsoft.com/office/drawing/2014/main" id="{96BA7D27-3E29-4C77-890D-39B48E1277B5}"/>
+                  </a:ext>
+                </a:extLst>
+              </p:cNvPr>
+              <p:cNvSpPr txBox="1"/>
+              <p:nvPr/>
+            </p:nvSpPr>
+            <p:spPr>
+              <a:xfrm>
+                <a:off x="8034826" y="486697"/>
+                <a:ext cx="412955" cy="369332"/>
+              </a:xfrm>
+              <a:prstGeom prst="rect">
+                <a:avLst/>
+              </a:prstGeom>
+              <a:noFill/>
+            </p:spPr>
+            <p:txBody>
+              <a:bodyPr wrap="square">
+                <a:spAutoFit/>
+              </a:bodyPr>
+              <a:lstStyle/>
+              <a:p>
+                <a:pPr/>
+                <a14:m>
+                  <m:oMathPara xmlns:m="http://schemas.openxmlformats.org/officeDocument/2006/math">
+                    <m:oMathParaPr>
+                      <m:jc m:val="centerGroup"/>
+                    </m:oMathParaPr>
+                    <m:oMath xmlns:m="http://schemas.openxmlformats.org/officeDocument/2006/math">
+                      <m:r>
+                        <a:rPr lang="en-US" i="1" smtClean="0">
+                          <a:solidFill>
+                            <a:schemeClr val="tx1"/>
+                          </a:solidFill>
+                          <a:latin typeface="Cambria Math" panose="02040503050406030204" pitchFamily="18" charset="0"/>
+                        </a:rPr>
+                        <m:t>𝑣</m:t>
+                      </m:r>
+                    </m:oMath>
+                  </m:oMathPara>
+                </a14:m>
+                <a:endParaRPr lang="en-US" dirty="0"/>
+              </a:p>
+            </p:txBody>
+          </p:sp>
+        </mc:Choice>
+        <mc:Fallback>
+          <p:sp>
+            <p:nvSpPr>
+              <p:cNvPr id="145" name="TextBox 144">
+                <a:extLst>
+                  <a:ext uri="{FF2B5EF4-FFF2-40B4-BE49-F238E27FC236}">
+                    <a16:creationId xmlns:a16="http://schemas.microsoft.com/office/drawing/2014/main" id="{96BA7D27-3E29-4C77-890D-39B48E1277B5}"/>
+                  </a:ext>
+                </a:extLst>
+              </p:cNvPr>
+              <p:cNvSpPr txBox="1">
+                <a:spLocks noRot="1" noChangeAspect="1" noMove="1" noResize="1" noEditPoints="1" noAdjustHandles="1" noChangeArrowheads="1" noChangeShapeType="1" noTextEdit="1"/>
+              </p:cNvSpPr>
+              <p:nvPr/>
+            </p:nvSpPr>
+            <p:spPr>
+              <a:xfrm>
+                <a:off x="8034826" y="486697"/>
+                <a:ext cx="412955" cy="369332"/>
+              </a:xfrm>
+              <a:prstGeom prst="rect">
+                <a:avLst/>
+              </a:prstGeom>
+              <a:blipFill>
+                <a:blip r:embed="rId28"/>
+                <a:stretch>
+                  <a:fillRect/>
+                </a:stretch>
+              </a:blipFill>
+            </p:spPr>
+            <p:txBody>
+              <a:bodyPr/>
+              <a:lstStyle/>
+              <a:p>
+                <a:r>
+                  <a:rPr lang="en-US">
+                    <a:noFill/>
+                  </a:rPr>
+                  <a:t> </a:t>
+                </a:r>
+              </a:p>
+            </p:txBody>
+          </p:sp>
+        </mc:Fallback>
+      </mc:AlternateContent>
+      <p:cxnSp>
+        <p:nvCxnSpPr>
+          <p:cNvPr id="146" name="Straight Arrow Connector 145">
+            <a:extLst>
+              <a:ext uri="{FF2B5EF4-FFF2-40B4-BE49-F238E27FC236}">
+                <a16:creationId xmlns:a16="http://schemas.microsoft.com/office/drawing/2014/main" id="{B6102B65-92B1-407B-876E-6E8045071D0C}"/>
+              </a:ext>
+            </a:extLst>
+          </p:cNvPr>
+          <p:cNvCxnSpPr>
+            <a:cxnSpLocks/>
+          </p:cNvCxnSpPr>
+          <p:nvPr/>
+        </p:nvCxnSpPr>
+        <p:spPr>
+          <a:xfrm>
+            <a:off x="8368905" y="669278"/>
+            <a:ext cx="499792" cy="0"/>
           </a:xfrm>
           <a:prstGeom prst="straightConnector1">
             <a:avLst/>
@@ -8590,4 +10178,299 @@
     </a:ext>
   </a:extLst>
 </a:theme>
+</file>
+
+<file path=ppt/theme/theme2.xml><?xml version="1.0" encoding="utf-8"?>
+<a:theme xmlns:a="http://schemas.openxmlformats.org/drawingml/2006/main" name="Office Theme">
+  <a:themeElements>
+    <a:clrScheme name="Office">
+      <a:dk1>
+        <a:sysClr val="windowText" lastClr="000000"/>
+      </a:dk1>
+      <a:lt1>
+        <a:sysClr val="window" lastClr="FFFFFF"/>
+      </a:lt1>
+      <a:dk2>
+        <a:srgbClr val="44546A"/>
+      </a:dk2>
+      <a:lt2>
+        <a:srgbClr val="E7E6E6"/>
+      </a:lt2>
+      <a:accent1>
+        <a:srgbClr val="4472C4"/>
+      </a:accent1>
+      <a:accent2>
+        <a:srgbClr val="ED7D31"/>
+      </a:accent2>
+      <a:accent3>
+        <a:srgbClr val="A5A5A5"/>
+      </a:accent3>
+      <a:accent4>
+        <a:srgbClr val="FFC000"/>
+      </a:accent4>
+      <a:accent5>
+        <a:srgbClr val="5B9BD5"/>
+      </a:accent5>
+      <a:accent6>
+        <a:srgbClr val="70AD47"/>
+      </a:accent6>
+      <a:hlink>
+        <a:srgbClr val="0563C1"/>
+      </a:hlink>
+      <a:folHlink>
+        <a:srgbClr val="954F72"/>
+      </a:folHlink>
+    </a:clrScheme>
+    <a:fontScheme name="Office">
+      <a:majorFont>
+        <a:latin typeface="Calibri Light" panose="020F0302020204030204"/>
+        <a:ea typeface=""/>
+        <a:cs typeface=""/>
+        <a:font script="Jpan" typeface="游ゴシック Light"/>
+        <a:font script="Hang" typeface="맑은 고딕"/>
+        <a:font script="Hans" typeface="等线 Light"/>
+        <a:font script="Hant" typeface="新細明體"/>
+        <a:font script="Arab" typeface="Times New Roman"/>
+        <a:font script="Hebr" typeface="Times New Roman"/>
+        <a:font script="Thai" typeface="Angsana New"/>
+        <a:font script="Ethi" typeface="Nyala"/>
+        <a:font script="Beng" typeface="Vrinda"/>
+        <a:font script="Gujr" typeface="Shruti"/>
+        <a:font script="Khmr" typeface="MoolBoran"/>
+        <a:font script="Knda" typeface="Tunga"/>
+        <a:font script="Guru" typeface="Raavi"/>
+        <a:font script="Cans" typeface="Euphemia"/>
+        <a:font script="Cher" typeface="Plantagenet Cherokee"/>
+        <a:font script="Yiii" typeface="Microsoft Yi Baiti"/>
+        <a:font script="Tibt" typeface="Microsoft Himalaya"/>
+        <a:font script="Thaa" typeface="MV Boli"/>
+        <a:font script="Deva" typeface="Mangal"/>
+        <a:font script="Telu" typeface="Gautami"/>
+        <a:font script="Taml" typeface="Latha"/>
+        <a:font script="Syrc" typeface="Estrangelo Edessa"/>
+        <a:font script="Orya" typeface="Kalinga"/>
+        <a:font script="Mlym" typeface="Kartika"/>
+        <a:font script="Laoo" typeface="DokChampa"/>
+        <a:font script="Sinh" typeface="Iskoola Pota"/>
+        <a:font script="Mong" typeface="Mongolian Baiti"/>
+        <a:font script="Viet" typeface="Times New Roman"/>
+        <a:font script="Uigh" typeface="Microsoft Uighur"/>
+        <a:font script="Geor" typeface="Sylfaen"/>
+        <a:font script="Armn" typeface="Arial"/>
+        <a:font script="Bugi" typeface="Leelawadee UI"/>
+        <a:font script="Bopo" typeface="Microsoft JhengHei"/>
+        <a:font script="Java" typeface="Javanese Text"/>
+        <a:font script="Lisu" typeface="Segoe UI"/>
+        <a:font script="Mymr" typeface="Myanmar Text"/>
+        <a:font script="Nkoo" typeface="Ebrima"/>
+        <a:font script="Olck" typeface="Nirmala UI"/>
+        <a:font script="Osma" typeface="Ebrima"/>
+        <a:font script="Phag" typeface="Phagspa"/>
+        <a:font script="Syrn" typeface="Estrangelo Edessa"/>
+        <a:font script="Syrj" typeface="Estrangelo Edessa"/>
+        <a:font script="Syre" typeface="Estrangelo Edessa"/>
+        <a:font script="Sora" typeface="Nirmala UI"/>
+        <a:font script="Tale" typeface="Microsoft Tai Le"/>
+        <a:font script="Talu" typeface="Microsoft New Tai Lue"/>
+        <a:font script="Tfng" typeface="Ebrima"/>
+      </a:majorFont>
+      <a:minorFont>
+        <a:latin typeface="Calibri" panose="020F0502020204030204"/>
+        <a:ea typeface=""/>
+        <a:cs typeface=""/>
+        <a:font script="Jpan" typeface="游ゴシック"/>
+        <a:font script="Hang" typeface="맑은 고딕"/>
+        <a:font script="Hans" typeface="等线"/>
+        <a:font script="Hant" typeface="新細明體"/>
+        <a:font script="Arab" typeface="Arial"/>
+        <a:font script="Hebr" typeface="Arial"/>
+        <a:font script="Thai" typeface="Cordia New"/>
+        <a:font script="Ethi" typeface="Nyala"/>
+        <a:font script="Beng" typeface="Vrinda"/>
+        <a:font script="Gujr" typeface="Shruti"/>
+        <a:font script="Khmr" typeface="DaunPenh"/>
+        <a:font script="Knda" typeface="Tunga"/>
+        <a:font script="Guru" typeface="Raavi"/>
+        <a:font script="Cans" typeface="Euphemia"/>
+        <a:font script="Cher" typeface="Plantagenet Cherokee"/>
+        <a:font script="Yiii" typeface="Microsoft Yi Baiti"/>
+        <a:font script="Tibt" typeface="Microsoft Himalaya"/>
+        <a:font script="Thaa" typeface="MV Boli"/>
+        <a:font script="Deva" typeface="Mangal"/>
+        <a:font script="Telu" typeface="Gautami"/>
+        <a:font script="Taml" typeface="Latha"/>
+        <a:font script="Syrc" typeface="Estrangelo Edessa"/>
+        <a:font script="Orya" typeface="Kalinga"/>
+        <a:font script="Mlym" typeface="Kartika"/>
+        <a:font script="Laoo" typeface="DokChampa"/>
+        <a:font script="Sinh" typeface="Iskoola Pota"/>
+        <a:font script="Mong" typeface="Mongolian Baiti"/>
+        <a:font script="Viet" typeface="Arial"/>
+        <a:font script="Uigh" typeface="Microsoft Uighur"/>
+        <a:font script="Geor" typeface="Sylfaen"/>
+        <a:font script="Armn" typeface="Arial"/>
+        <a:font script="Bugi" typeface="Leelawadee UI"/>
+        <a:font script="Bopo" typeface="Microsoft JhengHei"/>
+        <a:font script="Java" typeface="Javanese Text"/>
+        <a:font script="Lisu" typeface="Segoe UI"/>
+        <a:font script="Mymr" typeface="Myanmar Text"/>
+        <a:font script="Nkoo" typeface="Ebrima"/>
+        <a:font script="Olck" typeface="Nirmala UI"/>
+        <a:font script="Osma" typeface="Ebrima"/>
+        <a:font script="Phag" typeface="Phagspa"/>
+        <a:font script="Syrn" typeface="Estrangelo Edessa"/>
+        <a:font script="Syrj" typeface="Estrangelo Edessa"/>
+        <a:font script="Syre" typeface="Estrangelo Edessa"/>
+        <a:font script="Sora" typeface="Nirmala UI"/>
+        <a:font script="Tale" typeface="Microsoft Tai Le"/>
+        <a:font script="Talu" typeface="Microsoft New Tai Lue"/>
+        <a:font script="Tfng" typeface="Ebrima"/>
+      </a:minorFont>
+    </a:fontScheme>
+    <a:fmtScheme name="Office">
+      <a:fillStyleLst>
+        <a:solidFill>
+          <a:schemeClr val="phClr"/>
+        </a:solidFill>
+        <a:gradFill rotWithShape="1">
+          <a:gsLst>
+            <a:gs pos="0">
+              <a:schemeClr val="phClr">
+                <a:lumMod val="110000"/>
+                <a:satMod val="105000"/>
+                <a:tint val="67000"/>
+              </a:schemeClr>
+            </a:gs>
+            <a:gs pos="50000">
+              <a:schemeClr val="phClr">
+                <a:lumMod val="105000"/>
+                <a:satMod val="103000"/>
+                <a:tint val="73000"/>
+              </a:schemeClr>
+            </a:gs>
+            <a:gs pos="100000">
+              <a:schemeClr val="phClr">
+                <a:lumMod val="105000"/>
+                <a:satMod val="109000"/>
+                <a:tint val="81000"/>
+              </a:schemeClr>
+            </a:gs>
+          </a:gsLst>
+          <a:lin ang="5400000" scaled="0"/>
+        </a:gradFill>
+        <a:gradFill rotWithShape="1">
+          <a:gsLst>
+            <a:gs pos="0">
+              <a:schemeClr val="phClr">
+                <a:satMod val="103000"/>
+                <a:lumMod val="102000"/>
+                <a:tint val="94000"/>
+              </a:schemeClr>
+            </a:gs>
+            <a:gs pos="50000">
+              <a:schemeClr val="phClr">
+                <a:satMod val="110000"/>
+                <a:lumMod val="100000"/>
+                <a:shade val="100000"/>
+              </a:schemeClr>
+            </a:gs>
+            <a:gs pos="100000">
+              <a:schemeClr val="phClr">
+                <a:lumMod val="99000"/>
+                <a:satMod val="120000"/>
+                <a:shade val="78000"/>
+              </a:schemeClr>
+            </a:gs>
+          </a:gsLst>
+          <a:lin ang="5400000" scaled="0"/>
+        </a:gradFill>
+      </a:fillStyleLst>
+      <a:lnStyleLst>
+        <a:ln w="6350" cap="flat" cmpd="sng" algn="ctr">
+          <a:solidFill>
+            <a:schemeClr val="phClr"/>
+          </a:solidFill>
+          <a:prstDash val="solid"/>
+          <a:miter lim="800000"/>
+        </a:ln>
+        <a:ln w="12700" cap="flat" cmpd="sng" algn="ctr">
+          <a:solidFill>
+            <a:schemeClr val="phClr"/>
+          </a:solidFill>
+          <a:prstDash val="solid"/>
+          <a:miter lim="800000"/>
+        </a:ln>
+        <a:ln w="19050" cap="flat" cmpd="sng" algn="ctr">
+          <a:solidFill>
+            <a:schemeClr val="phClr"/>
+          </a:solidFill>
+          <a:prstDash val="solid"/>
+          <a:miter lim="800000"/>
+        </a:ln>
+      </a:lnStyleLst>
+      <a:effectStyleLst>
+        <a:effectStyle>
+          <a:effectLst/>
+        </a:effectStyle>
+        <a:effectStyle>
+          <a:effectLst/>
+        </a:effectStyle>
+        <a:effectStyle>
+          <a:effectLst>
+            <a:outerShdw blurRad="57150" dist="19050" dir="5400000" algn="ctr" rotWithShape="0">
+              <a:srgbClr val="000000">
+                <a:alpha val="63000"/>
+              </a:srgbClr>
+            </a:outerShdw>
+          </a:effectLst>
+        </a:effectStyle>
+      </a:effectStyleLst>
+      <a:bgFillStyleLst>
+        <a:solidFill>
+          <a:schemeClr val="phClr"/>
+        </a:solidFill>
+        <a:solidFill>
+          <a:schemeClr val="phClr">
+            <a:tint val="95000"/>
+            <a:satMod val="170000"/>
+          </a:schemeClr>
+        </a:solidFill>
+        <a:gradFill rotWithShape="1">
+          <a:gsLst>
+            <a:gs pos="0">
+              <a:schemeClr val="phClr">
+                <a:tint val="93000"/>
+                <a:satMod val="150000"/>
+                <a:shade val="98000"/>
+                <a:lumMod val="102000"/>
+              </a:schemeClr>
+            </a:gs>
+            <a:gs pos="50000">
+              <a:schemeClr val="phClr">
+                <a:tint val="98000"/>
+                <a:satMod val="130000"/>
+                <a:shade val="90000"/>
+                <a:lumMod val="103000"/>
+              </a:schemeClr>
+            </a:gs>
+            <a:gs pos="100000">
+              <a:schemeClr val="phClr">
+                <a:shade val="63000"/>
+                <a:satMod val="120000"/>
+              </a:schemeClr>
+            </a:gs>
+          </a:gsLst>
+          <a:lin ang="5400000" scaled="0"/>
+        </a:gradFill>
+      </a:bgFillStyleLst>
+    </a:fmtScheme>
+  </a:themeElements>
+  <a:objectDefaults/>
+  <a:extraClrSchemeLst/>
+  <a:extLst>
+    <a:ext uri="{05A4C25C-085E-4340-85A3-A5531E510DB2}">
+      <thm15:themeFamily xmlns:thm15="http://schemas.microsoft.com/office/thememl/2012/main" name="Office Theme" id="{62F939B6-93AF-4DB8-9C6B-D6C7DFDC589F}" vid="{4A3C46E8-61CC-4603-A589-7422A47A8E4A}"/>
+    </a:ext>
+  </a:extLst>
+</a:theme>
 </file>
--- a/main_matlab_figures/New Microsoft PowerPoint Presentation (5).pptx
+++ b/main_matlab_figures/New Microsoft PowerPoint Presentation (5).pptx
@@ -197,7 +197,7 @@
           <a:p>
             <a:fld id="{F1C2D963-0D36-4941-A657-F6D7BC1AA493}" type="datetimeFigureOut">
               <a:rPr lang="en-US" smtClean="0"/>
-              <a:t>2/22/2022</a:t>
+              <a:t>3/1/2022</a:t>
             </a:fld>
             <a:endParaRPr lang="en-US"/>
           </a:p>
@@ -695,7 +695,7 @@
           <a:p>
             <a:fld id="{0B6048AB-C041-4C54-A9D3-79544F769E48}" type="datetimeFigureOut">
               <a:rPr lang="en-US" smtClean="0"/>
-              <a:t>2/22/2022</a:t>
+              <a:t>3/1/2022</a:t>
             </a:fld>
             <a:endParaRPr lang="en-US"/>
           </a:p>
@@ -893,7 +893,7 @@
           <a:p>
             <a:fld id="{0B6048AB-C041-4C54-A9D3-79544F769E48}" type="datetimeFigureOut">
               <a:rPr lang="en-US" smtClean="0"/>
-              <a:t>2/22/2022</a:t>
+              <a:t>3/1/2022</a:t>
             </a:fld>
             <a:endParaRPr lang="en-US"/>
           </a:p>
@@ -1101,7 +1101,7 @@
           <a:p>
             <a:fld id="{0B6048AB-C041-4C54-A9D3-79544F769E48}" type="datetimeFigureOut">
               <a:rPr lang="en-US" smtClean="0"/>
-              <a:t>2/22/2022</a:t>
+              <a:t>3/1/2022</a:t>
             </a:fld>
             <a:endParaRPr lang="en-US"/>
           </a:p>
@@ -1299,7 +1299,7 @@
           <a:p>
             <a:fld id="{0B6048AB-C041-4C54-A9D3-79544F769E48}" type="datetimeFigureOut">
               <a:rPr lang="en-US" smtClean="0"/>
-              <a:t>2/22/2022</a:t>
+              <a:t>3/1/2022</a:t>
             </a:fld>
             <a:endParaRPr lang="en-US"/>
           </a:p>
@@ -1574,7 +1574,7 @@
           <a:p>
             <a:fld id="{0B6048AB-C041-4C54-A9D3-79544F769E48}" type="datetimeFigureOut">
               <a:rPr lang="en-US" smtClean="0"/>
-              <a:t>2/22/2022</a:t>
+              <a:t>3/1/2022</a:t>
             </a:fld>
             <a:endParaRPr lang="en-US"/>
           </a:p>
@@ -1839,7 +1839,7 @@
           <a:p>
             <a:fld id="{0B6048AB-C041-4C54-A9D3-79544F769E48}" type="datetimeFigureOut">
               <a:rPr lang="en-US" smtClean="0"/>
-              <a:t>2/22/2022</a:t>
+              <a:t>3/1/2022</a:t>
             </a:fld>
             <a:endParaRPr lang="en-US"/>
           </a:p>
@@ -2251,7 +2251,7 @@
           <a:p>
             <a:fld id="{0B6048AB-C041-4C54-A9D3-79544F769E48}" type="datetimeFigureOut">
               <a:rPr lang="en-US" smtClean="0"/>
-              <a:t>2/22/2022</a:t>
+              <a:t>3/1/2022</a:t>
             </a:fld>
             <a:endParaRPr lang="en-US"/>
           </a:p>
@@ -2392,7 +2392,7 @@
           <a:p>
             <a:fld id="{0B6048AB-C041-4C54-A9D3-79544F769E48}" type="datetimeFigureOut">
               <a:rPr lang="en-US" smtClean="0"/>
-              <a:t>2/22/2022</a:t>
+              <a:t>3/1/2022</a:t>
             </a:fld>
             <a:endParaRPr lang="en-US"/>
           </a:p>
@@ -2505,7 +2505,7 @@
           <a:p>
             <a:fld id="{0B6048AB-C041-4C54-A9D3-79544F769E48}" type="datetimeFigureOut">
               <a:rPr lang="en-US" smtClean="0"/>
-              <a:t>2/22/2022</a:t>
+              <a:t>3/1/2022</a:t>
             </a:fld>
             <a:endParaRPr lang="en-US"/>
           </a:p>
@@ -2816,7 +2816,7 @@
           <a:p>
             <a:fld id="{0B6048AB-C041-4C54-A9D3-79544F769E48}" type="datetimeFigureOut">
               <a:rPr lang="en-US" smtClean="0"/>
-              <a:t>2/22/2022</a:t>
+              <a:t>3/1/2022</a:t>
             </a:fld>
             <a:endParaRPr lang="en-US"/>
           </a:p>
@@ -3104,7 +3104,7 @@
           <a:p>
             <a:fld id="{0B6048AB-C041-4C54-A9D3-79544F769E48}" type="datetimeFigureOut">
               <a:rPr lang="en-US" smtClean="0"/>
-              <a:t>2/22/2022</a:t>
+              <a:t>3/1/2022</a:t>
             </a:fld>
             <a:endParaRPr lang="en-US"/>
           </a:p>
@@ -3345,7 +3345,7 @@
           <a:p>
             <a:fld id="{0B6048AB-C041-4C54-A9D3-79544F769E48}" type="datetimeFigureOut">
               <a:rPr lang="en-US" smtClean="0"/>
-              <a:t>2/22/2022</a:t>
+              <a:t>3/1/2022</a:t>
             </a:fld>
             <a:endParaRPr lang="en-US"/>
           </a:p>
@@ -3762,8 +3762,8 @@
           <a:chExt cx="0" cy="0"/>
         </a:xfrm>
       </p:grpSpPr>
-      <mc:AlternateContent xmlns:mc="http://schemas.openxmlformats.org/markup-compatibility/2006">
-        <mc:Choice xmlns:a14="http://schemas.microsoft.com/office/drawing/2010/main" Requires="a14">
+      <mc:AlternateContent xmlns:mc="http://schemas.openxmlformats.org/markup-compatibility/2006" xmlns:a14="http://schemas.microsoft.com/office/drawing/2010/main">
+        <mc:Choice Requires="a14">
           <p:sp>
             <p:nvSpPr>
               <p:cNvPr id="4" name="Rectangle 3">
@@ -3909,7 +3909,7 @@
             </p:txBody>
           </p:sp>
         </mc:Choice>
-        <mc:Fallback>
+        <mc:Fallback xmlns="">
           <p:sp>
             <p:nvSpPr>
               <p:cNvPr id="4" name="Rectangle 3">
@@ -3959,8 +3959,8 @@
           </p:sp>
         </mc:Fallback>
       </mc:AlternateContent>
-      <mc:AlternateContent xmlns:mc="http://schemas.openxmlformats.org/markup-compatibility/2006">
-        <mc:Choice xmlns:a14="http://schemas.microsoft.com/office/drawing/2010/main" Requires="a14">
+      <mc:AlternateContent xmlns:mc="http://schemas.openxmlformats.org/markup-compatibility/2006" xmlns:a14="http://schemas.microsoft.com/office/drawing/2010/main">
+        <mc:Choice Requires="a14">
           <p:sp>
             <p:nvSpPr>
               <p:cNvPr id="7" name="Rectangle 6">
@@ -4106,7 +4106,7 @@
             </p:txBody>
           </p:sp>
         </mc:Choice>
-        <mc:Fallback>
+        <mc:Fallback xmlns="">
           <p:sp>
             <p:nvSpPr>
               <p:cNvPr id="7" name="Rectangle 6">
@@ -4156,8 +4156,8 @@
           </p:sp>
         </mc:Fallback>
       </mc:AlternateContent>
-      <mc:AlternateContent xmlns:mc="http://schemas.openxmlformats.org/markup-compatibility/2006">
-        <mc:Choice xmlns:a14="http://schemas.microsoft.com/office/drawing/2010/main" Requires="a14">
+      <mc:AlternateContent xmlns:mc="http://schemas.openxmlformats.org/markup-compatibility/2006" xmlns:a14="http://schemas.microsoft.com/office/drawing/2010/main">
+        <mc:Choice Requires="a14">
           <p:sp>
             <p:nvSpPr>
               <p:cNvPr id="8" name="Rectangle 7">
@@ -4303,7 +4303,7 @@
             </p:txBody>
           </p:sp>
         </mc:Choice>
-        <mc:Fallback>
+        <mc:Fallback xmlns="">
           <p:sp>
             <p:nvSpPr>
               <p:cNvPr id="8" name="Rectangle 7">
@@ -4353,8 +4353,8 @@
           </p:sp>
         </mc:Fallback>
       </mc:AlternateContent>
-      <mc:AlternateContent xmlns:mc="http://schemas.openxmlformats.org/markup-compatibility/2006">
-        <mc:Choice xmlns:a14="http://schemas.microsoft.com/office/drawing/2010/main" Requires="a14">
+      <mc:AlternateContent xmlns:mc="http://schemas.openxmlformats.org/markup-compatibility/2006" xmlns:a14="http://schemas.microsoft.com/office/drawing/2010/main">
+        <mc:Choice Requires="a14">
           <p:sp>
             <p:nvSpPr>
               <p:cNvPr id="9" name="Rectangle 8">
@@ -4430,7 +4430,7 @@
             </p:txBody>
           </p:sp>
         </mc:Choice>
-        <mc:Fallback>
+        <mc:Fallback xmlns="">
           <p:sp>
             <p:nvSpPr>
               <p:cNvPr id="9" name="Rectangle 8">
@@ -4480,8 +4480,8 @@
           </p:sp>
         </mc:Fallback>
       </mc:AlternateContent>
-      <mc:AlternateContent xmlns:mc="http://schemas.openxmlformats.org/markup-compatibility/2006">
-        <mc:Choice xmlns:a14="http://schemas.microsoft.com/office/drawing/2010/main" Requires="a14">
+      <mc:AlternateContent xmlns:mc="http://schemas.openxmlformats.org/markup-compatibility/2006" xmlns:a14="http://schemas.microsoft.com/office/drawing/2010/main">
+        <mc:Choice Requires="a14">
           <p:sp>
             <p:nvSpPr>
               <p:cNvPr id="10" name="Rectangle 9">
@@ -4557,7 +4557,7 @@
             </p:txBody>
           </p:sp>
         </mc:Choice>
-        <mc:Fallback>
+        <mc:Fallback xmlns="">
           <p:sp>
             <p:nvSpPr>
               <p:cNvPr id="10" name="Rectangle 9">
@@ -4607,8 +4607,8 @@
           </p:sp>
         </mc:Fallback>
       </mc:AlternateContent>
-      <mc:AlternateContent xmlns:mc="http://schemas.openxmlformats.org/markup-compatibility/2006">
-        <mc:Choice xmlns:a14="http://schemas.microsoft.com/office/drawing/2010/main" Requires="a14">
+      <mc:AlternateContent xmlns:mc="http://schemas.openxmlformats.org/markup-compatibility/2006" xmlns:a14="http://schemas.microsoft.com/office/drawing/2010/main">
+        <mc:Choice Requires="a14">
           <p:sp>
             <p:nvSpPr>
               <p:cNvPr id="11" name="Rectangle 10">
@@ -4790,7 +4790,7 @@
             </p:txBody>
           </p:sp>
         </mc:Choice>
-        <mc:Fallback>
+        <mc:Fallback xmlns="">
           <p:sp>
             <p:nvSpPr>
               <p:cNvPr id="11" name="Rectangle 10">
@@ -4840,8 +4840,8 @@
           </p:sp>
         </mc:Fallback>
       </mc:AlternateContent>
-      <mc:AlternateContent xmlns:mc="http://schemas.openxmlformats.org/markup-compatibility/2006">
-        <mc:Choice xmlns:a14="http://schemas.microsoft.com/office/drawing/2010/main" Requires="a14">
+      <mc:AlternateContent xmlns:mc="http://schemas.openxmlformats.org/markup-compatibility/2006" xmlns:a14="http://schemas.microsoft.com/office/drawing/2010/main">
+        <mc:Choice Requires="a14">
           <p:sp>
             <p:nvSpPr>
               <p:cNvPr id="12" name="Rectangle 11">
@@ -4917,7 +4917,7 @@
             </p:txBody>
           </p:sp>
         </mc:Choice>
-        <mc:Fallback>
+        <mc:Fallback xmlns="">
           <p:sp>
             <p:nvSpPr>
               <p:cNvPr id="12" name="Rectangle 11">
@@ -4967,8 +4967,8 @@
           </p:sp>
         </mc:Fallback>
       </mc:AlternateContent>
-      <mc:AlternateContent xmlns:mc="http://schemas.openxmlformats.org/markup-compatibility/2006">
-        <mc:Choice xmlns:a14="http://schemas.microsoft.com/office/drawing/2010/main" Requires="a14">
+      <mc:AlternateContent xmlns:mc="http://schemas.openxmlformats.org/markup-compatibility/2006" xmlns:a14="http://schemas.microsoft.com/office/drawing/2010/main">
+        <mc:Choice Requires="a14">
           <p:sp>
             <p:nvSpPr>
               <p:cNvPr id="13" name="Rectangle 12">
@@ -5215,7 +5215,7 @@
             </p:txBody>
           </p:sp>
         </mc:Choice>
-        <mc:Fallback>
+        <mc:Fallback xmlns="">
           <p:sp>
             <p:nvSpPr>
               <p:cNvPr id="13" name="Rectangle 12">
@@ -5265,8 +5265,8 @@
           </p:sp>
         </mc:Fallback>
       </mc:AlternateContent>
-      <mc:AlternateContent xmlns:mc="http://schemas.openxmlformats.org/markup-compatibility/2006">
-        <mc:Choice xmlns:a14="http://schemas.microsoft.com/office/drawing/2010/main" Requires="a14">
+      <mc:AlternateContent xmlns:mc="http://schemas.openxmlformats.org/markup-compatibility/2006" xmlns:a14="http://schemas.microsoft.com/office/drawing/2010/main">
+        <mc:Choice Requires="a14">
           <p:sp>
             <p:nvSpPr>
               <p:cNvPr id="14" name="Rectangle 13">
@@ -5430,7 +5430,7 @@
             </p:txBody>
           </p:sp>
         </mc:Choice>
-        <mc:Fallback>
+        <mc:Fallback xmlns="">
           <p:sp>
             <p:nvSpPr>
               <p:cNvPr id="14" name="Rectangle 13">
@@ -5480,8 +5480,8 @@
           </p:sp>
         </mc:Fallback>
       </mc:AlternateContent>
-      <mc:AlternateContent xmlns:mc="http://schemas.openxmlformats.org/markup-compatibility/2006">
-        <mc:Choice xmlns:a14="http://schemas.microsoft.com/office/drawing/2010/main" Requires="a14">
+      <mc:AlternateContent xmlns:mc="http://schemas.openxmlformats.org/markup-compatibility/2006" xmlns:a14="http://schemas.microsoft.com/office/drawing/2010/main">
+        <mc:Choice Requires="a14">
           <p:sp>
             <p:nvSpPr>
               <p:cNvPr id="15" name="Rectangle 14">
@@ -5557,7 +5557,7 @@
             </p:txBody>
           </p:sp>
         </mc:Choice>
-        <mc:Fallback>
+        <mc:Fallback xmlns="">
           <p:sp>
             <p:nvSpPr>
               <p:cNvPr id="15" name="Rectangle 14">
@@ -5607,8 +5607,8 @@
           </p:sp>
         </mc:Fallback>
       </mc:AlternateContent>
-      <mc:AlternateContent xmlns:mc="http://schemas.openxmlformats.org/markup-compatibility/2006">
-        <mc:Choice xmlns:a14="http://schemas.microsoft.com/office/drawing/2010/main" Requires="a14">
+      <mc:AlternateContent xmlns:mc="http://schemas.openxmlformats.org/markup-compatibility/2006" xmlns:a14="http://schemas.microsoft.com/office/drawing/2010/main">
+        <mc:Choice Requires="a14">
           <p:sp>
             <p:nvSpPr>
               <p:cNvPr id="16" name="Rectangle 15">
@@ -5754,7 +5754,7 @@
             </p:txBody>
           </p:sp>
         </mc:Choice>
-        <mc:Fallback>
+        <mc:Fallback xmlns="">
           <p:sp>
             <p:nvSpPr>
               <p:cNvPr id="16" name="Rectangle 15">
@@ -5804,8 +5804,8 @@
           </p:sp>
         </mc:Fallback>
       </mc:AlternateContent>
-      <mc:AlternateContent xmlns:mc="http://schemas.openxmlformats.org/markup-compatibility/2006">
-        <mc:Choice xmlns:a14="http://schemas.microsoft.com/office/drawing/2010/main" Requires="a14">
+      <mc:AlternateContent xmlns:mc="http://schemas.openxmlformats.org/markup-compatibility/2006" xmlns:a14="http://schemas.microsoft.com/office/drawing/2010/main">
+        <mc:Choice Requires="a14">
           <p:sp>
             <p:nvSpPr>
               <p:cNvPr id="40" name="Rectangle 39">
@@ -6070,7 +6070,7 @@
             </p:txBody>
           </p:sp>
         </mc:Choice>
-        <mc:Fallback>
+        <mc:Fallback xmlns="">
           <p:sp>
             <p:nvSpPr>
               <p:cNvPr id="40" name="Rectangle 39">
@@ -6120,8 +6120,8 @@
           </p:sp>
         </mc:Fallback>
       </mc:AlternateContent>
-      <mc:AlternateContent xmlns:mc="http://schemas.openxmlformats.org/markup-compatibility/2006">
-        <mc:Choice xmlns:a14="http://schemas.microsoft.com/office/drawing/2010/main" Requires="a14">
+      <mc:AlternateContent xmlns:mc="http://schemas.openxmlformats.org/markup-compatibility/2006" xmlns:a14="http://schemas.microsoft.com/office/drawing/2010/main">
+        <mc:Choice Requires="a14">
           <p:sp>
             <p:nvSpPr>
               <p:cNvPr id="68" name="Rectangle 67">
@@ -6488,7 +6488,7 @@
             </p:txBody>
           </p:sp>
         </mc:Choice>
-        <mc:Fallback>
+        <mc:Fallback xmlns="">
           <p:sp>
             <p:nvSpPr>
               <p:cNvPr id="68" name="Rectangle 67">
@@ -6538,8 +6538,8 @@
           </p:sp>
         </mc:Fallback>
       </mc:AlternateContent>
-      <mc:AlternateContent xmlns:mc="http://schemas.openxmlformats.org/markup-compatibility/2006">
-        <mc:Choice xmlns:a14="http://schemas.microsoft.com/office/drawing/2010/main" Requires="a14">
+      <mc:AlternateContent xmlns:mc="http://schemas.openxmlformats.org/markup-compatibility/2006" xmlns:a14="http://schemas.microsoft.com/office/drawing/2010/main">
+        <mc:Choice Requires="a14">
           <p:sp>
             <p:nvSpPr>
               <p:cNvPr id="80" name="TextBox 79">
@@ -6596,7 +6596,7 @@
             </p:txBody>
           </p:sp>
         </mc:Choice>
-        <mc:Fallback>
+        <mc:Fallback xmlns="">
           <p:sp>
             <p:nvSpPr>
               <p:cNvPr id="80" name="TextBox 79">
@@ -6641,8 +6641,8 @@
           </p:sp>
         </mc:Fallback>
       </mc:AlternateContent>
-      <mc:AlternateContent xmlns:mc="http://schemas.openxmlformats.org/markup-compatibility/2006">
-        <mc:Choice xmlns:a14="http://schemas.microsoft.com/office/drawing/2010/main" Requires="a14">
+      <mc:AlternateContent xmlns:mc="http://schemas.openxmlformats.org/markup-compatibility/2006" xmlns:a14="http://schemas.microsoft.com/office/drawing/2010/main">
+        <mc:Choice Requires="a14">
           <p:sp>
             <p:nvSpPr>
               <p:cNvPr id="81" name="Rectangle 80">
@@ -7036,7 +7036,7 @@
             </p:txBody>
           </p:sp>
         </mc:Choice>
-        <mc:Fallback>
+        <mc:Fallback xmlns="">
           <p:sp>
             <p:nvSpPr>
               <p:cNvPr id="81" name="Rectangle 80">
@@ -7190,8 +7190,8 @@
           </a:p>
         </p:txBody>
       </p:sp>
-      <mc:AlternateContent xmlns:mc="http://schemas.openxmlformats.org/markup-compatibility/2006">
-        <mc:Choice xmlns:a14="http://schemas.microsoft.com/office/drawing/2010/main" Requires="a14">
+      <mc:AlternateContent xmlns:mc="http://schemas.openxmlformats.org/markup-compatibility/2006" xmlns:a14="http://schemas.microsoft.com/office/drawing/2010/main">
+        <mc:Choice Requires="a14">
           <p:sp>
             <p:nvSpPr>
               <p:cNvPr id="137" name="TextBox 136">
@@ -7246,7 +7246,7 @@
             </p:txBody>
           </p:sp>
         </mc:Choice>
-        <mc:Fallback>
+        <mc:Fallback xmlns="">
           <p:sp>
             <p:nvSpPr>
               <p:cNvPr id="137" name="TextBox 136">
@@ -7291,8 +7291,8 @@
           </p:sp>
         </mc:Fallback>
       </mc:AlternateContent>
-      <mc:AlternateContent xmlns:mc="http://schemas.openxmlformats.org/markup-compatibility/2006">
-        <mc:Choice xmlns:a14="http://schemas.microsoft.com/office/drawing/2010/main" Requires="a14">
+      <mc:AlternateContent xmlns:mc="http://schemas.openxmlformats.org/markup-compatibility/2006" xmlns:a14="http://schemas.microsoft.com/office/drawing/2010/main">
+        <mc:Choice Requires="a14">
           <p:sp>
             <p:nvSpPr>
               <p:cNvPr id="142" name="TextBox 141">
@@ -7347,7 +7347,7 @@
             </p:txBody>
           </p:sp>
         </mc:Choice>
-        <mc:Fallback>
+        <mc:Fallback xmlns="">
           <p:sp>
             <p:nvSpPr>
               <p:cNvPr id="142" name="TextBox 141">
@@ -7392,8 +7392,8 @@
           </p:sp>
         </mc:Fallback>
       </mc:AlternateContent>
-      <mc:AlternateContent xmlns:mc="http://schemas.openxmlformats.org/markup-compatibility/2006">
-        <mc:Choice xmlns:a14="http://schemas.microsoft.com/office/drawing/2010/main" Requires="a14">
+      <mc:AlternateContent xmlns:mc="http://schemas.openxmlformats.org/markup-compatibility/2006" xmlns:a14="http://schemas.microsoft.com/office/drawing/2010/main">
+        <mc:Choice Requires="a14">
           <p:sp>
             <p:nvSpPr>
               <p:cNvPr id="143" name="TextBox 142">
@@ -7448,7 +7448,7 @@
             </p:txBody>
           </p:sp>
         </mc:Choice>
-        <mc:Fallback>
+        <mc:Fallback xmlns="">
           <p:sp>
             <p:nvSpPr>
               <p:cNvPr id="143" name="TextBox 142">
@@ -7493,8 +7493,8 @@
           </p:sp>
         </mc:Fallback>
       </mc:AlternateContent>
-      <mc:AlternateContent xmlns:mc="http://schemas.openxmlformats.org/markup-compatibility/2006">
-        <mc:Choice xmlns:a14="http://schemas.microsoft.com/office/drawing/2010/main" Requires="a14">
+      <mc:AlternateContent xmlns:mc="http://schemas.openxmlformats.org/markup-compatibility/2006" xmlns:a14="http://schemas.microsoft.com/office/drawing/2010/main">
+        <mc:Choice Requires="a14">
           <p:sp>
             <p:nvSpPr>
               <p:cNvPr id="149" name="Rectangle 148">
@@ -7571,7 +7571,7 @@
             </p:txBody>
           </p:sp>
         </mc:Choice>
-        <mc:Fallback>
+        <mc:Fallback xmlns="">
           <p:sp>
             <p:nvSpPr>
               <p:cNvPr id="149" name="Rectangle 148">
@@ -7866,7 +7866,37 @@
                               <a:latin typeface="Cambria Math" panose="02040503050406030204" pitchFamily="18" charset="0"/>
                               <a:ea typeface="Cambria Math" panose="02040503050406030204" pitchFamily="18" charset="0"/>
                             </a:rPr>
-                            <m:t>⁡(⋅)</m:t>
+                            <m:t>⁡</m:t>
+                          </m:r>
+                          <m:r>
+                            <a:rPr lang="en-US" b="0" i="1" smtClean="0">
+                              <a:solidFill>
+                                <a:schemeClr val="tx1"/>
+                              </a:solidFill>
+                              <a:latin typeface="Cambria Math" panose="02040503050406030204" pitchFamily="18" charset="0"/>
+                              <a:ea typeface="Cambria Math" panose="02040503050406030204" pitchFamily="18" charset="0"/>
+                            </a:rPr>
+                            <m:t>{</m:t>
+                          </m:r>
+                          <m:r>
+                            <a:rPr lang="en-US" b="0" i="1" smtClean="0">
+                              <a:solidFill>
+                                <a:schemeClr val="tx1"/>
+                              </a:solidFill>
+                              <a:latin typeface="Cambria Math" panose="02040503050406030204" pitchFamily="18" charset="0"/>
+                              <a:ea typeface="Cambria Math" panose="02040503050406030204" pitchFamily="18" charset="0"/>
+                            </a:rPr>
+                            <m:t>⋅</m:t>
+                          </m:r>
+                          <m:r>
+                            <a:rPr lang="en-US" b="0" i="1" smtClean="0">
+                              <a:solidFill>
+                                <a:schemeClr val="tx1"/>
+                              </a:solidFill>
+                              <a:latin typeface="Cambria Math" panose="02040503050406030204" pitchFamily="18" charset="0"/>
+                              <a:ea typeface="Cambria Math" panose="02040503050406030204" pitchFamily="18" charset="0"/>
+                            </a:rPr>
+                            <m:t>}</m:t>
                           </m:r>
                         </m:num>
                         <m:den>
@@ -8105,7 +8135,7 @@
         </p:nvSpPr>
         <p:spPr>
           <a:xfrm>
-            <a:off x="5408020" y="6380780"/>
+            <a:off x="5712538" y="6361115"/>
             <a:ext cx="2785475" cy="369332"/>
           </a:xfrm>
           <a:prstGeom prst="rect">
@@ -8120,18 +8150,17 @@
           <a:lstStyle/>
           <a:p>
             <a:r>
-              <a:rPr lang="en-US"/>
+              <a:rPr lang="en-US" dirty="0"/>
               <a:t>B</a:t>
             </a:r>
             <a:r>
-              <a:rPr lang="en-US" altLang="zh-CN"/>
+              <a:rPr lang="en-US" altLang="zh-CN" dirty="0"/>
               <a:t>lock-v</a:t>
             </a:r>
             <a:r>
-              <a:rPr lang="en-US"/>
+              <a:rPr lang="en-US" dirty="0"/>
               <a:t> SD estimator</a:t>
             </a:r>
-            <a:endParaRPr lang="en-US" dirty="0"/>
           </a:p>
         </p:txBody>
       </p:sp>
@@ -8179,8 +8208,8 @@
           </a:fontRef>
         </p:style>
       </p:cxnSp>
-      <mc:AlternateContent xmlns:mc="http://schemas.openxmlformats.org/markup-compatibility/2006">
-        <mc:Choice xmlns:a14="http://schemas.microsoft.com/office/drawing/2010/main" Requires="a14">
+      <mc:AlternateContent xmlns:mc="http://schemas.openxmlformats.org/markup-compatibility/2006" xmlns:a14="http://schemas.microsoft.com/office/drawing/2010/main">
+        <mc:Choice Requires="a14">
           <p:sp>
             <p:nvSpPr>
               <p:cNvPr id="119" name="Rectangle 118">
@@ -8298,7 +8327,7 @@
             </p:txBody>
           </p:sp>
         </mc:Choice>
-        <mc:Fallback>
+        <mc:Fallback xmlns="">
           <p:sp>
             <p:nvSpPr>
               <p:cNvPr id="119" name="Rectangle 118">
@@ -8348,8 +8377,8 @@
           </p:sp>
         </mc:Fallback>
       </mc:AlternateContent>
-      <mc:AlternateContent xmlns:mc="http://schemas.openxmlformats.org/markup-compatibility/2006">
-        <mc:Choice xmlns:a14="http://schemas.microsoft.com/office/drawing/2010/main" Requires="a14">
+      <mc:AlternateContent xmlns:mc="http://schemas.openxmlformats.org/markup-compatibility/2006" xmlns:a14="http://schemas.microsoft.com/office/drawing/2010/main">
+        <mc:Choice Requires="a14">
           <p:sp>
             <p:nvSpPr>
               <p:cNvPr id="121" name="Rectangle 120">
@@ -8467,7 +8496,7 @@
             </p:txBody>
           </p:sp>
         </mc:Choice>
-        <mc:Fallback>
+        <mc:Fallback xmlns="">
           <p:sp>
             <p:nvSpPr>
               <p:cNvPr id="121" name="Rectangle 120">
@@ -8793,48 +8822,6 @@
           </a:fontRef>
         </p:style>
       </p:cxnSp>
-      <p:cxnSp>
-        <p:nvCxnSpPr>
-          <p:cNvPr id="138" name="Straight Connector 137">
-            <a:extLst>
-              <a:ext uri="{FF2B5EF4-FFF2-40B4-BE49-F238E27FC236}">
-                <a16:creationId xmlns:a16="http://schemas.microsoft.com/office/drawing/2014/main" id="{68A1029A-AB5F-4159-A851-EDD51724F78C}"/>
-              </a:ext>
-            </a:extLst>
-          </p:cNvPr>
-          <p:cNvCxnSpPr/>
-          <p:nvPr/>
-        </p:nvCxnSpPr>
-        <p:spPr>
-          <a:xfrm>
-            <a:off x="965755" y="2444666"/>
-            <a:ext cx="10009238" cy="0"/>
-          </a:xfrm>
-          <a:prstGeom prst="line">
-            <a:avLst/>
-          </a:prstGeom>
-          <a:ln w="15875">
-            <a:solidFill>
-              <a:schemeClr val="tx1"/>
-            </a:solidFill>
-            <a:prstDash val="sysDash"/>
-          </a:ln>
-        </p:spPr>
-        <p:style>
-          <a:lnRef idx="1">
-            <a:schemeClr val="accent1"/>
-          </a:lnRef>
-          <a:fillRef idx="0">
-            <a:schemeClr val="accent1"/>
-          </a:fillRef>
-          <a:effectRef idx="0">
-            <a:schemeClr val="accent1"/>
-          </a:effectRef>
-          <a:fontRef idx="minor">
-            <a:schemeClr val="tx1"/>
-          </a:fontRef>
-        </p:style>
-      </p:cxnSp>
       <p:sp>
         <p:nvSpPr>
           <p:cNvPr id="139" name="TextBox 138">
@@ -8849,7 +8836,7 @@
         </p:nvSpPr>
         <p:spPr>
           <a:xfrm>
-            <a:off x="9986089" y="2022922"/>
+            <a:off x="9043411" y="2246757"/>
             <a:ext cx="1574419" cy="369332"/>
           </a:xfrm>
           <a:prstGeom prst="rect">
@@ -8884,7 +8871,7 @@
         </p:nvSpPr>
         <p:spPr>
           <a:xfrm>
-            <a:off x="8961123" y="666901"/>
+            <a:off x="8786418" y="756006"/>
             <a:ext cx="2109787" cy="369332"/>
           </a:xfrm>
           <a:prstGeom prst="rect">
@@ -8900,7 +8887,7 @@
           <a:p>
             <a:r>
               <a:rPr lang="en-US" dirty="0"/>
-              <a:t>Coherent Integrator</a:t>
+              <a:t>coherent integrator</a:t>
             </a:r>
           </a:p>
         </p:txBody>
@@ -8921,7 +8908,7 @@
         </p:nvCxnSpPr>
         <p:spPr>
           <a:xfrm flipV="1">
-            <a:off x="9644233" y="1008999"/>
+            <a:off x="9459812" y="1071923"/>
             <a:ext cx="119969" cy="325640"/>
           </a:xfrm>
           <a:prstGeom prst="straightConnector1">
@@ -9168,8 +9155,8 @@
           </a:fontRef>
         </p:style>
       </p:cxnSp>
-      <mc:AlternateContent xmlns:mc="http://schemas.openxmlformats.org/markup-compatibility/2006">
-        <mc:Choice xmlns:a14="http://schemas.microsoft.com/office/drawing/2010/main" Requires="a14">
+      <mc:AlternateContent xmlns:mc="http://schemas.openxmlformats.org/markup-compatibility/2006" xmlns:a14="http://schemas.microsoft.com/office/drawing/2010/main">
+        <mc:Choice Requires="a14">
           <p:sp>
             <p:nvSpPr>
               <p:cNvPr id="118" name="TextBox 117">
@@ -9222,7 +9209,7 @@
             </p:txBody>
           </p:sp>
         </mc:Choice>
-        <mc:Fallback>
+        <mc:Fallback xmlns="">
           <p:sp>
             <p:nvSpPr>
               <p:cNvPr id="118" name="TextBox 117">
@@ -9355,8 +9342,8 @@
           </a:fontRef>
         </p:style>
       </p:cxnSp>
-      <mc:AlternateContent xmlns:mc="http://schemas.openxmlformats.org/markup-compatibility/2006">
-        <mc:Choice xmlns:a14="http://schemas.microsoft.com/office/drawing/2010/main" Requires="a14">
+      <mc:AlternateContent xmlns:mc="http://schemas.openxmlformats.org/markup-compatibility/2006" xmlns:a14="http://schemas.microsoft.com/office/drawing/2010/main">
+        <mc:Choice Requires="a14">
           <p:sp>
             <p:nvSpPr>
               <p:cNvPr id="127" name="TextBox 126">
@@ -9409,7 +9396,7 @@
             </p:txBody>
           </p:sp>
         </mc:Choice>
-        <mc:Fallback>
+        <mc:Fallback xmlns="">
           <p:sp>
             <p:nvSpPr>
               <p:cNvPr id="127" name="TextBox 126">
@@ -9542,8 +9529,8 @@
           </a:fontRef>
         </p:style>
       </p:cxnSp>
-      <mc:AlternateContent xmlns:mc="http://schemas.openxmlformats.org/markup-compatibility/2006">
-        <mc:Choice xmlns:a14="http://schemas.microsoft.com/office/drawing/2010/main" Requires="a14">
+      <mc:AlternateContent xmlns:mc="http://schemas.openxmlformats.org/markup-compatibility/2006" xmlns:a14="http://schemas.microsoft.com/office/drawing/2010/main">
+        <mc:Choice Requires="a14">
           <p:sp>
             <p:nvSpPr>
               <p:cNvPr id="136" name="TextBox 135">
@@ -9596,7 +9583,7 @@
             </p:txBody>
           </p:sp>
         </mc:Choice>
-        <mc:Fallback>
+        <mc:Fallback xmlns="">
           <p:sp>
             <p:nvSpPr>
               <p:cNvPr id="136" name="TextBox 135">
@@ -9729,8 +9716,8 @@
           </a:fontRef>
         </p:style>
       </p:cxnSp>
-      <mc:AlternateContent xmlns:mc="http://schemas.openxmlformats.org/markup-compatibility/2006">
-        <mc:Choice xmlns:a14="http://schemas.microsoft.com/office/drawing/2010/main" Requires="a14">
+      <mc:AlternateContent xmlns:mc="http://schemas.openxmlformats.org/markup-compatibility/2006" xmlns:a14="http://schemas.microsoft.com/office/drawing/2010/main">
+        <mc:Choice Requires="a14">
           <p:sp>
             <p:nvSpPr>
               <p:cNvPr id="145" name="TextBox 144">
@@ -9783,7 +9770,7 @@
             </p:txBody>
           </p:sp>
         </mc:Choice>
-        <mc:Fallback>
+        <mc:Fallback xmlns="">
           <p:sp>
             <p:nvSpPr>
               <p:cNvPr id="145" name="TextBox 144">

--- a/main_matlab_figures/New Microsoft PowerPoint Presentation (5).pptx
+++ b/main_matlab_figures/New Microsoft PowerPoint Presentation (5).pptx
@@ -197,7 +197,7 @@
           <a:p>
             <a:fld id="{F1C2D963-0D36-4941-A657-F6D7BC1AA493}" type="datetimeFigureOut">
               <a:rPr lang="en-US" smtClean="0"/>
-              <a:t>3/1/2022</a:t>
+              <a:t>11/13/2022</a:t>
             </a:fld>
             <a:endParaRPr lang="en-US"/>
           </a:p>
@@ -695,7 +695,7 @@
           <a:p>
             <a:fld id="{0B6048AB-C041-4C54-A9D3-79544F769E48}" type="datetimeFigureOut">
               <a:rPr lang="en-US" smtClean="0"/>
-              <a:t>3/1/2022</a:t>
+              <a:t>11/13/2022</a:t>
             </a:fld>
             <a:endParaRPr lang="en-US"/>
           </a:p>
@@ -893,7 +893,7 @@
           <a:p>
             <a:fld id="{0B6048AB-C041-4C54-A9D3-79544F769E48}" type="datetimeFigureOut">
               <a:rPr lang="en-US" smtClean="0"/>
-              <a:t>3/1/2022</a:t>
+              <a:t>11/13/2022</a:t>
             </a:fld>
             <a:endParaRPr lang="en-US"/>
           </a:p>
@@ -1101,7 +1101,7 @@
           <a:p>
             <a:fld id="{0B6048AB-C041-4C54-A9D3-79544F769E48}" type="datetimeFigureOut">
               <a:rPr lang="en-US" smtClean="0"/>
-              <a:t>3/1/2022</a:t>
+              <a:t>11/13/2022</a:t>
             </a:fld>
             <a:endParaRPr lang="en-US"/>
           </a:p>
@@ -1299,7 +1299,7 @@
           <a:p>
             <a:fld id="{0B6048AB-C041-4C54-A9D3-79544F769E48}" type="datetimeFigureOut">
               <a:rPr lang="en-US" smtClean="0"/>
-              <a:t>3/1/2022</a:t>
+              <a:t>11/13/2022</a:t>
             </a:fld>
             <a:endParaRPr lang="en-US"/>
           </a:p>
@@ -1574,7 +1574,7 @@
           <a:p>
             <a:fld id="{0B6048AB-C041-4C54-A9D3-79544F769E48}" type="datetimeFigureOut">
               <a:rPr lang="en-US" smtClean="0"/>
-              <a:t>3/1/2022</a:t>
+              <a:t>11/13/2022</a:t>
             </a:fld>
             <a:endParaRPr lang="en-US"/>
           </a:p>
@@ -1839,7 +1839,7 @@
           <a:p>
             <a:fld id="{0B6048AB-C041-4C54-A9D3-79544F769E48}" type="datetimeFigureOut">
               <a:rPr lang="en-US" smtClean="0"/>
-              <a:t>3/1/2022</a:t>
+              <a:t>11/13/2022</a:t>
             </a:fld>
             <a:endParaRPr lang="en-US"/>
           </a:p>
@@ -2251,7 +2251,7 @@
           <a:p>
             <a:fld id="{0B6048AB-C041-4C54-A9D3-79544F769E48}" type="datetimeFigureOut">
               <a:rPr lang="en-US" smtClean="0"/>
-              <a:t>3/1/2022</a:t>
+              <a:t>11/13/2022</a:t>
             </a:fld>
             <a:endParaRPr lang="en-US"/>
           </a:p>
@@ -2392,7 +2392,7 @@
           <a:p>
             <a:fld id="{0B6048AB-C041-4C54-A9D3-79544F769E48}" type="datetimeFigureOut">
               <a:rPr lang="en-US" smtClean="0"/>
-              <a:t>3/1/2022</a:t>
+              <a:t>11/13/2022</a:t>
             </a:fld>
             <a:endParaRPr lang="en-US"/>
           </a:p>
@@ -2505,7 +2505,7 @@
           <a:p>
             <a:fld id="{0B6048AB-C041-4C54-A9D3-79544F769E48}" type="datetimeFigureOut">
               <a:rPr lang="en-US" smtClean="0"/>
-              <a:t>3/1/2022</a:t>
+              <a:t>11/13/2022</a:t>
             </a:fld>
             <a:endParaRPr lang="en-US"/>
           </a:p>
@@ -2816,7 +2816,7 @@
           <a:p>
             <a:fld id="{0B6048AB-C041-4C54-A9D3-79544F769E48}" type="datetimeFigureOut">
               <a:rPr lang="en-US" smtClean="0"/>
-              <a:t>3/1/2022</a:t>
+              <a:t>11/13/2022</a:t>
             </a:fld>
             <a:endParaRPr lang="en-US"/>
           </a:p>
@@ -3104,7 +3104,7 @@
           <a:p>
             <a:fld id="{0B6048AB-C041-4C54-A9D3-79544F769E48}" type="datetimeFigureOut">
               <a:rPr lang="en-US" smtClean="0"/>
-              <a:t>3/1/2022</a:t>
+              <a:t>11/13/2022</a:t>
             </a:fld>
             <a:endParaRPr lang="en-US"/>
           </a:p>
@@ -3345,7 +3345,7 @@
           <a:p>
             <a:fld id="{0B6048AB-C041-4C54-A9D3-79544F769E48}" type="datetimeFigureOut">
               <a:rPr lang="en-US" smtClean="0"/>
-              <a:t>3/1/2022</a:t>
+              <a:t>11/13/2022</a:t>
             </a:fld>
             <a:endParaRPr lang="en-US"/>
           </a:p>
@@ -3762,6 +3762,109 @@
           <a:chExt cx="0" cy="0"/>
         </a:xfrm>
       </p:grpSpPr>
+      <mc:AlternateContent xmlns:mc="http://schemas.openxmlformats.org/markup-compatibility/2006">
+        <mc:Choice xmlns:a14="http://schemas.microsoft.com/office/drawing/2010/main" Requires="a14">
+          <p:sp>
+            <p:nvSpPr>
+              <p:cNvPr id="80" name="TextBox 79">
+                <a:extLst>
+                  <a:ext uri="{FF2B5EF4-FFF2-40B4-BE49-F238E27FC236}">
+                    <a16:creationId xmlns:a16="http://schemas.microsoft.com/office/drawing/2014/main" id="{B012029F-39ED-45B5-92AD-ADCE2D5425C4}"/>
+                  </a:ext>
+                </a:extLst>
+              </p:cNvPr>
+              <p:cNvSpPr txBox="1"/>
+              <p:nvPr/>
+            </p:nvSpPr>
+            <p:spPr>
+              <a:xfrm>
+                <a:off x="2057352" y="1404082"/>
+                <a:ext cx="6096000" cy="369332"/>
+              </a:xfrm>
+              <a:prstGeom prst="rect">
+                <a:avLst/>
+              </a:prstGeom>
+              <a:noFill/>
+            </p:spPr>
+            <p:txBody>
+              <a:bodyPr wrap="square">
+                <a:spAutoFit/>
+              </a:bodyPr>
+              <a:lstStyle/>
+              <a:p>
+                <a:pPr algn="ctr"/>
+                <a14:m>
+                  <m:oMathPara xmlns:m="http://schemas.openxmlformats.org/officeDocument/2006/math">
+                    <m:oMathParaPr>
+                      <m:jc m:val="centerGroup"/>
+                    </m:oMathParaPr>
+                    <m:oMath xmlns:m="http://schemas.openxmlformats.org/officeDocument/2006/math">
+                      <m:r>
+                        <a:rPr lang="en-US" b="0" i="1" smtClean="0">
+                          <a:solidFill>
+                            <a:schemeClr val="tx1"/>
+                          </a:solidFill>
+                          <a:latin typeface="Cambria Math" panose="02040503050406030204" pitchFamily="18" charset="0"/>
+                        </a:rPr>
+                        <m:t>…</m:t>
+                      </m:r>
+                    </m:oMath>
+                  </m:oMathPara>
+                </a14:m>
+                <a:endParaRPr lang="en-US" dirty="0">
+                  <a:solidFill>
+                    <a:schemeClr val="tx1"/>
+                  </a:solidFill>
+                </a:endParaRPr>
+              </a:p>
+            </p:txBody>
+          </p:sp>
+        </mc:Choice>
+        <mc:Fallback>
+          <p:sp>
+            <p:nvSpPr>
+              <p:cNvPr id="80" name="TextBox 79">
+                <a:extLst>
+                  <a:ext uri="{FF2B5EF4-FFF2-40B4-BE49-F238E27FC236}">
+                    <a16:creationId xmlns:a16="http://schemas.microsoft.com/office/drawing/2014/main" id="{B012029F-39ED-45B5-92AD-ADCE2D5425C4}"/>
+                  </a:ext>
+                </a:extLst>
+              </p:cNvPr>
+              <p:cNvSpPr txBox="1">
+                <a:spLocks noRot="1" noChangeAspect="1" noMove="1" noResize="1" noEditPoints="1" noAdjustHandles="1" noChangeArrowheads="1" noChangeShapeType="1" noTextEdit="1"/>
+              </p:cNvSpPr>
+              <p:nvPr/>
+            </p:nvSpPr>
+            <p:spPr>
+              <a:xfrm>
+                <a:off x="2057352" y="1404082"/>
+                <a:ext cx="6096000" cy="369332"/>
+              </a:xfrm>
+              <a:prstGeom prst="rect">
+                <a:avLst/>
+              </a:prstGeom>
+              <a:blipFill>
+                <a:blip r:embed="rId3"/>
+                <a:stretch>
+                  <a:fillRect/>
+                </a:stretch>
+              </a:blipFill>
+            </p:spPr>
+            <p:txBody>
+              <a:bodyPr/>
+              <a:lstStyle/>
+              <a:p>
+                <a:r>
+                  <a:rPr lang="en-US">
+                    <a:noFill/>
+                  </a:rPr>
+                  <a:t> </a:t>
+                </a:r>
+              </a:p>
+            </p:txBody>
+          </p:sp>
+        </mc:Fallback>
+      </mc:AlternateContent>
       <mc:AlternateContent xmlns:mc="http://schemas.openxmlformats.org/markup-compatibility/2006" xmlns:a14="http://schemas.microsoft.com/office/drawing/2010/main">
         <mc:Choice Requires="a14">
           <p:sp>
@@ -3933,7 +4036,7 @@
                 <a:avLst/>
               </a:prstGeom>
               <a:blipFill>
-                <a:blip r:embed="rId3"/>
+                <a:blip r:embed="rId4"/>
                 <a:stretch>
                   <a:fillRect/>
                 </a:stretch>
@@ -4130,7 +4233,7 @@
                 <a:avLst/>
               </a:prstGeom>
               <a:blipFill>
-                <a:blip r:embed="rId4"/>
+                <a:blip r:embed="rId5"/>
                 <a:stretch>
                   <a:fillRect/>
                 </a:stretch>
@@ -4327,7 +4430,7 @@
                 <a:avLst/>
               </a:prstGeom>
               <a:blipFill>
-                <a:blip r:embed="rId5"/>
+                <a:blip r:embed="rId6"/>
                 <a:stretch>
                   <a:fillRect/>
                 </a:stretch>
@@ -4454,7 +4557,7 @@
                 <a:avLst/>
               </a:prstGeom>
               <a:blipFill>
-                <a:blip r:embed="rId6"/>
+                <a:blip r:embed="rId7"/>
                 <a:stretch>
                   <a:fillRect/>
                 </a:stretch>
@@ -4581,7 +4684,7 @@
                 <a:avLst/>
               </a:prstGeom>
               <a:blipFill>
-                <a:blip r:embed="rId7"/>
+                <a:blip r:embed="rId8"/>
                 <a:stretch>
                   <a:fillRect/>
                 </a:stretch>
@@ -4814,7 +4917,7 @@
                 <a:avLst/>
               </a:prstGeom>
               <a:blipFill>
-                <a:blip r:embed="rId8"/>
+                <a:blip r:embed="rId9"/>
                 <a:stretch>
                   <a:fillRect/>
                 </a:stretch>
@@ -4941,7 +5044,7 @@
                 <a:avLst/>
               </a:prstGeom>
               <a:blipFill>
-                <a:blip r:embed="rId9"/>
+                <a:blip r:embed="rId10"/>
                 <a:stretch>
                   <a:fillRect/>
                 </a:stretch>
@@ -4967,8 +5070,8 @@
           </p:sp>
         </mc:Fallback>
       </mc:AlternateContent>
-      <mc:AlternateContent xmlns:mc="http://schemas.openxmlformats.org/markup-compatibility/2006" xmlns:a14="http://schemas.microsoft.com/office/drawing/2010/main">
-        <mc:Choice Requires="a14">
+      <mc:AlternateContent xmlns:mc="http://schemas.openxmlformats.org/markup-compatibility/2006">
+        <mc:Choice xmlns:a14="http://schemas.microsoft.com/office/drawing/2010/main" Requires="a14">
           <p:sp>
             <p:nvSpPr>
               <p:cNvPr id="13" name="Rectangle 12">
@@ -4983,8 +5086,8 @@
             </p:nvSpPr>
             <p:spPr>
               <a:xfrm>
-                <a:off x="1499418" y="1179265"/>
-                <a:ext cx="1628833" cy="1082887"/>
+                <a:off x="1499417" y="1179265"/>
+                <a:ext cx="1659437" cy="1082887"/>
               </a:xfrm>
               <a:prstGeom prst="rect">
                 <a:avLst/>
@@ -5036,13 +5139,17 @@
                         </m:sSubPr>
                         <m:e>
                           <m:r>
-                            <a:rPr lang="en-US" b="0" i="1" smtClean="0">
-                              <a:solidFill>
-                                <a:schemeClr val="tx1"/>
-                              </a:solidFill>
-                              <a:latin typeface="Cambria Math" panose="02040503050406030204" pitchFamily="18" charset="0"/>
-                            </a:rPr>
-                            <m:t>𝑢</m:t>
+                            <m:rPr>
+                              <m:sty m:val="p"/>
+                            </m:rPr>
+                            <a:rPr lang="el-GR" b="0" i="1" smtClean="0">
+                              <a:solidFill>
+                                <a:schemeClr val="tx1"/>
+                              </a:solidFill>
+                              <a:latin typeface="Cambria Math" panose="02040503050406030204" pitchFamily="18" charset="0"/>
+                              <a:ea typeface="Cambria Math" panose="02040503050406030204" pitchFamily="18" charset="0"/>
+                            </a:rPr>
+                            <m:t>Ϝ</m:t>
                           </m:r>
                         </m:e>
                         <m:sub>
@@ -5066,6 +5173,40 @@
                         </a:rPr>
                         <m:t>=</m:t>
                       </m:r>
+                      <m:f>
+                        <m:fPr>
+                          <m:ctrlPr>
+                            <a:rPr lang="en-US" b="0" i="1" smtClean="0">
+                              <a:solidFill>
+                                <a:schemeClr val="tx1"/>
+                              </a:solidFill>
+                              <a:latin typeface="Cambria Math" panose="02040503050406030204" pitchFamily="18" charset="0"/>
+                            </a:rPr>
+                          </m:ctrlPr>
+                        </m:fPr>
+                        <m:num>
+                          <m:r>
+                            <a:rPr lang="en-US" b="0" i="1" smtClean="0">
+                              <a:solidFill>
+                                <a:schemeClr val="tx1"/>
+                              </a:solidFill>
+                              <a:latin typeface="Cambria Math" panose="02040503050406030204" pitchFamily="18" charset="0"/>
+                            </a:rPr>
+                            <m:t>1</m:t>
+                          </m:r>
+                        </m:num>
+                        <m:den>
+                          <m:r>
+                            <a:rPr lang="en-US" b="0" i="1" smtClean="0">
+                              <a:solidFill>
+                                <a:schemeClr val="tx1"/>
+                              </a:solidFill>
+                              <a:latin typeface="Cambria Math" panose="02040503050406030204" pitchFamily="18" charset="0"/>
+                            </a:rPr>
+                            <m:t>𝑣</m:t>
+                          </m:r>
+                        </m:den>
+                      </m:f>
                       <m:nary>
                         <m:naryPr>
                           <m:chr m:val="∑"/>
@@ -5215,7 +5356,7 @@
             </p:txBody>
           </p:sp>
         </mc:Choice>
-        <mc:Fallback xmlns="">
+        <mc:Fallback>
           <p:sp>
             <p:nvSpPr>
               <p:cNvPr id="13" name="Rectangle 12">
@@ -5232,14 +5373,14 @@
             </p:nvSpPr>
             <p:spPr>
               <a:xfrm>
-                <a:off x="1499418" y="1179265"/>
-                <a:ext cx="1628833" cy="1082887"/>
+                <a:off x="1499417" y="1179265"/>
+                <a:ext cx="1659437" cy="1082887"/>
               </a:xfrm>
               <a:prstGeom prst="rect">
                 <a:avLst/>
               </a:prstGeom>
               <a:blipFill>
-                <a:blip r:embed="rId10"/>
+                <a:blip r:embed="rId11"/>
                 <a:stretch>
                   <a:fillRect/>
                 </a:stretch>
@@ -5454,7 +5595,7 @@
                 <a:avLst/>
               </a:prstGeom>
               <a:blipFill>
-                <a:blip r:embed="rId11"/>
+                <a:blip r:embed="rId12"/>
                 <a:stretch>
                   <a:fillRect/>
                 </a:stretch>
@@ -5581,7 +5722,7 @@
                 <a:avLst/>
               </a:prstGeom>
               <a:blipFill>
-                <a:blip r:embed="rId12"/>
+                <a:blip r:embed="rId13"/>
                 <a:stretch>
                   <a:fillRect/>
                 </a:stretch>
@@ -5778,7 +5919,7 @@
                 <a:avLst/>
               </a:prstGeom>
               <a:blipFill>
-                <a:blip r:embed="rId13"/>
+                <a:blip r:embed="rId14"/>
                 <a:stretch>
                   <a:fillRect/>
                 </a:stretch>
@@ -5804,8 +5945,8 @@
           </p:sp>
         </mc:Fallback>
       </mc:AlternateContent>
-      <mc:AlternateContent xmlns:mc="http://schemas.openxmlformats.org/markup-compatibility/2006" xmlns:a14="http://schemas.microsoft.com/office/drawing/2010/main">
-        <mc:Choice Requires="a14">
+      <mc:AlternateContent xmlns:mc="http://schemas.openxmlformats.org/markup-compatibility/2006">
+        <mc:Choice xmlns:a14="http://schemas.microsoft.com/office/drawing/2010/main" Requires="a14">
           <p:sp>
             <p:nvSpPr>
               <p:cNvPr id="40" name="Rectangle 39">
@@ -5820,8 +5961,8 @@
             </p:nvSpPr>
             <p:spPr>
               <a:xfrm>
-                <a:off x="3338758" y="1185439"/>
-                <a:ext cx="1620001" cy="1081421"/>
+                <a:off x="3234814" y="1185439"/>
+                <a:ext cx="1756778" cy="1081421"/>
               </a:xfrm>
               <a:prstGeom prst="rect">
                 <a:avLst/>
@@ -5873,13 +6014,17 @@
                         </m:sSubPr>
                         <m:e>
                           <m:r>
-                            <a:rPr lang="en-US" b="0" i="1" smtClean="0">
-                              <a:solidFill>
-                                <a:schemeClr val="tx1"/>
-                              </a:solidFill>
-                              <a:latin typeface="Cambria Math" panose="02040503050406030204" pitchFamily="18" charset="0"/>
-                            </a:rPr>
-                            <m:t>𝑢</m:t>
+                            <m:rPr>
+                              <m:sty m:val="p"/>
+                            </m:rPr>
+                            <a:rPr lang="el-GR" i="1">
+                              <a:solidFill>
+                                <a:schemeClr val="tx1"/>
+                              </a:solidFill>
+                              <a:latin typeface="Cambria Math" panose="02040503050406030204" pitchFamily="18" charset="0"/>
+                              <a:ea typeface="Cambria Math" panose="02040503050406030204" pitchFamily="18" charset="0"/>
+                            </a:rPr>
+                            <m:t>Ϝ</m:t>
                           </m:r>
                         </m:e>
                         <m:sub>
@@ -5903,6 +6048,40 @@
                         </a:rPr>
                         <m:t>=</m:t>
                       </m:r>
+                      <m:f>
+                        <m:fPr>
+                          <m:ctrlPr>
+                            <a:rPr lang="en-US" b="0" i="1" smtClean="0">
+                              <a:solidFill>
+                                <a:schemeClr val="tx1"/>
+                              </a:solidFill>
+                              <a:latin typeface="Cambria Math" panose="02040503050406030204" pitchFamily="18" charset="0"/>
+                            </a:rPr>
+                          </m:ctrlPr>
+                        </m:fPr>
+                        <m:num>
+                          <m:r>
+                            <a:rPr lang="en-US" b="0" i="1" smtClean="0">
+                              <a:solidFill>
+                                <a:schemeClr val="tx1"/>
+                              </a:solidFill>
+                              <a:latin typeface="Cambria Math" panose="02040503050406030204" pitchFamily="18" charset="0"/>
+                            </a:rPr>
+                            <m:t>1</m:t>
+                          </m:r>
+                        </m:num>
+                        <m:den>
+                          <m:r>
+                            <a:rPr lang="en-US" b="0" i="1" smtClean="0">
+                              <a:solidFill>
+                                <a:schemeClr val="tx1"/>
+                              </a:solidFill>
+                              <a:latin typeface="Cambria Math" panose="02040503050406030204" pitchFamily="18" charset="0"/>
+                            </a:rPr>
+                            <m:t>𝑣</m:t>
+                          </m:r>
+                        </m:den>
+                      </m:f>
                       <m:nary>
                         <m:naryPr>
                           <m:chr m:val="∑"/>
@@ -6070,7 +6249,7 @@
             </p:txBody>
           </p:sp>
         </mc:Choice>
-        <mc:Fallback xmlns="">
+        <mc:Fallback>
           <p:sp>
             <p:nvSpPr>
               <p:cNvPr id="40" name="Rectangle 39">
@@ -6087,14 +6266,14 @@
             </p:nvSpPr>
             <p:spPr>
               <a:xfrm>
-                <a:off x="3338758" y="1185439"/>
-                <a:ext cx="1620001" cy="1081421"/>
+                <a:off x="3234814" y="1185439"/>
+                <a:ext cx="1756778" cy="1081421"/>
               </a:xfrm>
               <a:prstGeom prst="rect">
                 <a:avLst/>
               </a:prstGeom>
               <a:blipFill>
-                <a:blip r:embed="rId14"/>
+                <a:blip r:embed="rId15"/>
                 <a:stretch>
                   <a:fillRect/>
                 </a:stretch>
@@ -6120,8 +6299,8 @@
           </p:sp>
         </mc:Fallback>
       </mc:AlternateContent>
-      <mc:AlternateContent xmlns:mc="http://schemas.openxmlformats.org/markup-compatibility/2006" xmlns:a14="http://schemas.microsoft.com/office/drawing/2010/main">
-        <mc:Choice Requires="a14">
+      <mc:AlternateContent xmlns:mc="http://schemas.openxmlformats.org/markup-compatibility/2006">
+        <mc:Choice xmlns:a14="http://schemas.microsoft.com/office/drawing/2010/main" Requires="a14">
           <p:sp>
             <p:nvSpPr>
               <p:cNvPr id="68" name="Rectangle 67">
@@ -6136,8 +6315,8 @@
             </p:nvSpPr>
             <p:spPr>
               <a:xfrm>
-                <a:off x="5250988" y="1170762"/>
-                <a:ext cx="2133834" cy="1104315"/>
+                <a:off x="5183865" y="1170762"/>
+                <a:ext cx="2278248" cy="1104315"/>
               </a:xfrm>
               <a:prstGeom prst="rect">
                 <a:avLst/>
@@ -6189,13 +6368,17 @@
                         </m:sSubPr>
                         <m:e>
                           <m:r>
-                            <a:rPr lang="en-US" b="0" i="1" smtClean="0">
-                              <a:solidFill>
-                                <a:schemeClr val="tx1"/>
-                              </a:solidFill>
-                              <a:latin typeface="Cambria Math" panose="02040503050406030204" pitchFamily="18" charset="0"/>
-                            </a:rPr>
-                            <m:t>𝑢</m:t>
+                            <m:rPr>
+                              <m:sty m:val="p"/>
+                            </m:rPr>
+                            <a:rPr lang="el-GR" i="1">
+                              <a:solidFill>
+                                <a:schemeClr val="tx1"/>
+                              </a:solidFill>
+                              <a:latin typeface="Cambria Math" panose="02040503050406030204" pitchFamily="18" charset="0"/>
+                              <a:ea typeface="Cambria Math" panose="02040503050406030204" pitchFamily="18" charset="0"/>
+                            </a:rPr>
+                            <m:t>Ϝ</m:t>
                           </m:r>
                         </m:e>
                         <m:sub>
@@ -6244,6 +6427,40 @@
                         </a:rPr>
                         <m:t>=</m:t>
                       </m:r>
+                      <m:f>
+                        <m:fPr>
+                          <m:ctrlPr>
+                            <a:rPr lang="en-US" b="0" i="1" smtClean="0">
+                              <a:solidFill>
+                                <a:schemeClr val="tx1"/>
+                              </a:solidFill>
+                              <a:latin typeface="Cambria Math" panose="02040503050406030204" pitchFamily="18" charset="0"/>
+                            </a:rPr>
+                          </m:ctrlPr>
+                        </m:fPr>
+                        <m:num>
+                          <m:r>
+                            <a:rPr lang="en-US" b="0" i="1" smtClean="0">
+                              <a:solidFill>
+                                <a:schemeClr val="tx1"/>
+                              </a:solidFill>
+                              <a:latin typeface="Cambria Math" panose="02040503050406030204" pitchFamily="18" charset="0"/>
+                            </a:rPr>
+                            <m:t>1</m:t>
+                          </m:r>
+                        </m:num>
+                        <m:den>
+                          <m:r>
+                            <a:rPr lang="en-US" b="0" i="1" smtClean="0">
+                              <a:solidFill>
+                                <a:schemeClr val="tx1"/>
+                              </a:solidFill>
+                              <a:latin typeface="Cambria Math" panose="02040503050406030204" pitchFamily="18" charset="0"/>
+                            </a:rPr>
+                            <m:t>𝑣</m:t>
+                          </m:r>
+                        </m:den>
+                      </m:f>
                       <m:nary>
                         <m:naryPr>
                           <m:chr m:val="∑"/>
@@ -6488,7 +6705,7 @@
             </p:txBody>
           </p:sp>
         </mc:Choice>
-        <mc:Fallback xmlns="">
+        <mc:Fallback>
           <p:sp>
             <p:nvSpPr>
               <p:cNvPr id="68" name="Rectangle 67">
@@ -6505,14 +6722,14 @@
             </p:nvSpPr>
             <p:spPr>
               <a:xfrm>
-                <a:off x="5250988" y="1170762"/>
-                <a:ext cx="2133834" cy="1104315"/>
+                <a:off x="5183865" y="1170762"/>
+                <a:ext cx="2278248" cy="1104315"/>
               </a:xfrm>
               <a:prstGeom prst="rect">
                 <a:avLst/>
               </a:prstGeom>
               <a:blipFill>
-                <a:blip r:embed="rId15"/>
+                <a:blip r:embed="rId16"/>
                 <a:stretch>
                   <a:fillRect/>
                 </a:stretch>
@@ -6538,111 +6755,8 @@
           </p:sp>
         </mc:Fallback>
       </mc:AlternateContent>
-      <mc:AlternateContent xmlns:mc="http://schemas.openxmlformats.org/markup-compatibility/2006" xmlns:a14="http://schemas.microsoft.com/office/drawing/2010/main">
-        <mc:Choice Requires="a14">
-          <p:sp>
-            <p:nvSpPr>
-              <p:cNvPr id="80" name="TextBox 79">
-                <a:extLst>
-                  <a:ext uri="{FF2B5EF4-FFF2-40B4-BE49-F238E27FC236}">
-                    <a16:creationId xmlns:a16="http://schemas.microsoft.com/office/drawing/2014/main" id="{B012029F-39ED-45B5-92AD-ADCE2D5425C4}"/>
-                  </a:ext>
-                </a:extLst>
-              </p:cNvPr>
-              <p:cNvSpPr txBox="1"/>
-              <p:nvPr/>
-            </p:nvSpPr>
-            <p:spPr>
-              <a:xfrm>
-                <a:off x="2057352" y="1404082"/>
-                <a:ext cx="6096000" cy="369332"/>
-              </a:xfrm>
-              <a:prstGeom prst="rect">
-                <a:avLst/>
-              </a:prstGeom>
-              <a:noFill/>
-            </p:spPr>
-            <p:txBody>
-              <a:bodyPr wrap="square">
-                <a:spAutoFit/>
-              </a:bodyPr>
-              <a:lstStyle/>
-              <a:p>
-                <a:pPr algn="ctr"/>
-                <a14:m>
-                  <m:oMathPara xmlns:m="http://schemas.openxmlformats.org/officeDocument/2006/math">
-                    <m:oMathParaPr>
-                      <m:jc m:val="centerGroup"/>
-                    </m:oMathParaPr>
-                    <m:oMath xmlns:m="http://schemas.openxmlformats.org/officeDocument/2006/math">
-                      <m:r>
-                        <a:rPr lang="en-US" b="0" i="1" smtClean="0">
-                          <a:solidFill>
-                            <a:schemeClr val="tx1"/>
-                          </a:solidFill>
-                          <a:latin typeface="Cambria Math" panose="02040503050406030204" pitchFamily="18" charset="0"/>
-                        </a:rPr>
-                        <m:t>…</m:t>
-                      </m:r>
-                    </m:oMath>
-                  </m:oMathPara>
-                </a14:m>
-                <a:endParaRPr lang="en-US" dirty="0">
-                  <a:solidFill>
-                    <a:schemeClr val="tx1"/>
-                  </a:solidFill>
-                </a:endParaRPr>
-              </a:p>
-            </p:txBody>
-          </p:sp>
-        </mc:Choice>
-        <mc:Fallback xmlns="">
-          <p:sp>
-            <p:nvSpPr>
-              <p:cNvPr id="80" name="TextBox 79">
-                <a:extLst>
-                  <a:ext uri="{FF2B5EF4-FFF2-40B4-BE49-F238E27FC236}">
-                    <a16:creationId xmlns:a16="http://schemas.microsoft.com/office/drawing/2014/main" id="{B012029F-39ED-45B5-92AD-ADCE2D5425C4}"/>
-                  </a:ext>
-                </a:extLst>
-              </p:cNvPr>
-              <p:cNvSpPr txBox="1">
-                <a:spLocks noRot="1" noChangeAspect="1" noMove="1" noResize="1" noEditPoints="1" noAdjustHandles="1" noChangeArrowheads="1" noChangeShapeType="1" noTextEdit="1"/>
-              </p:cNvSpPr>
-              <p:nvPr/>
-            </p:nvSpPr>
-            <p:spPr>
-              <a:xfrm>
-                <a:off x="2057352" y="1404082"/>
-                <a:ext cx="6096000" cy="369332"/>
-              </a:xfrm>
-              <a:prstGeom prst="rect">
-                <a:avLst/>
-              </a:prstGeom>
-              <a:blipFill>
-                <a:blip r:embed="rId16"/>
-                <a:stretch>
-                  <a:fillRect/>
-                </a:stretch>
-              </a:blipFill>
-            </p:spPr>
-            <p:txBody>
-              <a:bodyPr/>
-              <a:lstStyle/>
-              <a:p>
-                <a:r>
-                  <a:rPr lang="en-US">
-                    <a:noFill/>
-                  </a:rPr>
-                  <a:t> </a:t>
-                </a:r>
-              </a:p>
-            </p:txBody>
-          </p:sp>
-        </mc:Fallback>
-      </mc:AlternateContent>
-      <mc:AlternateContent xmlns:mc="http://schemas.openxmlformats.org/markup-compatibility/2006" xmlns:a14="http://schemas.microsoft.com/office/drawing/2010/main">
-        <mc:Choice Requires="a14">
+      <mc:AlternateContent xmlns:mc="http://schemas.openxmlformats.org/markup-compatibility/2006">
+        <mc:Choice xmlns:a14="http://schemas.microsoft.com/office/drawing/2010/main" Requires="a14">
           <p:sp>
             <p:nvSpPr>
               <p:cNvPr id="81" name="Rectangle 80">
@@ -6658,7 +6772,7 @@
             <p:spPr>
               <a:xfrm>
                 <a:off x="7564725" y="1170762"/>
-                <a:ext cx="2427623" cy="1104241"/>
+                <a:ext cx="2569923" cy="1104241"/>
               </a:xfrm>
               <a:prstGeom prst="rect">
                 <a:avLst/>
@@ -6710,13 +6824,17 @@
                         </m:sSubPr>
                         <m:e>
                           <m:r>
-                            <a:rPr lang="en-US" b="0" i="1" smtClean="0">
-                              <a:solidFill>
-                                <a:schemeClr val="tx1"/>
-                              </a:solidFill>
-                              <a:latin typeface="Cambria Math" panose="02040503050406030204" pitchFamily="18" charset="0"/>
-                            </a:rPr>
-                            <m:t>𝑢</m:t>
+                            <m:rPr>
+                              <m:sty m:val="p"/>
+                            </m:rPr>
+                            <a:rPr lang="el-GR" i="1">
+                              <a:solidFill>
+                                <a:schemeClr val="tx1"/>
+                              </a:solidFill>
+                              <a:latin typeface="Cambria Math" panose="02040503050406030204" pitchFamily="18" charset="0"/>
+                              <a:ea typeface="Cambria Math" panose="02040503050406030204" pitchFamily="18" charset="0"/>
+                            </a:rPr>
+                            <m:t>Ϝ</m:t>
                           </m:r>
                         </m:e>
                         <m:sub>
@@ -6774,6 +6892,40 @@
                         </a:rPr>
                         <m:t>=</m:t>
                       </m:r>
+                      <m:f>
+                        <m:fPr>
+                          <m:ctrlPr>
+                            <a:rPr lang="en-US" b="0" i="1" smtClean="0">
+                              <a:solidFill>
+                                <a:schemeClr val="tx1"/>
+                              </a:solidFill>
+                              <a:latin typeface="Cambria Math" panose="02040503050406030204" pitchFamily="18" charset="0"/>
+                            </a:rPr>
+                          </m:ctrlPr>
+                        </m:fPr>
+                        <m:num>
+                          <m:r>
+                            <a:rPr lang="en-US" b="0" i="1" smtClean="0">
+                              <a:solidFill>
+                                <a:schemeClr val="tx1"/>
+                              </a:solidFill>
+                              <a:latin typeface="Cambria Math" panose="02040503050406030204" pitchFamily="18" charset="0"/>
+                            </a:rPr>
+                            <m:t>1</m:t>
+                          </m:r>
+                        </m:num>
+                        <m:den>
+                          <m:r>
+                            <a:rPr lang="en-US" b="0" i="1" smtClean="0">
+                              <a:solidFill>
+                                <a:schemeClr val="tx1"/>
+                              </a:solidFill>
+                              <a:latin typeface="Cambria Math" panose="02040503050406030204" pitchFamily="18" charset="0"/>
+                            </a:rPr>
+                            <m:t>𝑣</m:t>
+                          </m:r>
+                        </m:den>
+                      </m:f>
                       <m:nary>
                         <m:naryPr>
                           <m:chr m:val="∑"/>
@@ -7036,7 +7188,7 @@
             </p:txBody>
           </p:sp>
         </mc:Choice>
-        <mc:Fallback xmlns="">
+        <mc:Fallback>
           <p:sp>
             <p:nvSpPr>
               <p:cNvPr id="81" name="Rectangle 80">
@@ -7054,7 +7206,7 @@
             <p:spPr>
               <a:xfrm>
                 <a:off x="7564725" y="1170762"/>
-                <a:ext cx="2427623" cy="1104241"/>
+                <a:ext cx="2569923" cy="1104241"/>
               </a:xfrm>
               <a:prstGeom prst="rect">
                 <a:avLst/>
@@ -7190,8 +7342,8 @@
           </a:p>
         </p:txBody>
       </p:sp>
-      <mc:AlternateContent xmlns:mc="http://schemas.openxmlformats.org/markup-compatibility/2006" xmlns:a14="http://schemas.microsoft.com/office/drawing/2010/main">
-        <mc:Choice Requires="a14">
+      <mc:AlternateContent xmlns:mc="http://schemas.openxmlformats.org/markup-compatibility/2006">
+        <mc:Choice xmlns:a14="http://schemas.microsoft.com/office/drawing/2010/main" Requires="a14">
           <p:sp>
             <p:nvSpPr>
               <p:cNvPr id="137" name="TextBox 136">
@@ -7206,7 +7358,7 @@
             </p:nvSpPr>
             <p:spPr>
               <a:xfrm>
-                <a:off x="9986089" y="1457606"/>
+                <a:off x="10054915" y="1457874"/>
                 <a:ext cx="549241" cy="369332"/>
               </a:xfrm>
               <a:prstGeom prst="rect">
@@ -7246,7 +7398,7 @@
             </p:txBody>
           </p:sp>
         </mc:Choice>
-        <mc:Fallback xmlns="">
+        <mc:Fallback>
           <p:sp>
             <p:nvSpPr>
               <p:cNvPr id="137" name="TextBox 136">
@@ -7263,7 +7415,7 @@
             </p:nvSpPr>
             <p:spPr>
               <a:xfrm>
-                <a:off x="9986089" y="1457606"/>
+                <a:off x="10054915" y="1457874"/>
                 <a:ext cx="549241" cy="369332"/>
               </a:xfrm>
               <a:prstGeom prst="rect">
@@ -7272,7 +7424,7 @@
               <a:blipFill>
                 <a:blip r:embed="rId18"/>
                 <a:stretch>
-                  <a:fillRect t="-8197" r="-6667" b="-24590"/>
+                  <a:fillRect t="-8197" r="-5495" b="-24590"/>
                 </a:stretch>
               </a:blipFill>
             </p:spPr>
@@ -7766,8 +7918,8 @@
           </a:fontRef>
         </p:style>
       </p:cxnSp>
-      <mc:AlternateContent xmlns:mc="http://schemas.openxmlformats.org/markup-compatibility/2006">
-        <mc:Choice xmlns:a14="http://schemas.microsoft.com/office/drawing/2010/main" Requires="a14">
+      <mc:AlternateContent xmlns:mc="http://schemas.openxmlformats.org/markup-compatibility/2006" xmlns:a14="http://schemas.microsoft.com/office/drawing/2010/main">
+        <mc:Choice Requires="a14">
           <p:sp>
             <p:nvSpPr>
               <p:cNvPr id="180" name="Rectangle 179">
@@ -7866,37 +8018,7 @@
                               <a:latin typeface="Cambria Math" panose="02040503050406030204" pitchFamily="18" charset="0"/>
                               <a:ea typeface="Cambria Math" panose="02040503050406030204" pitchFamily="18" charset="0"/>
                             </a:rPr>
-                            <m:t>⁡</m:t>
-                          </m:r>
-                          <m:r>
-                            <a:rPr lang="en-US" b="0" i="1" smtClean="0">
-                              <a:solidFill>
-                                <a:schemeClr val="tx1"/>
-                              </a:solidFill>
-                              <a:latin typeface="Cambria Math" panose="02040503050406030204" pitchFamily="18" charset="0"/>
-                              <a:ea typeface="Cambria Math" panose="02040503050406030204" pitchFamily="18" charset="0"/>
-                            </a:rPr>
-                            <m:t>{</m:t>
-                          </m:r>
-                          <m:r>
-                            <a:rPr lang="en-US" b="0" i="1" smtClean="0">
-                              <a:solidFill>
-                                <a:schemeClr val="tx1"/>
-                              </a:solidFill>
-                              <a:latin typeface="Cambria Math" panose="02040503050406030204" pitchFamily="18" charset="0"/>
-                              <a:ea typeface="Cambria Math" panose="02040503050406030204" pitchFamily="18" charset="0"/>
-                            </a:rPr>
-                            <m:t>⋅</m:t>
-                          </m:r>
-                          <m:r>
-                            <a:rPr lang="en-US" b="0" i="1" smtClean="0">
-                              <a:solidFill>
-                                <a:schemeClr val="tx1"/>
-                              </a:solidFill>
-                              <a:latin typeface="Cambria Math" panose="02040503050406030204" pitchFamily="18" charset="0"/>
-                              <a:ea typeface="Cambria Math" panose="02040503050406030204" pitchFamily="18" charset="0"/>
-                            </a:rPr>
-                            <m:t>}</m:t>
+                            <m:t>⁡{⋅}</m:t>
                           </m:r>
                         </m:num>
                         <m:den>
@@ -7981,7 +8103,7 @@
             </p:txBody>
           </p:sp>
         </mc:Choice>
-        <mc:Fallback>
+        <mc:Fallback xmlns="">
           <p:sp>
             <p:nvSpPr>
               <p:cNvPr id="180" name="Rectangle 179">
@@ -8121,49 +8243,103 @@
           </a:fontRef>
         </p:style>
       </p:cxnSp>
-      <p:sp>
-        <p:nvSpPr>
-          <p:cNvPr id="186" name="TextBox 185">
-            <a:extLst>
-              <a:ext uri="{FF2B5EF4-FFF2-40B4-BE49-F238E27FC236}">
-                <a16:creationId xmlns:a16="http://schemas.microsoft.com/office/drawing/2014/main" id="{274C1549-BC5B-45D6-BCBE-38F715AC7DE7}"/>
-              </a:ext>
-            </a:extLst>
-          </p:cNvPr>
-          <p:cNvSpPr txBox="1"/>
-          <p:nvPr/>
-        </p:nvSpPr>
-        <p:spPr>
-          <a:xfrm>
-            <a:off x="5712538" y="6361115"/>
-            <a:ext cx="2785475" cy="369332"/>
-          </a:xfrm>
-          <a:prstGeom prst="rect">
-            <a:avLst/>
-          </a:prstGeom>
-          <a:noFill/>
-        </p:spPr>
-        <p:txBody>
-          <a:bodyPr wrap="square" rtlCol="0">
-            <a:spAutoFit/>
-          </a:bodyPr>
-          <a:lstStyle/>
-          <a:p>
-            <a:r>
-              <a:rPr lang="en-US" dirty="0"/>
-              <a:t>B</a:t>
-            </a:r>
-            <a:r>
-              <a:rPr lang="en-US" altLang="zh-CN" dirty="0"/>
-              <a:t>lock-v</a:t>
-            </a:r>
-            <a:r>
-              <a:rPr lang="en-US" dirty="0"/>
-              <a:t> SD estimator</a:t>
-            </a:r>
-          </a:p>
-        </p:txBody>
-      </p:sp>
+      <mc:AlternateContent xmlns:mc="http://schemas.openxmlformats.org/markup-compatibility/2006">
+        <mc:Choice xmlns:a14="http://schemas.microsoft.com/office/drawing/2010/main" Requires="a14">
+          <p:sp>
+            <p:nvSpPr>
+              <p:cNvPr id="186" name="TextBox 185">
+                <a:extLst>
+                  <a:ext uri="{FF2B5EF4-FFF2-40B4-BE49-F238E27FC236}">
+                    <a16:creationId xmlns:a16="http://schemas.microsoft.com/office/drawing/2014/main" id="{274C1549-BC5B-45D6-BCBE-38F715AC7DE7}"/>
+                  </a:ext>
+                </a:extLst>
+              </p:cNvPr>
+              <p:cNvSpPr txBox="1"/>
+              <p:nvPr/>
+            </p:nvSpPr>
+            <p:spPr>
+              <a:xfrm>
+                <a:off x="5583430" y="6358198"/>
+                <a:ext cx="2785475" cy="369332"/>
+              </a:xfrm>
+              <a:prstGeom prst="rect">
+                <a:avLst/>
+              </a:prstGeom>
+              <a:noFill/>
+            </p:spPr>
+            <p:txBody>
+              <a:bodyPr wrap="square" rtlCol="0">
+                <a:spAutoFit/>
+              </a:bodyPr>
+              <a:lstStyle/>
+              <a:p>
+                <a:r>
+                  <a:rPr lang="en-US" dirty="0"/>
+                  <a:t>The block-</a:t>
+                </a:r>
+                <a14:m>
+                  <m:oMath xmlns:m="http://schemas.openxmlformats.org/officeDocument/2006/math">
+                    <m:r>
+                      <a:rPr lang="en-US" b="0" i="1" smtClean="0">
+                        <a:latin typeface="Cambria Math" panose="02040503050406030204" pitchFamily="18" charset="0"/>
+                      </a:rPr>
+                      <m:t>𝑣</m:t>
+                    </m:r>
+                  </m:oMath>
+                </a14:m>
+                <a:r>
+                  <a:rPr lang="en-US" dirty="0"/>
+                  <a:t> SL estimator</a:t>
+                </a:r>
+              </a:p>
+            </p:txBody>
+          </p:sp>
+        </mc:Choice>
+        <mc:Fallback>
+          <p:sp>
+            <p:nvSpPr>
+              <p:cNvPr id="186" name="TextBox 185">
+                <a:extLst>
+                  <a:ext uri="{FF2B5EF4-FFF2-40B4-BE49-F238E27FC236}">
+                    <a16:creationId xmlns:a16="http://schemas.microsoft.com/office/drawing/2014/main" id="{274C1549-BC5B-45D6-BCBE-38F715AC7DE7}"/>
+                  </a:ext>
+                </a:extLst>
+              </p:cNvPr>
+              <p:cNvSpPr txBox="1">
+                <a:spLocks noRot="1" noChangeAspect="1" noMove="1" noResize="1" noEditPoints="1" noAdjustHandles="1" noChangeArrowheads="1" noChangeShapeType="1" noTextEdit="1"/>
+              </p:cNvSpPr>
+              <p:nvPr/>
+            </p:nvSpPr>
+            <p:spPr>
+              <a:xfrm>
+                <a:off x="5583430" y="6358198"/>
+                <a:ext cx="2785475" cy="369332"/>
+              </a:xfrm>
+              <a:prstGeom prst="rect">
+                <a:avLst/>
+              </a:prstGeom>
+              <a:blipFill>
+                <a:blip r:embed="rId23"/>
+                <a:stretch>
+                  <a:fillRect l="-1969" t="-8197" b="-24590"/>
+                </a:stretch>
+              </a:blipFill>
+            </p:spPr>
+            <p:txBody>
+              <a:bodyPr/>
+              <a:lstStyle/>
+              <a:p>
+                <a:r>
+                  <a:rPr lang="en-US">
+                    <a:noFill/>
+                  </a:rPr>
+                  <a:t> </a:t>
+                </a:r>
+              </a:p>
+            </p:txBody>
+          </p:sp>
+        </mc:Fallback>
+      </mc:AlternateContent>
       <p:cxnSp>
         <p:nvCxnSpPr>
           <p:cNvPr id="187" name="Straight Arrow Connector 186">
@@ -8351,7 +8527,7 @@
                 <a:avLst/>
               </a:prstGeom>
               <a:blipFill>
-                <a:blip r:embed="rId23"/>
+                <a:blip r:embed="rId24"/>
                 <a:stretch>
                   <a:fillRect/>
                 </a:stretch>
@@ -8520,7 +8696,7 @@
                 <a:avLst/>
               </a:prstGeom>
               <a:blipFill>
-                <a:blip r:embed="rId24"/>
+                <a:blip r:embed="rId25"/>
                 <a:stretch>
                   <a:fillRect/>
                 </a:stretch>
@@ -8557,15 +8733,13 @@
           </p:cNvPr>
           <p:cNvCxnSpPr>
             <a:cxnSpLocks/>
-            <a:stCxn id="68" idx="2"/>
-            <a:endCxn id="119" idx="0"/>
           </p:cNvCxnSpPr>
           <p:nvPr/>
         </p:nvCxnSpPr>
         <p:spPr>
           <a:xfrm>
-            <a:off x="6317905" y="2275077"/>
-            <a:ext cx="0" cy="410525"/>
+            <a:off x="6311115" y="2292560"/>
+            <a:ext cx="0" cy="389185"/>
           </a:xfrm>
           <a:prstGeom prst="straightConnector1">
             <a:avLst/>
@@ -8603,15 +8777,13 @@
           </p:cNvPr>
           <p:cNvCxnSpPr>
             <a:cxnSpLocks/>
-            <a:stCxn id="81" idx="2"/>
-            <a:endCxn id="121" idx="0"/>
           </p:cNvCxnSpPr>
           <p:nvPr/>
         </p:nvCxnSpPr>
         <p:spPr>
           <a:xfrm>
-            <a:off x="8778537" y="2275003"/>
-            <a:ext cx="7882" cy="406742"/>
+            <a:off x="8788250" y="2256457"/>
+            <a:ext cx="0" cy="425288"/>
           </a:xfrm>
           <a:prstGeom prst="straightConnector1">
             <a:avLst/>
@@ -8656,8 +8828,8 @@
         </p:nvCxnSpPr>
         <p:spPr>
           <a:xfrm>
-            <a:off x="2313835" y="2262152"/>
-            <a:ext cx="1682983" cy="1297032"/>
+            <a:off x="2329136" y="2262152"/>
+            <a:ext cx="1667682" cy="1297032"/>
           </a:xfrm>
           <a:prstGeom prst="straightConnector1">
             <a:avLst/>
@@ -8749,8 +8921,8 @@
         </p:nvCxnSpPr>
         <p:spPr>
           <a:xfrm>
-            <a:off x="4148759" y="2266860"/>
-            <a:ext cx="2375249" cy="1292325"/>
+            <a:off x="4113203" y="2266860"/>
+            <a:ext cx="2410805" cy="1292325"/>
           </a:xfrm>
           <a:prstGeom prst="straightConnector1">
             <a:avLst/>
@@ -8824,41 +8996,6 @@
       </p:cxnSp>
       <p:sp>
         <p:nvSpPr>
-          <p:cNvPr id="139" name="TextBox 138">
-            <a:extLst>
-              <a:ext uri="{FF2B5EF4-FFF2-40B4-BE49-F238E27FC236}">
-                <a16:creationId xmlns:a16="http://schemas.microsoft.com/office/drawing/2014/main" id="{6327164F-FD57-4FFA-8154-3F7A59897248}"/>
-              </a:ext>
-            </a:extLst>
-          </p:cNvPr>
-          <p:cNvSpPr txBox="1"/>
-          <p:nvPr/>
-        </p:nvSpPr>
-        <p:spPr>
-          <a:xfrm>
-            <a:off x="9043411" y="2246757"/>
-            <a:ext cx="1574419" cy="369332"/>
-          </a:xfrm>
-          <a:prstGeom prst="rect">
-            <a:avLst/>
-          </a:prstGeom>
-          <a:noFill/>
-        </p:spPr>
-        <p:txBody>
-          <a:bodyPr wrap="square" rtlCol="0">
-            <a:spAutoFit/>
-          </a:bodyPr>
-          <a:lstStyle/>
-          <a:p>
-            <a:r>
-              <a:rPr lang="en-US" dirty="0"/>
-              <a:t>preprocessing</a:t>
-            </a:r>
-          </a:p>
-        </p:txBody>
-      </p:sp>
-      <p:sp>
-        <p:nvSpPr>
           <p:cNvPr id="151" name="TextBox 150">
             <a:extLst>
               <a:ext uri="{FF2B5EF4-FFF2-40B4-BE49-F238E27FC236}">
@@ -8871,7 +9008,7 @@
         </p:nvSpPr>
         <p:spPr>
           <a:xfrm>
-            <a:off x="8786418" y="756006"/>
+            <a:off x="8857608" y="693444"/>
             <a:ext cx="2109787" cy="369332"/>
           </a:xfrm>
           <a:prstGeom prst="rect">
@@ -8887,8 +9024,13 @@
           <a:p>
             <a:r>
               <a:rPr lang="en-US" dirty="0"/>
-              <a:t>coherent integrator</a:t>
+              <a:t>coherent integrat</a:t>
             </a:r>
+            <a:r>
+              <a:rPr lang="en-US" altLang="zh-CN" dirty="0"/>
+              <a:t>ion</a:t>
+            </a:r>
+            <a:endParaRPr lang="en-US" dirty="0"/>
           </a:p>
         </p:txBody>
       </p:sp>
@@ -8908,7 +9050,7 @@
         </p:nvCxnSpPr>
         <p:spPr>
           <a:xfrm flipV="1">
-            <a:off x="9459812" y="1071923"/>
+            <a:off x="9603868" y="1011848"/>
             <a:ext cx="119969" cy="325640"/>
           </a:xfrm>
           <a:prstGeom prst="straightConnector1">
@@ -8996,9 +9138,9 @@
           <p:nvPr/>
         </p:nvCxnSpPr>
         <p:spPr>
-          <a:xfrm flipH="1">
-            <a:off x="4285646" y="849813"/>
-            <a:ext cx="5161" cy="355877"/>
+          <a:xfrm>
+            <a:off x="4290807" y="849813"/>
+            <a:ext cx="0" cy="320949"/>
           </a:xfrm>
           <a:prstGeom prst="straightConnector1">
             <a:avLst/>
@@ -9041,7 +9183,7 @@
         </p:nvCxnSpPr>
         <p:spPr>
           <a:xfrm>
-            <a:off x="6096000" y="828735"/>
+            <a:off x="6122958" y="805846"/>
             <a:ext cx="0" cy="360528"/>
           </a:xfrm>
           <a:prstGeom prst="straightConnector1">
@@ -9233,7 +9375,7 @@
                 <a:avLst/>
               </a:prstGeom>
               <a:blipFill>
-                <a:blip r:embed="rId25"/>
+                <a:blip r:embed="rId26"/>
                 <a:stretch>
                   <a:fillRect/>
                 </a:stretch>
@@ -9420,7 +9562,7 @@
                 <a:avLst/>
               </a:prstGeom>
               <a:blipFill>
-                <a:blip r:embed="rId26"/>
+                <a:blip r:embed="rId27"/>
                 <a:stretch>
                   <a:fillRect/>
                 </a:stretch>
@@ -9607,7 +9749,7 @@
                 <a:avLst/>
               </a:prstGeom>
               <a:blipFill>
-                <a:blip r:embed="rId27"/>
+                <a:blip r:embed="rId28"/>
                 <a:stretch>
                   <a:fillRect/>
                 </a:stretch>
@@ -9794,7 +9936,7 @@
                 <a:avLst/>
               </a:prstGeom>
               <a:blipFill>
-                <a:blip r:embed="rId28"/>
+                <a:blip r:embed="rId29"/>
                 <a:stretch>
                   <a:fillRect/>
                 </a:stretch>
